--- a/fig/DefaultsPaper.pptx
+++ b/fig/DefaultsPaper.pptx
@@ -1,6 +1,6 @@
 
 <file path=ppt/presentation.xml><?xml version="1.0" encoding="utf-8"?>
-<p:presentation xmlns:a="http://schemas.openxmlformats.org/drawingml/2006/main" xmlns:r="http://schemas.openxmlformats.org/officeDocument/2006/relationships" xmlns:p="http://schemas.openxmlformats.org/presentationml/2006/main" saveSubsetFonts="1" autoCompressPictures="0">
+<p:presentation xmlns:a="http://schemas.openxmlformats.org/drawingml/2006/main" xmlns:r="http://schemas.openxmlformats.org/officeDocument/2006/relationships" xmlns:mc="http://schemas.openxmlformats.org/markup-compatibility/2006" xmlns:mv="urn:schemas-microsoft-com:mac:vml" xmlns:p="http://schemas.openxmlformats.org/presentationml/2006/main" mc:Ignorable="mv" mc:PreserveAttributes="mv:*" saveSubsetFonts="1" autoCompressPictures="0">
   <p:sldMasterIdLst>
     <p:sldMasterId id="2147483648" r:id="rId1"/>
   </p:sldMasterIdLst>
@@ -214,55 +214,55 @@
                 <c:formatCode>General</c:formatCode>
                 <c:ptCount val="20"/>
                 <c:pt idx="1">
-                  <c:v>1</c:v>
+                  <c:v>1.0</c:v>
                 </c:pt>
                 <c:pt idx="2">
-                  <c:v>1</c:v>
+                  <c:v>1.0</c:v>
                 </c:pt>
                 <c:pt idx="3">
-                  <c:v>1</c:v>
+                  <c:v>1.0</c:v>
                 </c:pt>
                 <c:pt idx="4">
-                  <c:v>1</c:v>
+                  <c:v>1.0</c:v>
                 </c:pt>
                 <c:pt idx="5">
-                  <c:v>1</c:v>
+                  <c:v>1.0</c:v>
                 </c:pt>
                 <c:pt idx="6">
-                  <c:v>1</c:v>
+                  <c:v>1.0</c:v>
                 </c:pt>
                 <c:pt idx="7">
-                  <c:v>1</c:v>
+                  <c:v>1.0</c:v>
                 </c:pt>
                 <c:pt idx="8">
-                  <c:v>1</c:v>
+                  <c:v>1.0</c:v>
                 </c:pt>
                 <c:pt idx="10">
-                  <c:v>1</c:v>
+                  <c:v>1.0</c:v>
                 </c:pt>
                 <c:pt idx="11">
-                  <c:v>1</c:v>
+                  <c:v>1.0</c:v>
                 </c:pt>
                 <c:pt idx="12">
-                  <c:v>1</c:v>
+                  <c:v>1.0</c:v>
                 </c:pt>
                 <c:pt idx="13">
-                  <c:v>1</c:v>
+                  <c:v>1.0</c:v>
                 </c:pt>
                 <c:pt idx="14">
-                  <c:v>1</c:v>
+                  <c:v>1.0</c:v>
                 </c:pt>
                 <c:pt idx="15">
-                  <c:v>1</c:v>
+                  <c:v>1.0</c:v>
                 </c:pt>
                 <c:pt idx="16">
-                  <c:v>1</c:v>
+                  <c:v>1.0</c:v>
                 </c:pt>
                 <c:pt idx="17">
-                  <c:v>1</c:v>
+                  <c:v>1.0</c:v>
                 </c:pt>
                 <c:pt idx="19">
-                  <c:v>1</c:v>
+                  <c:v>1.0</c:v>
                 </c:pt>
               </c:numCache>
             </c:numRef>
@@ -362,65 +362,65 @@
                 <c:formatCode>General</c:formatCode>
                 <c:ptCount val="20"/>
                 <c:pt idx="1">
-                  <c:v>1.0007462561480498</c:v>
+                  <c:v>1.00074625614805</c:v>
                 </c:pt>
                 <c:pt idx="2">
                   <c:v>1.609202211690363</c:v>
                 </c:pt>
                 <c:pt idx="3">
-                  <c:v>1.0013368000889937</c:v>
+                  <c:v>1.001336800088994</c:v>
                 </c:pt>
                 <c:pt idx="4">
-                  <c:v>1.0790153472116699</c:v>
+                  <c:v>1.07901534721167</c:v>
                 </c:pt>
                 <c:pt idx="5">
-                  <c:v>1.2401673874142558</c:v>
+                  <c:v>1.240167387414256</c:v>
                 </c:pt>
                 <c:pt idx="6">
-                  <c:v>1.3905102693772033</c:v>
+                  <c:v>1.390510269377203</c:v>
                 </c:pt>
                 <c:pt idx="7">
-                  <c:v>1.0083001359768822</c:v>
+                  <c:v>1.008300135976882</c:v>
                 </c:pt>
                 <c:pt idx="8">
-                  <c:v>1.0633745572780577</c:v>
+                  <c:v>1.063374557278058</c:v>
                 </c:pt>
                 <c:pt idx="10">
-                  <c:v>1.0658077994428969</c:v>
+                  <c:v>1.065807799442897</c:v>
                 </c:pt>
                 <c:pt idx="11">
                   <c:v>1.204174019795903</c:v>
                 </c:pt>
                 <c:pt idx="12">
-                  <c:v>1.5535584646729601</c:v>
+                  <c:v>1.55355846467296</c:v>
                 </c:pt>
                 <c:pt idx="13">
-                  <c:v>1.6991926109767213</c:v>
+                  <c:v>1.699192610976721</c:v>
                 </c:pt>
                 <c:pt idx="14">
-                  <c:v>1.2286856164104238</c:v>
+                  <c:v>1.228685616410424</c:v>
                 </c:pt>
                 <c:pt idx="15">
-                  <c:v>1.2170048107090568</c:v>
+                  <c:v>1.217004810709057</c:v>
                 </c:pt>
                 <c:pt idx="16">
-                  <c:v>7.8024993208367288</c:v>
+                  <c:v>7.802499320836729</c:v>
                 </c:pt>
                 <c:pt idx="17">
-                  <c:v>1.1735576074810332</c:v>
+                  <c:v>1.173557607481033</c:v>
                 </c:pt>
                 <c:pt idx="19">
-                  <c:v>1.6460708259694501</c:v>
+                  <c:v>1.64607082596945</c:v>
                 </c:pt>
               </c:numCache>
             </c:numRef>
           </c:val>
         </c:ser>
-        <c:axId val="118806400"/>
-        <c:axId val="134279168"/>
+        <c:axId val="245811640"/>
+        <c:axId val="245802712"/>
       </c:barChart>
       <c:catAx>
-        <c:axId val="118806400"/>
+        <c:axId val="245811640"/>
         <c:scaling>
           <c:orientation val="minMax"/>
         </c:scaling>
@@ -436,18 +436,18 @@
             <a:endParaRPr lang="en-US"/>
           </a:p>
         </c:txPr>
-        <c:crossAx val="134279168"/>
+        <c:crossAx val="245802712"/>
         <c:crosses val="autoZero"/>
         <c:auto val="1"/>
         <c:lblAlgn val="ctr"/>
         <c:lblOffset val="100"/>
       </c:catAx>
       <c:valAx>
-        <c:axId val="134279168"/>
+        <c:axId val="245802712"/>
         <c:scaling>
           <c:orientation val="minMax"/>
           <c:max val="1.8"/>
-          <c:min val="0"/>
+          <c:min val="0.0"/>
         </c:scaling>
         <c:axPos val="l"/>
         <c:majorGridlines/>
@@ -461,7 +461,7 @@
                   <a:defRPr/>
                 </a:pPr>
                 <a:r>
-                  <a:rPr lang="en-US"/>
+                  <a:rPr lang="en-US" dirty="0"/>
                   <a:t>Normalized Memory Uage</a:t>
                 </a:r>
               </a:p>
@@ -471,7 +471,7 @@
         </c:title>
         <c:numFmt formatCode="General" sourceLinked="1"/>
         <c:tickLblPos val="nextTo"/>
-        <c:crossAx val="118806400"/>
+        <c:crossAx val="245811640"/>
         <c:crosses val="autoZero"/>
         <c:crossBetween val="between"/>
         <c:majorUnit val="0.5"/>
@@ -483,10 +483,10 @@
         <c:manualLayout>
           <c:xMode val="edge"/>
           <c:yMode val="edge"/>
-          <c:x val="0.8430433136156491"/>
-          <c:y val="0.23645247469066402"/>
-          <c:w val="0.12919441506378898"/>
-          <c:h val="0.22164392279912404"/>
+          <c:x val="0.843043313615649"/>
+          <c:y val="0.236452474690664"/>
+          <c:w val="0.129194415063789"/>
+          <c:h val="0.221643922799124"/>
         </c:manualLayout>
       </c:layout>
       <c:txPr>
@@ -507,7 +507,7 @@
 </file>
 
 <file path=ppt/slideLayouts/slideLayout1.xml><?xml version="1.0" encoding="utf-8"?>
-<p:sldLayout xmlns:a="http://schemas.openxmlformats.org/drawingml/2006/main" xmlns:r="http://schemas.openxmlformats.org/officeDocument/2006/relationships" xmlns:p="http://schemas.openxmlformats.org/presentationml/2006/main" type="title" preserve="1">
+<p:sldLayout xmlns:a="http://schemas.openxmlformats.org/drawingml/2006/main" xmlns:r="http://schemas.openxmlformats.org/officeDocument/2006/relationships" xmlns:mc="http://schemas.openxmlformats.org/markup-compatibility/2006" xmlns:mv="urn:schemas-microsoft-com:mac:vml" xmlns:p="http://schemas.openxmlformats.org/presentationml/2006/main" mc:Ignorable="mv" mc:PreserveAttributes="mv:*" type="title" preserve="1">
   <p:cSld name="Title Slide">
     <p:spTree>
       <p:nvGrpSpPr>
@@ -688,9 +688,9 @@
             <a:fld id="{CD9E33B9-CE4A-C84C-B720-FE624F5655F3}" type="datetimeFigureOut">
               <a:rPr lang="en-US" smtClean="0"/>
               <a:pPr/>
-              <a:t>9/9/2013</a:t>
+              <a:t>9/10/13</a:t>
             </a:fld>
-            <a:endParaRPr lang="en-US"/>
+            <a:endParaRPr lang="en-US" dirty="0"/>
           </a:p>
         </p:txBody>
       </p:sp>
@@ -709,7 +709,7 @@
           <a:bodyPr/>
           <a:lstStyle/>
           <a:p>
-            <a:endParaRPr lang="en-US"/>
+            <a:endParaRPr lang="en-US" dirty="0"/>
           </a:p>
         </p:txBody>
       </p:sp>
@@ -733,7 +733,7 @@
               <a:pPr/>
               <a:t>‹#›</a:t>
             </a:fld>
-            <a:endParaRPr lang="en-US"/>
+            <a:endParaRPr lang="en-US" dirty="0"/>
           </a:p>
         </p:txBody>
       </p:sp>
@@ -746,7 +746,7 @@
 </file>
 
 <file path=ppt/slideLayouts/slideLayout10.xml><?xml version="1.0" encoding="utf-8"?>
-<p:sldLayout xmlns:a="http://schemas.openxmlformats.org/drawingml/2006/main" xmlns:r="http://schemas.openxmlformats.org/officeDocument/2006/relationships" xmlns:p="http://schemas.openxmlformats.org/presentationml/2006/main" type="vertTx" preserve="1">
+<p:sldLayout xmlns:a="http://schemas.openxmlformats.org/drawingml/2006/main" xmlns:r="http://schemas.openxmlformats.org/officeDocument/2006/relationships" xmlns:mc="http://schemas.openxmlformats.org/markup-compatibility/2006" xmlns:mv="urn:schemas-microsoft-com:mac:vml" xmlns:p="http://schemas.openxmlformats.org/presentationml/2006/main" mc:Ignorable="mv" mc:PreserveAttributes="mv:*" type="vertTx" preserve="1">
   <p:cSld name="Title and Vertical Text">
     <p:spTree>
       <p:nvGrpSpPr>
@@ -855,9 +855,9 @@
             <a:fld id="{CD9E33B9-CE4A-C84C-B720-FE624F5655F3}" type="datetimeFigureOut">
               <a:rPr lang="en-US" smtClean="0"/>
               <a:pPr/>
-              <a:t>9/9/2013</a:t>
+              <a:t>9/10/13</a:t>
             </a:fld>
-            <a:endParaRPr lang="en-US"/>
+            <a:endParaRPr lang="en-US" dirty="0"/>
           </a:p>
         </p:txBody>
       </p:sp>
@@ -876,7 +876,7 @@
           <a:bodyPr/>
           <a:lstStyle/>
           <a:p>
-            <a:endParaRPr lang="en-US"/>
+            <a:endParaRPr lang="en-US" dirty="0"/>
           </a:p>
         </p:txBody>
       </p:sp>
@@ -900,7 +900,7 @@
               <a:pPr/>
               <a:t>‹#›</a:t>
             </a:fld>
-            <a:endParaRPr lang="en-US"/>
+            <a:endParaRPr lang="en-US" dirty="0"/>
           </a:p>
         </p:txBody>
       </p:sp>
@@ -913,7 +913,7 @@
 </file>
 
 <file path=ppt/slideLayouts/slideLayout11.xml><?xml version="1.0" encoding="utf-8"?>
-<p:sldLayout xmlns:a="http://schemas.openxmlformats.org/drawingml/2006/main" xmlns:r="http://schemas.openxmlformats.org/officeDocument/2006/relationships" xmlns:p="http://schemas.openxmlformats.org/presentationml/2006/main" type="vertTitleAndTx" preserve="1">
+<p:sldLayout xmlns:a="http://schemas.openxmlformats.org/drawingml/2006/main" xmlns:r="http://schemas.openxmlformats.org/officeDocument/2006/relationships" xmlns:mc="http://schemas.openxmlformats.org/markup-compatibility/2006" xmlns:mv="urn:schemas-microsoft-com:mac:vml" xmlns:p="http://schemas.openxmlformats.org/presentationml/2006/main" mc:Ignorable="mv" mc:PreserveAttributes="mv:*" type="vertTitleAndTx" preserve="1">
   <p:cSld name="Vertical Title and Text">
     <p:spTree>
       <p:nvGrpSpPr>
@@ -1032,9 +1032,9 @@
             <a:fld id="{CD9E33B9-CE4A-C84C-B720-FE624F5655F3}" type="datetimeFigureOut">
               <a:rPr lang="en-US" smtClean="0"/>
               <a:pPr/>
-              <a:t>9/9/2013</a:t>
+              <a:t>9/10/13</a:t>
             </a:fld>
-            <a:endParaRPr lang="en-US"/>
+            <a:endParaRPr lang="en-US" dirty="0"/>
           </a:p>
         </p:txBody>
       </p:sp>
@@ -1053,7 +1053,7 @@
           <a:bodyPr/>
           <a:lstStyle/>
           <a:p>
-            <a:endParaRPr lang="en-US"/>
+            <a:endParaRPr lang="en-US" dirty="0"/>
           </a:p>
         </p:txBody>
       </p:sp>
@@ -1077,7 +1077,7 @@
               <a:pPr/>
               <a:t>‹#›</a:t>
             </a:fld>
-            <a:endParaRPr lang="en-US"/>
+            <a:endParaRPr lang="en-US" dirty="0"/>
           </a:p>
         </p:txBody>
       </p:sp>
@@ -1090,7 +1090,7 @@
 </file>
 
 <file path=ppt/slideLayouts/slideLayout2.xml><?xml version="1.0" encoding="utf-8"?>
-<p:sldLayout xmlns:a="http://schemas.openxmlformats.org/drawingml/2006/main" xmlns:r="http://schemas.openxmlformats.org/officeDocument/2006/relationships" xmlns:p="http://schemas.openxmlformats.org/presentationml/2006/main" type="obj" preserve="1">
+<p:sldLayout xmlns:a="http://schemas.openxmlformats.org/drawingml/2006/main" xmlns:r="http://schemas.openxmlformats.org/officeDocument/2006/relationships" xmlns:mc="http://schemas.openxmlformats.org/markup-compatibility/2006" xmlns:mv="urn:schemas-microsoft-com:mac:vml" xmlns:p="http://schemas.openxmlformats.org/presentationml/2006/main" mc:Ignorable="mv" mc:PreserveAttributes="mv:*" type="obj" preserve="1">
   <p:cSld name="Title and Content">
     <p:spTree>
       <p:nvGrpSpPr>
@@ -1199,9 +1199,9 @@
             <a:fld id="{CD9E33B9-CE4A-C84C-B720-FE624F5655F3}" type="datetimeFigureOut">
               <a:rPr lang="en-US" smtClean="0"/>
               <a:pPr/>
-              <a:t>9/9/2013</a:t>
+              <a:t>9/10/13</a:t>
             </a:fld>
-            <a:endParaRPr lang="en-US"/>
+            <a:endParaRPr lang="en-US" dirty="0"/>
           </a:p>
         </p:txBody>
       </p:sp>
@@ -1220,7 +1220,7 @@
           <a:bodyPr/>
           <a:lstStyle/>
           <a:p>
-            <a:endParaRPr lang="en-US"/>
+            <a:endParaRPr lang="en-US" dirty="0"/>
           </a:p>
         </p:txBody>
       </p:sp>
@@ -1244,7 +1244,7 @@
               <a:pPr/>
               <a:t>‹#›</a:t>
             </a:fld>
-            <a:endParaRPr lang="en-US"/>
+            <a:endParaRPr lang="en-US" dirty="0"/>
           </a:p>
         </p:txBody>
       </p:sp>
@@ -1257,7 +1257,7 @@
 </file>
 
 <file path=ppt/slideLayouts/slideLayout3.xml><?xml version="1.0" encoding="utf-8"?>
-<p:sldLayout xmlns:a="http://schemas.openxmlformats.org/drawingml/2006/main" xmlns:r="http://schemas.openxmlformats.org/officeDocument/2006/relationships" xmlns:p="http://schemas.openxmlformats.org/presentationml/2006/main" type="secHead" preserve="1">
+<p:sldLayout xmlns:a="http://schemas.openxmlformats.org/drawingml/2006/main" xmlns:r="http://schemas.openxmlformats.org/officeDocument/2006/relationships" xmlns:mc="http://schemas.openxmlformats.org/markup-compatibility/2006" xmlns:mv="urn:schemas-microsoft-com:mac:vml" xmlns:p="http://schemas.openxmlformats.org/presentationml/2006/main" mc:Ignorable="mv" mc:PreserveAttributes="mv:*" type="secHead" preserve="1">
   <p:cSld name="Section Header">
     <p:spTree>
       <p:nvGrpSpPr>
@@ -1442,9 +1442,9 @@
             <a:fld id="{CD9E33B9-CE4A-C84C-B720-FE624F5655F3}" type="datetimeFigureOut">
               <a:rPr lang="en-US" smtClean="0"/>
               <a:pPr/>
-              <a:t>9/9/2013</a:t>
+              <a:t>9/10/13</a:t>
             </a:fld>
-            <a:endParaRPr lang="en-US"/>
+            <a:endParaRPr lang="en-US" dirty="0"/>
           </a:p>
         </p:txBody>
       </p:sp>
@@ -1463,7 +1463,7 @@
           <a:bodyPr/>
           <a:lstStyle/>
           <a:p>
-            <a:endParaRPr lang="en-US"/>
+            <a:endParaRPr lang="en-US" dirty="0"/>
           </a:p>
         </p:txBody>
       </p:sp>
@@ -1487,7 +1487,7 @@
               <a:pPr/>
               <a:t>‹#›</a:t>
             </a:fld>
-            <a:endParaRPr lang="en-US"/>
+            <a:endParaRPr lang="en-US" dirty="0"/>
           </a:p>
         </p:txBody>
       </p:sp>
@@ -1500,7 +1500,7 @@
 </file>
 
 <file path=ppt/slideLayouts/slideLayout4.xml><?xml version="1.0" encoding="utf-8"?>
-<p:sldLayout xmlns:a="http://schemas.openxmlformats.org/drawingml/2006/main" xmlns:r="http://schemas.openxmlformats.org/officeDocument/2006/relationships" xmlns:p="http://schemas.openxmlformats.org/presentationml/2006/main" type="twoObj" preserve="1">
+<p:sldLayout xmlns:a="http://schemas.openxmlformats.org/drawingml/2006/main" xmlns:r="http://schemas.openxmlformats.org/officeDocument/2006/relationships" xmlns:mc="http://schemas.openxmlformats.org/markup-compatibility/2006" xmlns:mv="urn:schemas-microsoft-com:mac:vml" xmlns:p="http://schemas.openxmlformats.org/presentationml/2006/main" mc:Ignorable="mv" mc:PreserveAttributes="mv:*" type="twoObj" preserve="1">
   <p:cSld name="Two Content">
     <p:spTree>
       <p:nvGrpSpPr>
@@ -1727,9 +1727,9 @@
             <a:fld id="{CD9E33B9-CE4A-C84C-B720-FE624F5655F3}" type="datetimeFigureOut">
               <a:rPr lang="en-US" smtClean="0"/>
               <a:pPr/>
-              <a:t>9/9/2013</a:t>
+              <a:t>9/10/13</a:t>
             </a:fld>
-            <a:endParaRPr lang="en-US"/>
+            <a:endParaRPr lang="en-US" dirty="0"/>
           </a:p>
         </p:txBody>
       </p:sp>
@@ -1748,7 +1748,7 @@
           <a:bodyPr/>
           <a:lstStyle/>
           <a:p>
-            <a:endParaRPr lang="en-US"/>
+            <a:endParaRPr lang="en-US" dirty="0"/>
           </a:p>
         </p:txBody>
       </p:sp>
@@ -1772,7 +1772,7 @@
               <a:pPr/>
               <a:t>‹#›</a:t>
             </a:fld>
-            <a:endParaRPr lang="en-US"/>
+            <a:endParaRPr lang="en-US" dirty="0"/>
           </a:p>
         </p:txBody>
       </p:sp>
@@ -1785,7 +1785,7 @@
 </file>
 
 <file path=ppt/slideLayouts/slideLayout5.xml><?xml version="1.0" encoding="utf-8"?>
-<p:sldLayout xmlns:a="http://schemas.openxmlformats.org/drawingml/2006/main" xmlns:r="http://schemas.openxmlformats.org/officeDocument/2006/relationships" xmlns:p="http://schemas.openxmlformats.org/presentationml/2006/main" type="twoTxTwoObj" preserve="1">
+<p:sldLayout xmlns:a="http://schemas.openxmlformats.org/drawingml/2006/main" xmlns:r="http://schemas.openxmlformats.org/officeDocument/2006/relationships" xmlns:mc="http://schemas.openxmlformats.org/markup-compatibility/2006" xmlns:mv="urn:schemas-microsoft-com:mac:vml" xmlns:p="http://schemas.openxmlformats.org/presentationml/2006/main" mc:Ignorable="mv" mc:PreserveAttributes="mv:*" type="twoTxTwoObj" preserve="1">
   <p:cSld name="Comparison">
     <p:spTree>
       <p:nvGrpSpPr>
@@ -2146,9 +2146,9 @@
             <a:fld id="{CD9E33B9-CE4A-C84C-B720-FE624F5655F3}" type="datetimeFigureOut">
               <a:rPr lang="en-US" smtClean="0"/>
               <a:pPr/>
-              <a:t>9/9/2013</a:t>
+              <a:t>9/10/13</a:t>
             </a:fld>
-            <a:endParaRPr lang="en-US"/>
+            <a:endParaRPr lang="en-US" dirty="0"/>
           </a:p>
         </p:txBody>
       </p:sp>
@@ -2167,7 +2167,7 @@
           <a:bodyPr/>
           <a:lstStyle/>
           <a:p>
-            <a:endParaRPr lang="en-US"/>
+            <a:endParaRPr lang="en-US" dirty="0"/>
           </a:p>
         </p:txBody>
       </p:sp>
@@ -2191,7 +2191,7 @@
               <a:pPr/>
               <a:t>‹#›</a:t>
             </a:fld>
-            <a:endParaRPr lang="en-US"/>
+            <a:endParaRPr lang="en-US" dirty="0"/>
           </a:p>
         </p:txBody>
       </p:sp>
@@ -2204,7 +2204,7 @@
 </file>
 
 <file path=ppt/slideLayouts/slideLayout6.xml><?xml version="1.0" encoding="utf-8"?>
-<p:sldLayout xmlns:a="http://schemas.openxmlformats.org/drawingml/2006/main" xmlns:r="http://schemas.openxmlformats.org/officeDocument/2006/relationships" xmlns:p="http://schemas.openxmlformats.org/presentationml/2006/main" type="titleOnly" preserve="1">
+<p:sldLayout xmlns:a="http://schemas.openxmlformats.org/drawingml/2006/main" xmlns:r="http://schemas.openxmlformats.org/officeDocument/2006/relationships" xmlns:mc="http://schemas.openxmlformats.org/markup-compatibility/2006" xmlns:mv="urn:schemas-microsoft-com:mac:vml" xmlns:p="http://schemas.openxmlformats.org/presentationml/2006/main" mc:Ignorable="mv" mc:PreserveAttributes="mv:*" type="titleOnly" preserve="1">
   <p:cSld name="Title Only">
     <p:spTree>
       <p:nvGrpSpPr>
@@ -2261,9 +2261,9 @@
             <a:fld id="{CD9E33B9-CE4A-C84C-B720-FE624F5655F3}" type="datetimeFigureOut">
               <a:rPr lang="en-US" smtClean="0"/>
               <a:pPr/>
-              <a:t>9/9/2013</a:t>
+              <a:t>9/10/13</a:t>
             </a:fld>
-            <a:endParaRPr lang="en-US"/>
+            <a:endParaRPr lang="en-US" dirty="0"/>
           </a:p>
         </p:txBody>
       </p:sp>
@@ -2282,7 +2282,7 @@
           <a:bodyPr/>
           <a:lstStyle/>
           <a:p>
-            <a:endParaRPr lang="en-US"/>
+            <a:endParaRPr lang="en-US" dirty="0"/>
           </a:p>
         </p:txBody>
       </p:sp>
@@ -2306,7 +2306,7 @@
               <a:pPr/>
               <a:t>‹#›</a:t>
             </a:fld>
-            <a:endParaRPr lang="en-US"/>
+            <a:endParaRPr lang="en-US" dirty="0"/>
           </a:p>
         </p:txBody>
       </p:sp>
@@ -2319,7 +2319,7 @@
 </file>
 
 <file path=ppt/slideLayouts/slideLayout7.xml><?xml version="1.0" encoding="utf-8"?>
-<p:sldLayout xmlns:a="http://schemas.openxmlformats.org/drawingml/2006/main" xmlns:r="http://schemas.openxmlformats.org/officeDocument/2006/relationships" xmlns:p="http://schemas.openxmlformats.org/presentationml/2006/main" type="blank" preserve="1">
+<p:sldLayout xmlns:a="http://schemas.openxmlformats.org/drawingml/2006/main" xmlns:r="http://schemas.openxmlformats.org/officeDocument/2006/relationships" xmlns:mc="http://schemas.openxmlformats.org/markup-compatibility/2006" xmlns:mv="urn:schemas-microsoft-com:mac:vml" xmlns:p="http://schemas.openxmlformats.org/presentationml/2006/main" mc:Ignorable="mv" mc:PreserveAttributes="mv:*" type="blank" preserve="1">
   <p:cSld name="Blank">
     <p:spTree>
       <p:nvGrpSpPr>
@@ -2353,9 +2353,9 @@
             <a:fld id="{CD9E33B9-CE4A-C84C-B720-FE624F5655F3}" type="datetimeFigureOut">
               <a:rPr lang="en-US" smtClean="0"/>
               <a:pPr/>
-              <a:t>9/9/2013</a:t>
+              <a:t>9/10/13</a:t>
             </a:fld>
-            <a:endParaRPr lang="en-US"/>
+            <a:endParaRPr lang="en-US" dirty="0"/>
           </a:p>
         </p:txBody>
       </p:sp>
@@ -2374,7 +2374,7 @@
           <a:bodyPr/>
           <a:lstStyle/>
           <a:p>
-            <a:endParaRPr lang="en-US"/>
+            <a:endParaRPr lang="en-US" dirty="0"/>
           </a:p>
         </p:txBody>
       </p:sp>
@@ -2398,7 +2398,7 @@
               <a:pPr/>
               <a:t>‹#›</a:t>
             </a:fld>
-            <a:endParaRPr lang="en-US"/>
+            <a:endParaRPr lang="en-US" dirty="0"/>
           </a:p>
         </p:txBody>
       </p:sp>
@@ -2411,7 +2411,7 @@
 </file>
 
 <file path=ppt/slideLayouts/slideLayout8.xml><?xml version="1.0" encoding="utf-8"?>
-<p:sldLayout xmlns:a="http://schemas.openxmlformats.org/drawingml/2006/main" xmlns:r="http://schemas.openxmlformats.org/officeDocument/2006/relationships" xmlns:p="http://schemas.openxmlformats.org/presentationml/2006/main" type="objTx" preserve="1">
+<p:sldLayout xmlns:a="http://schemas.openxmlformats.org/drawingml/2006/main" xmlns:r="http://schemas.openxmlformats.org/officeDocument/2006/relationships" xmlns:mc="http://schemas.openxmlformats.org/markup-compatibility/2006" xmlns:mv="urn:schemas-microsoft-com:mac:vml" xmlns:p="http://schemas.openxmlformats.org/presentationml/2006/main" mc:Ignorable="mv" mc:PreserveAttributes="mv:*" type="objTx" preserve="1">
   <p:cSld name="Content with Caption">
     <p:spTree>
       <p:nvGrpSpPr>
@@ -2627,9 +2627,9 @@
             <a:fld id="{CD9E33B9-CE4A-C84C-B720-FE624F5655F3}" type="datetimeFigureOut">
               <a:rPr lang="en-US" smtClean="0"/>
               <a:pPr/>
-              <a:t>9/9/2013</a:t>
+              <a:t>9/10/13</a:t>
             </a:fld>
-            <a:endParaRPr lang="en-US"/>
+            <a:endParaRPr lang="en-US" dirty="0"/>
           </a:p>
         </p:txBody>
       </p:sp>
@@ -2648,7 +2648,7 @@
           <a:bodyPr/>
           <a:lstStyle/>
           <a:p>
-            <a:endParaRPr lang="en-US"/>
+            <a:endParaRPr lang="en-US" dirty="0"/>
           </a:p>
         </p:txBody>
       </p:sp>
@@ -2672,7 +2672,7 @@
               <a:pPr/>
               <a:t>‹#›</a:t>
             </a:fld>
-            <a:endParaRPr lang="en-US"/>
+            <a:endParaRPr lang="en-US" dirty="0"/>
           </a:p>
         </p:txBody>
       </p:sp>
@@ -2685,7 +2685,7 @@
 </file>
 
 <file path=ppt/slideLayouts/slideLayout9.xml><?xml version="1.0" encoding="utf-8"?>
-<p:sldLayout xmlns:a="http://schemas.openxmlformats.org/drawingml/2006/main" xmlns:r="http://schemas.openxmlformats.org/officeDocument/2006/relationships" xmlns:p="http://schemas.openxmlformats.org/presentationml/2006/main" type="picTx" preserve="1">
+<p:sldLayout xmlns:a="http://schemas.openxmlformats.org/drawingml/2006/main" xmlns:r="http://schemas.openxmlformats.org/officeDocument/2006/relationships" xmlns:mc="http://schemas.openxmlformats.org/markup-compatibility/2006" xmlns:mv="urn:schemas-microsoft-com:mac:vml" xmlns:p="http://schemas.openxmlformats.org/presentationml/2006/main" mc:Ignorable="mv" mc:PreserveAttributes="mv:*" type="picTx" preserve="1">
   <p:cSld name="Picture with Caption">
     <p:spTree>
       <p:nvGrpSpPr>
@@ -2790,7 +2790,7 @@
             </a:lvl9pPr>
           </a:lstStyle>
           <a:p>
-            <a:endParaRPr lang="en-US"/>
+            <a:endParaRPr lang="en-US" dirty="0"/>
           </a:p>
         </p:txBody>
       </p:sp>
@@ -2877,9 +2877,9 @@
             <a:fld id="{CD9E33B9-CE4A-C84C-B720-FE624F5655F3}" type="datetimeFigureOut">
               <a:rPr lang="en-US" smtClean="0"/>
               <a:pPr/>
-              <a:t>9/9/2013</a:t>
+              <a:t>9/10/13</a:t>
             </a:fld>
-            <a:endParaRPr lang="en-US"/>
+            <a:endParaRPr lang="en-US" dirty="0"/>
           </a:p>
         </p:txBody>
       </p:sp>
@@ -2898,7 +2898,7 @@
           <a:bodyPr/>
           <a:lstStyle/>
           <a:p>
-            <a:endParaRPr lang="en-US"/>
+            <a:endParaRPr lang="en-US" dirty="0"/>
           </a:p>
         </p:txBody>
       </p:sp>
@@ -2922,7 +2922,7 @@
               <a:pPr/>
               <a:t>‹#›</a:t>
             </a:fld>
-            <a:endParaRPr lang="en-US"/>
+            <a:endParaRPr lang="en-US" dirty="0"/>
           </a:p>
         </p:txBody>
       </p:sp>
@@ -2935,7 +2935,7 @@
 </file>
 
 <file path=ppt/slideMasters/slideMaster1.xml><?xml version="1.0" encoding="utf-8"?>
-<p:sldMaster xmlns:a="http://schemas.openxmlformats.org/drawingml/2006/main" xmlns:r="http://schemas.openxmlformats.org/officeDocument/2006/relationships" xmlns:p="http://schemas.openxmlformats.org/presentationml/2006/main">
+<p:sldMaster xmlns:a="http://schemas.openxmlformats.org/drawingml/2006/main" xmlns:r="http://schemas.openxmlformats.org/officeDocument/2006/relationships" xmlns:mc="http://schemas.openxmlformats.org/markup-compatibility/2006" xmlns:mv="urn:schemas-microsoft-com:mac:vml" xmlns:p="http://schemas.openxmlformats.org/presentationml/2006/main" mc:Ignorable="mv" mc:PreserveAttributes="mv:*">
   <p:cSld>
     <p:bg>
       <p:bgRef idx="1001">
@@ -3087,9 +3087,9 @@
             <a:fld id="{CD9E33B9-CE4A-C84C-B720-FE624F5655F3}" type="datetimeFigureOut">
               <a:rPr lang="en-US" smtClean="0"/>
               <a:pPr/>
-              <a:t>9/9/2013</a:t>
+              <a:t>9/10/13</a:t>
             </a:fld>
-            <a:endParaRPr lang="en-US"/>
+            <a:endParaRPr lang="en-US" dirty="0"/>
           </a:p>
         </p:txBody>
       </p:sp>
@@ -3126,7 +3126,7 @@
             </a:lvl1pPr>
           </a:lstStyle>
           <a:p>
-            <a:endParaRPr lang="en-US"/>
+            <a:endParaRPr lang="en-US" dirty="0"/>
           </a:p>
         </p:txBody>
       </p:sp>
@@ -3168,7 +3168,7 @@
               <a:pPr/>
               <a:t>‹#›</a:t>
             </a:fld>
-            <a:endParaRPr lang="en-US"/>
+            <a:endParaRPr lang="en-US" dirty="0"/>
           </a:p>
         </p:txBody>
       </p:sp>
@@ -3442,7 +3442,7 @@
 </file>
 
 <file path=ppt/slides/slide1.xml><?xml version="1.0" encoding="utf-8"?>
-<p:sld xmlns:a="http://schemas.openxmlformats.org/drawingml/2006/main" xmlns:r="http://schemas.openxmlformats.org/officeDocument/2006/relationships" xmlns:p="http://schemas.openxmlformats.org/presentationml/2006/main">
+<p:sld xmlns:a="http://schemas.openxmlformats.org/drawingml/2006/main" xmlns:r="http://schemas.openxmlformats.org/officeDocument/2006/relationships" xmlns:mc="http://schemas.openxmlformats.org/markup-compatibility/2006" xmlns:mv="urn:schemas-microsoft-com:mac:vml" xmlns:p="http://schemas.openxmlformats.org/presentationml/2006/main" mc:Ignorable="mv" mc:PreserveAttributes="mv:*">
   <p:cSld>
     <p:spTree>
       <p:nvGrpSpPr>
@@ -3515,7 +3515,7 @@
             <a:lstStyle/>
             <a:p>
               <a:pPr algn="ctr"/>
-              <a:endParaRPr lang="en-US"/>
+              <a:endParaRPr lang="en-US" dirty="0"/>
             </a:p>
           </p:txBody>
         </p:sp>
@@ -3944,7 +3944,7 @@
             <a:lstStyle/>
             <a:p>
               <a:pPr algn="ctr"/>
-              <a:endParaRPr lang="en-US"/>
+              <a:endParaRPr lang="en-US" dirty="0"/>
             </a:p>
           </p:txBody>
         </p:sp>
@@ -4594,7 +4594,7 @@
             <a:lstStyle/>
             <a:p>
               <a:pPr algn="ctr"/>
-              <a:endParaRPr lang="en-US"/>
+              <a:endParaRPr lang="en-US" dirty="0"/>
             </a:p>
           </p:txBody>
         </p:sp>
@@ -5023,7 +5023,7 @@
             <a:lstStyle/>
             <a:p>
               <a:pPr algn="ctr"/>
-              <a:endParaRPr lang="en-US"/>
+              <a:endParaRPr lang="en-US" dirty="0"/>
             </a:p>
           </p:txBody>
         </p:sp>
@@ -5605,7 +5605,7 @@
             <a:lstStyle/>
             <a:p>
               <a:pPr algn="ctr"/>
-              <a:endParaRPr lang="en-US"/>
+              <a:endParaRPr lang="en-US" dirty="0"/>
             </a:p>
           </p:txBody>
         </p:sp>
@@ -6034,7 +6034,7 @@
             <a:lstStyle/>
             <a:p>
               <a:pPr algn="ctr"/>
-              <a:endParaRPr lang="en-US"/>
+              <a:endParaRPr lang="en-US" dirty="0"/>
             </a:p>
           </p:txBody>
         </p:sp>
@@ -6711,7 +6711,7 @@
 </file>
 
 <file path=ppt/slides/slide2.xml><?xml version="1.0" encoding="utf-8"?>
-<p:sld xmlns:a="http://schemas.openxmlformats.org/drawingml/2006/main" xmlns:r="http://schemas.openxmlformats.org/officeDocument/2006/relationships" xmlns:p="http://schemas.openxmlformats.org/presentationml/2006/main">
+<p:sld xmlns:a="http://schemas.openxmlformats.org/drawingml/2006/main" xmlns:r="http://schemas.openxmlformats.org/officeDocument/2006/relationships" xmlns:mc="http://schemas.openxmlformats.org/markup-compatibility/2006" xmlns:mv="urn:schemas-microsoft-com:mac:vml" xmlns:p="http://schemas.openxmlformats.org/presentationml/2006/main" mc:Ignorable="mv" mc:PreserveAttributes="mv:*">
   <p:cSld>
     <p:spTree>
       <p:nvGrpSpPr>
@@ -6795,7 +6795,7 @@
               <a:lstStyle/>
               <a:p>
                 <a:pPr algn="ctr"/>
-                <a:endParaRPr lang="en-US"/>
+                <a:endParaRPr lang="en-US" dirty="0"/>
               </a:p>
             </p:txBody>
           </p:sp>
@@ -6839,7 +6839,7 @@
               <a:lstStyle/>
               <a:p>
                 <a:pPr algn="ctr"/>
-                <a:endParaRPr lang="en-US"/>
+                <a:endParaRPr lang="en-US" dirty="0"/>
               </a:p>
             </p:txBody>
           </p:sp>
@@ -6943,7 +6943,7 @@
             <a:lstStyle/>
             <a:p>
               <a:pPr algn="ctr"/>
-              <a:endParaRPr lang="en-US"/>
+              <a:endParaRPr lang="en-US" dirty="0"/>
             </a:p>
           </p:txBody>
         </p:sp>
@@ -6971,7 +6971,7 @@
             <a:p>
               <a:pPr algn="ctr"/>
               <a:r>
-                <a:rPr lang="en-US" sz="2400" dirty="0" err="1" smtClean="0"/>
+                <a:rPr lang="en-US" sz="2400" dirty="0" smtClean="0"/>
                 <a:t>d</a:t>
               </a:r>
               <a:endParaRPr lang="en-US" sz="2400" dirty="0"/>
@@ -7032,7 +7032,7 @@
               <a:lstStyle/>
               <a:p>
                 <a:pPr algn="ctr"/>
-                <a:endParaRPr lang="en-US"/>
+                <a:endParaRPr lang="en-US" dirty="0"/>
               </a:p>
             </p:txBody>
           </p:sp>
@@ -7076,7 +7076,7 @@
               <a:lstStyle/>
               <a:p>
                 <a:pPr algn="ctr"/>
-                <a:endParaRPr lang="en-US"/>
+                <a:endParaRPr lang="en-US" dirty="0"/>
               </a:p>
             </p:txBody>
           </p:sp>
@@ -7149,7 +7149,7 @@
             <a:lstStyle/>
             <a:p>
               <a:pPr algn="ctr"/>
-              <a:endParaRPr lang="en-US"/>
+              <a:endParaRPr lang="en-US" dirty="0"/>
             </a:p>
           </p:txBody>
         </p:sp>
@@ -7281,7 +7281,7 @@
             <a:lstStyle/>
             <a:p>
               <a:pPr algn="ctr"/>
-              <a:endParaRPr lang="en-US"/>
+              <a:endParaRPr lang="en-US" dirty="0"/>
             </a:p>
           </p:txBody>
         </p:sp>
@@ -7302,7 +7302,7 @@
 </file>
 
 <file path=ppt/slides/slide3.xml><?xml version="1.0" encoding="utf-8"?>
-<p:sld xmlns:a="http://schemas.openxmlformats.org/drawingml/2006/main" xmlns:r="http://schemas.openxmlformats.org/officeDocument/2006/relationships" xmlns:p="http://schemas.openxmlformats.org/presentationml/2006/main">
+<p:sld xmlns:a="http://schemas.openxmlformats.org/drawingml/2006/main" xmlns:r="http://schemas.openxmlformats.org/officeDocument/2006/relationships" xmlns:mc="http://schemas.openxmlformats.org/markup-compatibility/2006" xmlns:mv="urn:schemas-microsoft-com:mac:vml" xmlns:p="http://schemas.openxmlformats.org/presentationml/2006/main" mc:Ignorable="mv" mc:PreserveAttributes="mv:*">
   <p:cSld>
     <p:spTree>
       <p:nvGrpSpPr>
@@ -7318,820 +7318,835 @@
           <a:chExt cx="0" cy="0"/>
         </a:xfrm>
       </p:grpSpPr>
-      <p:sp>
-        <p:nvSpPr>
-          <p:cNvPr id="47" name="Rectangle 3"/>
-          <p:cNvSpPr/>
+      <p:grpSp>
+        <p:nvGrpSpPr>
+          <p:cNvPr id="31" name="Group 30"/>
+          <p:cNvGrpSpPr/>
           <p:nvPr/>
-        </p:nvSpPr>
-        <p:spPr>
+        </p:nvGrpSpPr>
+        <p:grpSpPr>
           <a:xfrm>
-            <a:off x="2790506" y="3416301"/>
-            <a:ext cx="1828800" cy="203199"/>
+            <a:off x="1328479" y="2087062"/>
+            <a:ext cx="6634421" cy="2664956"/>
+            <a:chOff x="1328479" y="2087062"/>
+            <a:chExt cx="6634421" cy="2664956"/>
           </a:xfrm>
-          <a:prstGeom prst="rect">
-            <a:avLst/>
-          </a:prstGeom>
-          <a:solidFill>
-            <a:schemeClr val="bg1">
-              <a:lumMod val="95000"/>
-            </a:schemeClr>
-          </a:solidFill>
-          <a:ln>
+        </p:grpSpPr>
+        <p:sp>
+          <p:nvSpPr>
+            <p:cNvPr id="47" name="Rectangle 3"/>
+            <p:cNvSpPr/>
+            <p:nvPr/>
+          </p:nvSpPr>
+          <p:spPr>
+            <a:xfrm>
+              <a:off x="2790506" y="3371851"/>
+              <a:ext cx="1828800" cy="203199"/>
+            </a:xfrm>
+            <a:prstGeom prst="rect">
+              <a:avLst/>
+            </a:prstGeom>
             <a:solidFill>
-              <a:schemeClr val="tx1"/>
-            </a:solidFill>
-            <a:prstDash val="lgDashDot"/>
-          </a:ln>
-        </p:spPr>
-        <p:style>
-          <a:lnRef idx="1">
-            <a:schemeClr val="accent1"/>
-          </a:lnRef>
-          <a:fillRef idx="3">
-            <a:schemeClr val="accent1"/>
-          </a:fillRef>
-          <a:effectRef idx="2">
-            <a:schemeClr val="accent1"/>
-          </a:effectRef>
-          <a:fontRef idx="minor">
-            <a:schemeClr val="lt1"/>
-          </a:fontRef>
-        </p:style>
-        <p:txBody>
-          <a:bodyPr rtlCol="0" anchor="ctr"/>
-          <a:lstStyle/>
-          <a:p>
-            <a:pPr algn="ctr"/>
-            <a:endParaRPr lang="en-US"/>
-          </a:p>
-        </p:txBody>
-      </p:sp>
-      <p:sp>
-        <p:nvSpPr>
-          <p:cNvPr id="48" name="Rectangle 3"/>
-          <p:cNvSpPr/>
-          <p:nvPr/>
-        </p:nvSpPr>
-        <p:spPr>
-          <a:xfrm>
-            <a:off x="2256502" y="3771900"/>
-            <a:ext cx="1828800" cy="203199"/>
-          </a:xfrm>
-          <a:prstGeom prst="rect">
-            <a:avLst/>
-          </a:prstGeom>
-          <a:solidFill>
-            <a:schemeClr val="bg1">
-              <a:lumMod val="95000"/>
-            </a:schemeClr>
-          </a:solidFill>
-          <a:ln>
-            <a:solidFill>
-              <a:schemeClr val="tx1"/>
-            </a:solidFill>
-            <a:prstDash val="lgDashDot"/>
-          </a:ln>
-        </p:spPr>
-        <p:style>
-          <a:lnRef idx="1">
-            <a:schemeClr val="accent1"/>
-          </a:lnRef>
-          <a:fillRef idx="3">
-            <a:schemeClr val="accent1"/>
-          </a:fillRef>
-          <a:effectRef idx="2">
-            <a:schemeClr val="accent1"/>
-          </a:effectRef>
-          <a:fontRef idx="minor">
-            <a:schemeClr val="lt1"/>
-          </a:fontRef>
-        </p:style>
-        <p:txBody>
-          <a:bodyPr rtlCol="0" anchor="ctr"/>
-          <a:lstStyle/>
-          <a:p>
-            <a:pPr algn="ctr"/>
-            <a:endParaRPr lang="en-US"/>
-          </a:p>
-        </p:txBody>
-      </p:sp>
-      <p:sp>
-        <p:nvSpPr>
-          <p:cNvPr id="43" name="Rectangle 3"/>
-          <p:cNvSpPr/>
-          <p:nvPr/>
-        </p:nvSpPr>
-        <p:spPr>
-          <a:xfrm>
-            <a:off x="2477239" y="4194178"/>
-            <a:ext cx="1828800" cy="214204"/>
-          </a:xfrm>
-          <a:prstGeom prst="rect">
-            <a:avLst/>
-          </a:prstGeom>
-          <a:solidFill>
-            <a:schemeClr val="accent1">
-              <a:lumMod val="40000"/>
-              <a:lumOff val="60000"/>
-            </a:schemeClr>
-          </a:solidFill>
-          <a:ln>
-            <a:solidFill>
-              <a:schemeClr val="tx1"/>
-            </a:solidFill>
-          </a:ln>
-        </p:spPr>
-        <p:style>
-          <a:lnRef idx="1">
-            <a:schemeClr val="accent1"/>
-          </a:lnRef>
-          <a:fillRef idx="3">
-            <a:schemeClr val="accent1"/>
-          </a:fillRef>
-          <a:effectRef idx="2">
-            <a:schemeClr val="accent1"/>
-          </a:effectRef>
-          <a:fontRef idx="minor">
-            <a:schemeClr val="lt1"/>
-          </a:fontRef>
-        </p:style>
-        <p:txBody>
-          <a:bodyPr rtlCol="0" anchor="ctr"/>
-          <a:lstStyle/>
-          <a:p>
-            <a:pPr algn="ctr"/>
-            <a:endParaRPr lang="en-US"/>
-          </a:p>
-        </p:txBody>
-      </p:sp>
-      <p:cxnSp>
-        <p:nvCxnSpPr>
-          <p:cNvPr id="34" name="Straight Connector 33"/>
-          <p:cNvCxnSpPr/>
-          <p:nvPr/>
-        </p:nvCxnSpPr>
-        <p:spPr>
-          <a:xfrm flipH="1">
-            <a:off x="2911608" y="2362203"/>
-            <a:ext cx="3" cy="2102635"/>
-          </a:xfrm>
-          <a:prstGeom prst="line">
-            <a:avLst/>
-          </a:prstGeom>
-          <a:ln w="0">
-            <a:solidFill>
-              <a:schemeClr val="bg2">
-                <a:lumMod val="50000"/>
+              <a:schemeClr val="bg1">
+                <a:lumMod val="95000"/>
               </a:schemeClr>
             </a:solidFill>
-            <a:prstDash val="dashDot"/>
-          </a:ln>
-        </p:spPr>
-        <p:style>
-          <a:lnRef idx="2">
-            <a:schemeClr val="accent1"/>
-          </a:lnRef>
-          <a:fillRef idx="0">
-            <a:schemeClr val="accent1"/>
-          </a:fillRef>
-          <a:effectRef idx="1">
-            <a:schemeClr val="accent1"/>
-          </a:effectRef>
-          <a:fontRef idx="minor">
-            <a:schemeClr val="tx1"/>
-          </a:fontRef>
-        </p:style>
-      </p:cxnSp>
-      <p:cxnSp>
-        <p:nvCxnSpPr>
-          <p:cNvPr id="37" name="Straight Connector 36"/>
-          <p:cNvCxnSpPr/>
-          <p:nvPr/>
-        </p:nvCxnSpPr>
-        <p:spPr>
-          <a:xfrm flipH="1">
-            <a:off x="3898903" y="2362205"/>
-            <a:ext cx="1" cy="2125515"/>
-          </a:xfrm>
-          <a:prstGeom prst="line">
-            <a:avLst/>
-          </a:prstGeom>
-          <a:ln w="0">
+            <a:ln>
+              <a:solidFill>
+                <a:schemeClr val="tx1"/>
+              </a:solidFill>
+              <a:prstDash val="dash"/>
+            </a:ln>
+          </p:spPr>
+          <p:style>
+            <a:lnRef idx="1">
+              <a:schemeClr val="accent1"/>
+            </a:lnRef>
+            <a:fillRef idx="3">
+              <a:schemeClr val="accent1"/>
+            </a:fillRef>
+            <a:effectRef idx="2">
+              <a:schemeClr val="accent1"/>
+            </a:effectRef>
+            <a:fontRef idx="minor">
+              <a:schemeClr val="lt1"/>
+            </a:fontRef>
+          </p:style>
+          <p:txBody>
+            <a:bodyPr rtlCol="0" anchor="ctr"/>
+            <a:lstStyle/>
+            <a:p>
+              <a:pPr algn="ctr"/>
+              <a:endParaRPr lang="en-US" dirty="0"/>
+            </a:p>
+          </p:txBody>
+        </p:sp>
+        <p:sp>
+          <p:nvSpPr>
+            <p:cNvPr id="48" name="Rectangle 3"/>
+            <p:cNvSpPr/>
+            <p:nvPr/>
+          </p:nvSpPr>
+          <p:spPr>
+            <a:xfrm>
+              <a:off x="2256502" y="3752850"/>
+              <a:ext cx="1828800" cy="203199"/>
+            </a:xfrm>
+            <a:prstGeom prst="rect">
+              <a:avLst/>
+            </a:prstGeom>
             <a:solidFill>
-              <a:schemeClr val="bg2">
-                <a:lumMod val="50000"/>
+              <a:schemeClr val="bg1">
+                <a:lumMod val="95000"/>
               </a:schemeClr>
             </a:solidFill>
-            <a:prstDash val="dashDot"/>
-          </a:ln>
-        </p:spPr>
-        <p:style>
-          <a:lnRef idx="2">
-            <a:schemeClr val="accent1"/>
-          </a:lnRef>
-          <a:fillRef idx="0">
-            <a:schemeClr val="accent1"/>
-          </a:fillRef>
-          <a:effectRef idx="1">
-            <a:schemeClr val="accent1"/>
-          </a:effectRef>
-          <a:fontRef idx="minor">
-            <a:schemeClr val="tx1"/>
-          </a:fontRef>
-        </p:style>
-      </p:cxnSp>
-      <p:sp>
-        <p:nvSpPr>
-          <p:cNvPr id="11" name="Left Brace 10"/>
-          <p:cNvSpPr/>
-          <p:nvPr/>
-        </p:nvSpPr>
-        <p:spPr>
-          <a:xfrm rot="16200000" flipH="1">
-            <a:off x="3206663" y="2176699"/>
-            <a:ext cx="368476" cy="990600"/>
-          </a:xfrm>
-          <a:prstGeom prst="leftBrace">
-            <a:avLst>
-              <a:gd name="adj1" fmla="val 8333"/>
-              <a:gd name="adj2" fmla="val 47743"/>
-            </a:avLst>
-          </a:prstGeom>
-          <a:ln w="9525"/>
-        </p:spPr>
-        <p:style>
-          <a:lnRef idx="2">
-            <a:schemeClr val="accent1"/>
-          </a:lnRef>
-          <a:fillRef idx="0">
-            <a:schemeClr val="accent1"/>
-          </a:fillRef>
-          <a:effectRef idx="1">
-            <a:schemeClr val="accent1"/>
-          </a:effectRef>
-          <a:fontRef idx="minor">
-            <a:schemeClr val="tx1"/>
-          </a:fontRef>
-        </p:style>
-        <p:txBody>
-          <a:bodyPr rtlCol="0" anchor="ctr"/>
-          <a:lstStyle/>
-          <a:p>
-            <a:pPr algn="ctr"/>
-            <a:endParaRPr lang="en-US"/>
-          </a:p>
-        </p:txBody>
-      </p:sp>
-      <p:sp>
-        <p:nvSpPr>
-          <p:cNvPr id="13" name="TextBox 12"/>
-          <p:cNvSpPr txBox="1"/>
-          <p:nvPr/>
-        </p:nvSpPr>
-        <p:spPr>
-          <a:xfrm>
-            <a:off x="3187700" y="2174761"/>
-            <a:ext cx="373319" cy="461665"/>
-          </a:xfrm>
-          <a:prstGeom prst="rect">
-            <a:avLst/>
-          </a:prstGeom>
-          <a:noFill/>
-        </p:spPr>
-        <p:txBody>
-          <a:bodyPr wrap="square" rtlCol="0">
-            <a:spAutoFit/>
-          </a:bodyPr>
-          <a:lstStyle/>
-          <a:p>
-            <a:pPr algn="ctr"/>
-            <a:r>
-              <a:rPr lang="en-US" sz="2400" dirty="0" err="1" smtClean="0"/>
-              <a:t>d</a:t>
-            </a:r>
-            <a:endParaRPr lang="en-US" sz="2400" dirty="0"/>
-          </a:p>
-        </p:txBody>
-      </p:sp>
-      <p:sp>
-        <p:nvSpPr>
-          <p:cNvPr id="23" name="TextBox 22"/>
-          <p:cNvSpPr txBox="1"/>
-          <p:nvPr/>
-        </p:nvSpPr>
-        <p:spPr>
-          <a:xfrm>
-            <a:off x="2099733" y="4652819"/>
-            <a:ext cx="1151466" cy="307777"/>
-          </a:xfrm>
-          <a:prstGeom prst="rect">
-            <a:avLst/>
-          </a:prstGeom>
-          <a:noFill/>
-        </p:spPr>
-        <p:txBody>
-          <a:bodyPr wrap="square" tIns="0" bIns="0" rtlCol="0">
-            <a:spAutoFit/>
-          </a:bodyPr>
-          <a:lstStyle/>
-          <a:p>
-            <a:pPr algn="ctr"/>
-            <a:r>
-              <a:rPr lang="en-US" sz="2000" dirty="0" smtClean="0"/>
-              <a:t>(sz-d)/2</a:t>
-            </a:r>
-            <a:endParaRPr lang="en-US" sz="2000" dirty="0"/>
-          </a:p>
-        </p:txBody>
-      </p:sp>
-      <p:sp>
-        <p:nvSpPr>
-          <p:cNvPr id="24" name="Left Brace 23"/>
-          <p:cNvSpPr/>
-          <p:nvPr/>
-        </p:nvSpPr>
-        <p:spPr>
-          <a:xfrm rot="16200000">
-            <a:off x="2653399" y="4315784"/>
-            <a:ext cx="82047" cy="434367"/>
-          </a:xfrm>
-          <a:prstGeom prst="leftBrace">
-            <a:avLst>
-              <a:gd name="adj1" fmla="val 8333"/>
-              <a:gd name="adj2" fmla="val 47743"/>
-            </a:avLst>
-          </a:prstGeom>
-          <a:ln w="12700"/>
-        </p:spPr>
-        <p:style>
-          <a:lnRef idx="2">
-            <a:schemeClr val="accent1"/>
-          </a:lnRef>
-          <a:fillRef idx="0">
-            <a:schemeClr val="accent1"/>
-          </a:fillRef>
-          <a:effectRef idx="1">
-            <a:schemeClr val="accent1"/>
-          </a:effectRef>
-          <a:fontRef idx="minor">
-            <a:schemeClr val="tx1"/>
-          </a:fontRef>
-        </p:style>
-        <p:txBody>
-          <a:bodyPr rtlCol="0" anchor="ctr"/>
-          <a:lstStyle/>
-          <a:p>
-            <a:pPr algn="ctr"/>
-            <a:endParaRPr lang="en-US"/>
-          </a:p>
-        </p:txBody>
-      </p:sp>
-      <p:sp>
-        <p:nvSpPr>
-          <p:cNvPr id="28" name="TextBox 27"/>
-          <p:cNvSpPr txBox="1"/>
-          <p:nvPr/>
-        </p:nvSpPr>
-        <p:spPr>
-          <a:xfrm>
-            <a:off x="3505249" y="4652813"/>
-            <a:ext cx="1151466" cy="307777"/>
-          </a:xfrm>
-          <a:prstGeom prst="rect">
-            <a:avLst/>
-          </a:prstGeom>
-          <a:noFill/>
-        </p:spPr>
-        <p:txBody>
-          <a:bodyPr wrap="square" tIns="0" bIns="0" rtlCol="0">
-            <a:spAutoFit/>
-          </a:bodyPr>
-          <a:lstStyle/>
-          <a:p>
-            <a:pPr algn="ctr"/>
-            <a:r>
-              <a:rPr lang="en-US" sz="2000" dirty="0" smtClean="0"/>
-              <a:t>(sz-d)/2</a:t>
-            </a:r>
-            <a:endParaRPr lang="en-US" sz="2000" dirty="0"/>
-          </a:p>
-        </p:txBody>
-      </p:sp>
-      <p:sp>
-        <p:nvSpPr>
-          <p:cNvPr id="36" name="Left Brace 35"/>
-          <p:cNvSpPr/>
-          <p:nvPr/>
-        </p:nvSpPr>
-        <p:spPr>
-          <a:xfrm rot="16200000">
-            <a:off x="4047830" y="4329341"/>
-            <a:ext cx="82047" cy="434367"/>
-          </a:xfrm>
-          <a:prstGeom prst="leftBrace">
-            <a:avLst>
-              <a:gd name="adj1" fmla="val 8333"/>
-              <a:gd name="adj2" fmla="val 47743"/>
-            </a:avLst>
-          </a:prstGeom>
-          <a:ln w="12700"/>
-        </p:spPr>
-        <p:style>
-          <a:lnRef idx="2">
-            <a:schemeClr val="accent1"/>
-          </a:lnRef>
-          <a:fillRef idx="0">
-            <a:schemeClr val="accent1"/>
-          </a:fillRef>
-          <a:effectRef idx="1">
-            <a:schemeClr val="accent1"/>
-          </a:effectRef>
-          <a:fontRef idx="minor">
-            <a:schemeClr val="tx1"/>
-          </a:fontRef>
-        </p:style>
-        <p:txBody>
-          <a:bodyPr rtlCol="0" anchor="ctr"/>
-          <a:lstStyle/>
-          <a:p>
-            <a:pPr algn="ctr"/>
-            <a:endParaRPr lang="en-US"/>
-          </a:p>
-        </p:txBody>
-      </p:sp>
-      <p:sp>
-        <p:nvSpPr>
-          <p:cNvPr id="22" name="TextBox 21"/>
-          <p:cNvSpPr txBox="1"/>
-          <p:nvPr/>
-        </p:nvSpPr>
-        <p:spPr>
-          <a:xfrm>
-            <a:off x="3674398" y="2037937"/>
-            <a:ext cx="440402" cy="369332"/>
-          </a:xfrm>
-          <a:prstGeom prst="rect">
-            <a:avLst/>
-          </a:prstGeom>
-          <a:noFill/>
-        </p:spPr>
-        <p:txBody>
-          <a:bodyPr wrap="square" tIns="0" bIns="0" rtlCol="0">
-            <a:spAutoFit/>
-          </a:bodyPr>
-          <a:lstStyle/>
-          <a:p>
-            <a:pPr algn="ctr"/>
-            <a:r>
-              <a:rPr lang="en-US" sz="2400" dirty="0" smtClean="0"/>
-              <a:t>Y</a:t>
-            </a:r>
-            <a:endParaRPr lang="en-US" sz="2400" dirty="0"/>
-          </a:p>
-        </p:txBody>
-      </p:sp>
-      <p:sp>
-        <p:nvSpPr>
-          <p:cNvPr id="25" name="TextBox 24"/>
-          <p:cNvSpPr txBox="1"/>
-          <p:nvPr/>
-        </p:nvSpPr>
-        <p:spPr>
-          <a:xfrm>
-            <a:off x="2667000" y="2036262"/>
-            <a:ext cx="440402" cy="369332"/>
-          </a:xfrm>
-          <a:prstGeom prst="rect">
-            <a:avLst/>
-          </a:prstGeom>
-          <a:noFill/>
-        </p:spPr>
-        <p:txBody>
-          <a:bodyPr wrap="square" tIns="0" bIns="0" rtlCol="0">
-            <a:spAutoFit/>
-          </a:bodyPr>
-          <a:lstStyle/>
-          <a:p>
-            <a:pPr algn="ctr"/>
-            <a:r>
-              <a:rPr lang="en-US" sz="2400" dirty="0" smtClean="0"/>
-              <a:t>X</a:t>
-            </a:r>
-            <a:endParaRPr lang="en-US" sz="2400" dirty="0"/>
-          </a:p>
-        </p:txBody>
-      </p:sp>
-      <p:sp>
-        <p:nvSpPr>
-          <p:cNvPr id="41" name="TextBox 40"/>
-          <p:cNvSpPr txBox="1"/>
-          <p:nvPr/>
-        </p:nvSpPr>
-        <p:spPr>
-          <a:xfrm>
-            <a:off x="1595179" y="2842504"/>
-            <a:ext cx="1364476" cy="369332"/>
-          </a:xfrm>
-          <a:prstGeom prst="rect">
-            <a:avLst/>
-          </a:prstGeom>
-          <a:noFill/>
-        </p:spPr>
-        <p:txBody>
-          <a:bodyPr wrap="none" rtlCol="0">
-            <a:spAutoFit/>
-          </a:bodyPr>
-          <a:lstStyle/>
-          <a:p>
-            <a:r>
-              <a:rPr lang="en-US" dirty="0" smtClean="0"/>
-              <a:t>Cache Line 1</a:t>
-            </a:r>
-            <a:endParaRPr lang="en-US" dirty="0"/>
-          </a:p>
-        </p:txBody>
-      </p:sp>
-      <p:sp>
-        <p:nvSpPr>
-          <p:cNvPr id="49" name="TextBox 48"/>
-          <p:cNvSpPr txBox="1"/>
-          <p:nvPr/>
-        </p:nvSpPr>
-        <p:spPr>
-          <a:xfrm>
-            <a:off x="5676899" y="4346578"/>
-            <a:ext cx="2122743" cy="646331"/>
-          </a:xfrm>
-          <a:prstGeom prst="rect">
-            <a:avLst/>
-          </a:prstGeom>
-          <a:noFill/>
-        </p:spPr>
-        <p:txBody>
-          <a:bodyPr wrap="square" rtlCol="0">
-            <a:spAutoFit/>
-          </a:bodyPr>
-          <a:lstStyle/>
-          <a:p>
-            <a:r>
-              <a:rPr lang="en-US" dirty="0" smtClean="0"/>
-              <a:t>V</a:t>
-            </a:r>
-            <a:r>
-              <a:rPr lang="en-US" dirty="0" smtClean="0"/>
-              <a:t>irtual lines that are not tracked</a:t>
-            </a:r>
-            <a:endParaRPr lang="en-US" dirty="0"/>
-          </a:p>
-        </p:txBody>
-      </p:sp>
-      <p:sp>
-        <p:nvSpPr>
-          <p:cNvPr id="50" name="Rectangle 3"/>
-          <p:cNvSpPr/>
-          <p:nvPr/>
-        </p:nvSpPr>
-        <p:spPr>
-          <a:xfrm>
-            <a:off x="5271609" y="4504644"/>
-            <a:ext cx="244794" cy="203199"/>
-          </a:xfrm>
-          <a:prstGeom prst="rect">
-            <a:avLst/>
-          </a:prstGeom>
-          <a:solidFill>
-            <a:schemeClr val="bg1">
-              <a:lumMod val="95000"/>
-            </a:schemeClr>
-          </a:solidFill>
-          <a:ln>
+            <a:ln>
+              <a:solidFill>
+                <a:schemeClr val="tx1"/>
+              </a:solidFill>
+              <a:prstDash val="dash"/>
+            </a:ln>
+          </p:spPr>
+          <p:style>
+            <a:lnRef idx="1">
+              <a:schemeClr val="accent1"/>
+            </a:lnRef>
+            <a:fillRef idx="3">
+              <a:schemeClr val="accent1"/>
+            </a:fillRef>
+            <a:effectRef idx="2">
+              <a:schemeClr val="accent1"/>
+            </a:effectRef>
+            <a:fontRef idx="minor">
+              <a:schemeClr val="lt1"/>
+            </a:fontRef>
+          </p:style>
+          <p:txBody>
+            <a:bodyPr rtlCol="0" anchor="ctr"/>
+            <a:lstStyle/>
+            <a:p>
+              <a:pPr algn="ctr"/>
+              <a:endParaRPr lang="en-US" dirty="0"/>
+            </a:p>
+          </p:txBody>
+        </p:sp>
+        <p:sp>
+          <p:nvSpPr>
+            <p:cNvPr id="43" name="Rectangle 3"/>
+            <p:cNvSpPr/>
+            <p:nvPr/>
+          </p:nvSpPr>
+          <p:spPr>
+            <a:xfrm>
+              <a:off x="2483589" y="4194178"/>
+              <a:ext cx="1828800" cy="201168"/>
+            </a:xfrm>
+            <a:prstGeom prst="rect">
+              <a:avLst/>
+            </a:prstGeom>
             <a:solidFill>
+              <a:schemeClr val="accent1">
+                <a:lumMod val="40000"/>
+                <a:lumOff val="60000"/>
+              </a:schemeClr>
+            </a:solidFill>
+            <a:ln>
+              <a:solidFill>
+                <a:schemeClr val="tx1"/>
+              </a:solidFill>
+            </a:ln>
+          </p:spPr>
+          <p:style>
+            <a:lnRef idx="1">
+              <a:schemeClr val="accent1"/>
+            </a:lnRef>
+            <a:fillRef idx="3">
+              <a:schemeClr val="accent1"/>
+            </a:fillRef>
+            <a:effectRef idx="2">
+              <a:schemeClr val="accent1"/>
+            </a:effectRef>
+            <a:fontRef idx="minor">
+              <a:schemeClr val="lt1"/>
+            </a:fontRef>
+          </p:style>
+          <p:txBody>
+            <a:bodyPr rtlCol="0" anchor="ctr"/>
+            <a:lstStyle/>
+            <a:p>
+              <a:pPr algn="ctr"/>
+              <a:endParaRPr lang="en-US" dirty="0"/>
+            </a:p>
+          </p:txBody>
+        </p:sp>
+        <p:cxnSp>
+          <p:nvCxnSpPr>
+            <p:cNvPr id="34" name="Straight Connector 33"/>
+            <p:cNvCxnSpPr/>
+            <p:nvPr/>
+          </p:nvCxnSpPr>
+          <p:spPr>
+            <a:xfrm flipH="1">
+              <a:off x="2911608" y="2368553"/>
+              <a:ext cx="3" cy="2011680"/>
+            </a:xfrm>
+            <a:prstGeom prst="line">
+              <a:avLst/>
+            </a:prstGeom>
+            <a:ln w="12700">
+              <a:solidFill>
+                <a:schemeClr val="tx1"/>
+              </a:solidFill>
+              <a:prstDash val="sysDash"/>
+            </a:ln>
+          </p:spPr>
+          <p:style>
+            <a:lnRef idx="2">
+              <a:schemeClr val="accent1"/>
+            </a:lnRef>
+            <a:fillRef idx="0">
+              <a:schemeClr val="accent1"/>
+            </a:fillRef>
+            <a:effectRef idx="1">
+              <a:schemeClr val="accent1"/>
+            </a:effectRef>
+            <a:fontRef idx="minor">
               <a:schemeClr val="tx1"/>
+            </a:fontRef>
+          </p:style>
+        </p:cxnSp>
+        <p:sp>
+          <p:nvSpPr>
+            <p:cNvPr id="11" name="Left Brace 10"/>
+            <p:cNvSpPr/>
+            <p:nvPr/>
+          </p:nvSpPr>
+          <p:spPr>
+            <a:xfrm rot="16200000" flipH="1">
+              <a:off x="3219363" y="2176699"/>
+              <a:ext cx="368476" cy="990600"/>
+            </a:xfrm>
+            <a:prstGeom prst="leftBrace">
+              <a:avLst>
+                <a:gd name="adj1" fmla="val 8333"/>
+                <a:gd name="adj2" fmla="val 47743"/>
+              </a:avLst>
+            </a:prstGeom>
+            <a:ln w="9525"/>
+          </p:spPr>
+          <p:style>
+            <a:lnRef idx="2">
+              <a:schemeClr val="accent1"/>
+            </a:lnRef>
+            <a:fillRef idx="0">
+              <a:schemeClr val="accent1"/>
+            </a:fillRef>
+            <a:effectRef idx="1">
+              <a:schemeClr val="accent1"/>
+            </a:effectRef>
+            <a:fontRef idx="minor">
+              <a:schemeClr val="tx1"/>
+            </a:fontRef>
+          </p:style>
+          <p:txBody>
+            <a:bodyPr rtlCol="0" anchor="ctr"/>
+            <a:lstStyle/>
+            <a:p>
+              <a:pPr algn="ctr"/>
+              <a:endParaRPr lang="en-US" dirty="0"/>
+            </a:p>
+          </p:txBody>
+        </p:sp>
+        <p:sp>
+          <p:nvSpPr>
+            <p:cNvPr id="13" name="TextBox 12"/>
+            <p:cNvSpPr txBox="1"/>
+            <p:nvPr/>
+          </p:nvSpPr>
+          <p:spPr>
+            <a:xfrm>
+              <a:off x="3187700" y="2162061"/>
+              <a:ext cx="373319" cy="400110"/>
+            </a:xfrm>
+            <a:prstGeom prst="rect">
+              <a:avLst/>
+            </a:prstGeom>
+            <a:noFill/>
+          </p:spPr>
+          <p:txBody>
+            <a:bodyPr wrap="square" rtlCol="0">
+              <a:spAutoFit/>
+            </a:bodyPr>
+            <a:lstStyle/>
+            <a:p>
+              <a:pPr algn="ctr"/>
+              <a:r>
+                <a:rPr lang="en-US" sz="2000" dirty="0" smtClean="0"/>
+                <a:t>d</a:t>
+              </a:r>
+              <a:endParaRPr lang="en-US" sz="2000" dirty="0"/>
+            </a:p>
+          </p:txBody>
+        </p:sp>
+        <p:sp>
+          <p:nvSpPr>
+            <p:cNvPr id="23" name="TextBox 22"/>
+            <p:cNvSpPr txBox="1"/>
+            <p:nvPr/>
+          </p:nvSpPr>
+          <p:spPr>
+            <a:xfrm>
+              <a:off x="2112433" y="4475019"/>
+              <a:ext cx="1151466" cy="276999"/>
+            </a:xfrm>
+            <a:prstGeom prst="rect">
+              <a:avLst/>
+            </a:prstGeom>
+            <a:noFill/>
+          </p:spPr>
+          <p:txBody>
+            <a:bodyPr wrap="square" tIns="0" bIns="0" rtlCol="0">
+              <a:spAutoFit/>
+            </a:bodyPr>
+            <a:lstStyle/>
+            <a:p>
+              <a:pPr algn="ctr"/>
+              <a:r>
+                <a:rPr lang="en-US" dirty="0" smtClean="0"/>
+                <a:t>(sz-d)/2</a:t>
+              </a:r>
+              <a:endParaRPr lang="en-US" dirty="0"/>
+            </a:p>
+          </p:txBody>
+        </p:sp>
+        <p:sp>
+          <p:nvSpPr>
+            <p:cNvPr id="24" name="Left Brace 23"/>
+            <p:cNvSpPr/>
+            <p:nvPr/>
+          </p:nvSpPr>
+          <p:spPr>
+            <a:xfrm rot="16200000">
+              <a:off x="2654922" y="4251960"/>
+              <a:ext cx="82047" cy="424712"/>
+            </a:xfrm>
+            <a:prstGeom prst="leftBrace">
+              <a:avLst>
+                <a:gd name="adj1" fmla="val 8333"/>
+                <a:gd name="adj2" fmla="val 47743"/>
+              </a:avLst>
+            </a:prstGeom>
+            <a:ln w="12700"/>
+          </p:spPr>
+          <p:style>
+            <a:lnRef idx="2">
+              <a:schemeClr val="accent1"/>
+            </a:lnRef>
+            <a:fillRef idx="0">
+              <a:schemeClr val="accent1"/>
+            </a:fillRef>
+            <a:effectRef idx="1">
+              <a:schemeClr val="accent1"/>
+            </a:effectRef>
+            <a:fontRef idx="minor">
+              <a:schemeClr val="tx1"/>
+            </a:fontRef>
+          </p:style>
+          <p:txBody>
+            <a:bodyPr rtlCol="0" anchor="ctr"/>
+            <a:lstStyle/>
+            <a:p>
+              <a:pPr algn="ctr"/>
+              <a:endParaRPr lang="en-US" dirty="0"/>
+            </a:p>
+          </p:txBody>
+        </p:sp>
+        <p:sp>
+          <p:nvSpPr>
+            <p:cNvPr id="28" name="TextBox 27"/>
+            <p:cNvSpPr txBox="1"/>
+            <p:nvPr/>
+          </p:nvSpPr>
+          <p:spPr>
+            <a:xfrm>
+              <a:off x="3524299" y="4475013"/>
+              <a:ext cx="1151466" cy="276999"/>
+            </a:xfrm>
+            <a:prstGeom prst="rect">
+              <a:avLst/>
+            </a:prstGeom>
+            <a:noFill/>
+          </p:spPr>
+          <p:txBody>
+            <a:bodyPr wrap="square" tIns="0" bIns="0" rtlCol="0">
+              <a:spAutoFit/>
+            </a:bodyPr>
+            <a:lstStyle/>
+            <a:p>
+              <a:pPr algn="ctr"/>
+              <a:r>
+                <a:rPr lang="en-US" dirty="0" smtClean="0"/>
+                <a:t>(sz-d)/2</a:t>
+              </a:r>
+              <a:endParaRPr lang="en-US" dirty="0"/>
+            </a:p>
+          </p:txBody>
+        </p:sp>
+        <p:sp>
+          <p:nvSpPr>
+            <p:cNvPr id="22" name="TextBox 21"/>
+            <p:cNvSpPr txBox="1"/>
+            <p:nvPr/>
+          </p:nvSpPr>
+          <p:spPr>
+            <a:xfrm>
+              <a:off x="3674398" y="2088737"/>
+              <a:ext cx="440402" cy="307777"/>
+            </a:xfrm>
+            <a:prstGeom prst="rect">
+              <a:avLst/>
+            </a:prstGeom>
+            <a:noFill/>
+          </p:spPr>
+          <p:txBody>
+            <a:bodyPr wrap="square" tIns="0" bIns="0" rtlCol="0">
+              <a:spAutoFit/>
+            </a:bodyPr>
+            <a:lstStyle/>
+            <a:p>
+              <a:pPr algn="ctr"/>
+              <a:r>
+                <a:rPr lang="en-US" sz="2000" dirty="0" smtClean="0"/>
+                <a:t>Y</a:t>
+              </a:r>
+              <a:endParaRPr lang="en-US" sz="2000" dirty="0"/>
+            </a:p>
+          </p:txBody>
+        </p:sp>
+        <p:sp>
+          <p:nvSpPr>
+            <p:cNvPr id="25" name="TextBox 24"/>
+            <p:cNvSpPr txBox="1"/>
+            <p:nvPr/>
+          </p:nvSpPr>
+          <p:spPr>
+            <a:xfrm>
+              <a:off x="2686050" y="2087062"/>
+              <a:ext cx="440402" cy="307777"/>
+            </a:xfrm>
+            <a:prstGeom prst="rect">
+              <a:avLst/>
+            </a:prstGeom>
+            <a:noFill/>
+          </p:spPr>
+          <p:txBody>
+            <a:bodyPr wrap="square" tIns="0" bIns="0" rtlCol="0">
+              <a:spAutoFit/>
+            </a:bodyPr>
+            <a:lstStyle/>
+            <a:p>
+              <a:pPr algn="ctr"/>
+              <a:r>
+                <a:rPr lang="en-US" sz="2000" dirty="0" smtClean="0"/>
+                <a:t>X</a:t>
+              </a:r>
+              <a:endParaRPr lang="en-US" sz="2000" dirty="0"/>
+            </a:p>
+          </p:txBody>
+        </p:sp>
+        <p:sp>
+          <p:nvSpPr>
+            <p:cNvPr id="41" name="TextBox 40"/>
+            <p:cNvSpPr txBox="1"/>
+            <p:nvPr/>
+          </p:nvSpPr>
+          <p:spPr>
+            <a:xfrm>
+              <a:off x="1595179" y="2842504"/>
+              <a:ext cx="1364476" cy="369332"/>
+            </a:xfrm>
+            <a:prstGeom prst="rect">
+              <a:avLst/>
+            </a:prstGeom>
+            <a:noFill/>
+          </p:spPr>
+          <p:txBody>
+            <a:bodyPr wrap="none" rtlCol="0">
+              <a:spAutoFit/>
+            </a:bodyPr>
+            <a:lstStyle/>
+            <a:p>
+              <a:r>
+                <a:rPr lang="en-US" dirty="0" smtClean="0"/>
+                <a:t>Cache Line 1</a:t>
+              </a:r>
+              <a:endParaRPr lang="en-US" dirty="0"/>
+            </a:p>
+          </p:txBody>
+        </p:sp>
+        <p:sp>
+          <p:nvSpPr>
+            <p:cNvPr id="50" name="Rectangle 3"/>
+            <p:cNvSpPr/>
+            <p:nvPr/>
+          </p:nvSpPr>
+          <p:spPr>
+            <a:xfrm>
+              <a:off x="4985258" y="4066494"/>
+              <a:ext cx="244794" cy="203199"/>
+            </a:xfrm>
+            <a:prstGeom prst="rect">
+              <a:avLst/>
+            </a:prstGeom>
+            <a:solidFill>
+              <a:schemeClr val="bg1">
+                <a:lumMod val="95000"/>
+              </a:schemeClr>
             </a:solidFill>
-            <a:prstDash val="lgDashDot"/>
-          </a:ln>
-        </p:spPr>
-        <p:style>
-          <a:lnRef idx="1">
-            <a:schemeClr val="accent1"/>
-          </a:lnRef>
-          <a:fillRef idx="3">
-            <a:schemeClr val="accent1"/>
-          </a:fillRef>
-          <a:effectRef idx="2">
-            <a:schemeClr val="accent1"/>
-          </a:effectRef>
-          <a:fontRef idx="minor">
-            <a:schemeClr val="lt1"/>
-          </a:fontRef>
-        </p:style>
-        <p:txBody>
-          <a:bodyPr rtlCol="0" anchor="ctr"/>
-          <a:lstStyle/>
-          <a:p>
-            <a:pPr algn="ctr"/>
-            <a:endParaRPr lang="en-US"/>
-          </a:p>
-        </p:txBody>
-      </p:sp>
-      <p:sp>
-        <p:nvSpPr>
-          <p:cNvPr id="51" name="Rectangle 3"/>
-          <p:cNvSpPr/>
-          <p:nvPr/>
-        </p:nvSpPr>
-        <p:spPr>
-          <a:xfrm>
-            <a:off x="5254306" y="3911193"/>
-            <a:ext cx="244794" cy="161322"/>
-          </a:xfrm>
-          <a:prstGeom prst="rect">
-            <a:avLst/>
-          </a:prstGeom>
-          <a:solidFill>
-            <a:schemeClr val="accent1">
-              <a:lumMod val="40000"/>
-              <a:lumOff val="60000"/>
-            </a:schemeClr>
-          </a:solidFill>
-          <a:ln>
+            <a:ln>
+              <a:solidFill>
+                <a:schemeClr val="tx1"/>
+              </a:solidFill>
+              <a:prstDash val="dash"/>
+            </a:ln>
+          </p:spPr>
+          <p:style>
+            <a:lnRef idx="1">
+              <a:schemeClr val="accent1"/>
+            </a:lnRef>
+            <a:fillRef idx="3">
+              <a:schemeClr val="accent1"/>
+            </a:fillRef>
+            <a:effectRef idx="2">
+              <a:schemeClr val="accent1"/>
+            </a:effectRef>
+            <a:fontRef idx="minor">
+              <a:schemeClr val="lt1"/>
+            </a:fontRef>
+          </p:style>
+          <p:txBody>
+            <a:bodyPr rtlCol="0" anchor="ctr"/>
+            <a:lstStyle/>
+            <a:p>
+              <a:pPr algn="ctr"/>
+              <a:endParaRPr lang="en-US" dirty="0"/>
+            </a:p>
+          </p:txBody>
+        </p:sp>
+        <p:sp>
+          <p:nvSpPr>
+            <p:cNvPr id="51" name="Rectangle 3"/>
+            <p:cNvSpPr/>
+            <p:nvPr/>
+          </p:nvSpPr>
+          <p:spPr>
+            <a:xfrm>
+              <a:off x="4981256" y="3574643"/>
+              <a:ext cx="244794" cy="201168"/>
+            </a:xfrm>
+            <a:prstGeom prst="rect">
+              <a:avLst/>
+            </a:prstGeom>
             <a:solidFill>
+              <a:schemeClr val="accent1">
+                <a:lumMod val="40000"/>
+                <a:lumOff val="60000"/>
+              </a:schemeClr>
+            </a:solidFill>
+            <a:ln>
+              <a:solidFill>
+                <a:schemeClr val="tx1"/>
+              </a:solidFill>
+            </a:ln>
+          </p:spPr>
+          <p:style>
+            <a:lnRef idx="1">
+              <a:schemeClr val="accent1"/>
+            </a:lnRef>
+            <a:fillRef idx="3">
+              <a:schemeClr val="accent1"/>
+            </a:fillRef>
+            <a:effectRef idx="2">
+              <a:schemeClr val="accent1"/>
+            </a:effectRef>
+            <a:fontRef idx="minor">
+              <a:schemeClr val="lt1"/>
+            </a:fontRef>
+          </p:style>
+          <p:txBody>
+            <a:bodyPr rtlCol="0" anchor="ctr"/>
+            <a:lstStyle/>
+            <a:p>
+              <a:pPr algn="ctr"/>
+              <a:endParaRPr lang="en-US" dirty="0"/>
+            </a:p>
+          </p:txBody>
+        </p:sp>
+        <p:sp>
+          <p:nvSpPr>
+            <p:cNvPr id="52" name="TextBox 51"/>
+            <p:cNvSpPr txBox="1"/>
+            <p:nvPr/>
+          </p:nvSpPr>
+          <p:spPr>
+            <a:xfrm>
+              <a:off x="5219699" y="3530600"/>
+              <a:ext cx="2743201" cy="276999"/>
+            </a:xfrm>
+            <a:prstGeom prst="rect">
+              <a:avLst/>
+            </a:prstGeom>
+            <a:noFill/>
+          </p:spPr>
+          <p:txBody>
+            <a:bodyPr wrap="square" tIns="0" bIns="0" rtlCol="0">
+              <a:spAutoFit/>
+            </a:bodyPr>
+            <a:lstStyle/>
+            <a:p>
+              <a:r>
+                <a:rPr lang="en-US" dirty="0" smtClean="0"/>
+                <a:t>Tracked virtual line</a:t>
+              </a:r>
+              <a:endParaRPr lang="en-US" dirty="0"/>
+            </a:p>
+          </p:txBody>
+        </p:sp>
+        <p:sp>
+          <p:nvSpPr>
+            <p:cNvPr id="7" name="Rectangle 3"/>
+            <p:cNvSpPr/>
+            <p:nvPr/>
+          </p:nvSpPr>
+          <p:spPr>
+            <a:xfrm>
+              <a:off x="1328479" y="2842504"/>
+              <a:ext cx="1828800" cy="382889"/>
+            </a:xfrm>
+            <a:prstGeom prst="rect">
+              <a:avLst/>
+            </a:prstGeom>
+            <a:noFill/>
+            <a:ln>
+              <a:solidFill>
+                <a:schemeClr val="tx1"/>
+              </a:solidFill>
+            </a:ln>
+          </p:spPr>
+          <p:style>
+            <a:lnRef idx="1">
+              <a:schemeClr val="accent1"/>
+            </a:lnRef>
+            <a:fillRef idx="3">
+              <a:schemeClr val="accent1"/>
+            </a:fillRef>
+            <a:effectRef idx="2">
+              <a:schemeClr val="accent1"/>
+            </a:effectRef>
+            <a:fontRef idx="minor">
+              <a:schemeClr val="lt1"/>
+            </a:fontRef>
+          </p:style>
+          <p:txBody>
+            <a:bodyPr rtlCol="0" anchor="ctr"/>
+            <a:lstStyle/>
+            <a:p>
+              <a:pPr algn="ctr"/>
+              <a:endParaRPr lang="en-US" dirty="0"/>
+            </a:p>
+          </p:txBody>
+        </p:sp>
+        <p:sp>
+          <p:nvSpPr>
+            <p:cNvPr id="42" name="TextBox 41"/>
+            <p:cNvSpPr txBox="1"/>
+            <p:nvPr/>
+          </p:nvSpPr>
+          <p:spPr>
+            <a:xfrm>
+              <a:off x="3474088" y="2843361"/>
+              <a:ext cx="1364476" cy="369332"/>
+            </a:xfrm>
+            <a:prstGeom prst="rect">
+              <a:avLst/>
+            </a:prstGeom>
+            <a:noFill/>
+          </p:spPr>
+          <p:txBody>
+            <a:bodyPr wrap="none" rtlCol="0">
+              <a:spAutoFit/>
+            </a:bodyPr>
+            <a:lstStyle/>
+            <a:p>
+              <a:r>
+                <a:rPr lang="en-US" dirty="0" smtClean="0"/>
+                <a:t>Cache Line 2</a:t>
+              </a:r>
+              <a:endParaRPr lang="en-US" dirty="0"/>
+            </a:p>
+          </p:txBody>
+        </p:sp>
+        <p:sp>
+          <p:nvSpPr>
+            <p:cNvPr id="19" name="Rectangle 3"/>
+            <p:cNvSpPr/>
+            <p:nvPr/>
+          </p:nvSpPr>
+          <p:spPr>
+            <a:xfrm>
+              <a:off x="3155950" y="2842504"/>
+              <a:ext cx="1828800" cy="382889"/>
+            </a:xfrm>
+            <a:prstGeom prst="rect">
+              <a:avLst/>
+            </a:prstGeom>
+            <a:noFill/>
+            <a:ln>
+              <a:solidFill>
+                <a:schemeClr val="tx1"/>
+              </a:solidFill>
+            </a:ln>
+          </p:spPr>
+          <p:style>
+            <a:lnRef idx="1">
+              <a:schemeClr val="accent1"/>
+            </a:lnRef>
+            <a:fillRef idx="3">
+              <a:schemeClr val="accent1"/>
+            </a:fillRef>
+            <a:effectRef idx="2">
+              <a:schemeClr val="accent1"/>
+            </a:effectRef>
+            <a:fontRef idx="minor">
+              <a:schemeClr val="lt1"/>
+            </a:fontRef>
+          </p:style>
+          <p:txBody>
+            <a:bodyPr rtlCol="0" anchor="ctr"/>
+            <a:lstStyle/>
+            <a:p>
+              <a:pPr algn="ctr"/>
+              <a:endParaRPr lang="en-US" dirty="0"/>
+            </a:p>
+          </p:txBody>
+        </p:sp>
+        <p:cxnSp>
+          <p:nvCxnSpPr>
+            <p:cNvPr id="26" name="Straight Connector 25"/>
+            <p:cNvCxnSpPr/>
+            <p:nvPr/>
+          </p:nvCxnSpPr>
+          <p:spPr>
+            <a:xfrm flipH="1">
+              <a:off x="3895858" y="2381253"/>
+              <a:ext cx="3" cy="2011680"/>
+            </a:xfrm>
+            <a:prstGeom prst="line">
+              <a:avLst/>
+            </a:prstGeom>
+            <a:ln w="12700">
+              <a:solidFill>
+                <a:schemeClr val="tx1"/>
+              </a:solidFill>
+              <a:prstDash val="sysDash"/>
+            </a:ln>
+          </p:spPr>
+          <p:style>
+            <a:lnRef idx="2">
+              <a:schemeClr val="accent1"/>
+            </a:lnRef>
+            <a:fillRef idx="0">
+              <a:schemeClr val="accent1"/>
+            </a:fillRef>
+            <a:effectRef idx="1">
+              <a:schemeClr val="accent1"/>
+            </a:effectRef>
+            <a:fontRef idx="minor">
               <a:schemeClr val="tx1"/>
-            </a:solidFill>
-          </a:ln>
-        </p:spPr>
-        <p:style>
-          <a:lnRef idx="1">
-            <a:schemeClr val="accent1"/>
-          </a:lnRef>
-          <a:fillRef idx="3">
-            <a:schemeClr val="accent1"/>
-          </a:fillRef>
-          <a:effectRef idx="2">
-            <a:schemeClr val="accent1"/>
-          </a:effectRef>
-          <a:fontRef idx="minor">
-            <a:schemeClr val="lt1"/>
-          </a:fontRef>
-        </p:style>
-        <p:txBody>
-          <a:bodyPr rtlCol="0" anchor="ctr"/>
-          <a:lstStyle/>
-          <a:p>
-            <a:pPr algn="ctr"/>
-            <a:endParaRPr lang="en-US"/>
-          </a:p>
-        </p:txBody>
-      </p:sp>
-      <p:sp>
-        <p:nvSpPr>
-          <p:cNvPr id="52" name="TextBox 51"/>
-          <p:cNvSpPr txBox="1"/>
-          <p:nvPr/>
-        </p:nvSpPr>
-        <p:spPr>
-          <a:xfrm>
-            <a:off x="5676899" y="3771900"/>
-            <a:ext cx="2743201" cy="369332"/>
-          </a:xfrm>
-          <a:prstGeom prst="rect">
-            <a:avLst/>
-          </a:prstGeom>
-          <a:noFill/>
-        </p:spPr>
-        <p:txBody>
-          <a:bodyPr wrap="square" rtlCol="0">
-            <a:spAutoFit/>
-          </a:bodyPr>
-          <a:lstStyle/>
-          <a:p>
-            <a:r>
-              <a:rPr lang="en-US" dirty="0" smtClean="0"/>
-              <a:t>Tracked virtual line</a:t>
-            </a:r>
-            <a:endParaRPr lang="en-US" dirty="0"/>
-          </a:p>
-        </p:txBody>
-      </p:sp>
-      <p:sp>
-        <p:nvSpPr>
-          <p:cNvPr id="7" name="Rectangle 3"/>
-          <p:cNvSpPr/>
-          <p:nvPr/>
-        </p:nvSpPr>
-        <p:spPr>
-          <a:xfrm>
-            <a:off x="1328479" y="2842504"/>
-            <a:ext cx="1828800" cy="382889"/>
-          </a:xfrm>
-          <a:prstGeom prst="rect">
-            <a:avLst/>
-          </a:prstGeom>
-          <a:noFill/>
-          <a:ln>
-            <a:solidFill>
+            </a:fontRef>
+          </p:style>
+        </p:cxnSp>
+        <p:sp>
+          <p:nvSpPr>
+            <p:cNvPr id="29" name="Left Brace 28"/>
+            <p:cNvSpPr/>
+            <p:nvPr/>
+          </p:nvSpPr>
+          <p:spPr>
+            <a:xfrm rot="16200000">
+              <a:off x="4067191" y="4251264"/>
+              <a:ext cx="82047" cy="424712"/>
+            </a:xfrm>
+            <a:prstGeom prst="leftBrace">
+              <a:avLst>
+                <a:gd name="adj1" fmla="val 8333"/>
+                <a:gd name="adj2" fmla="val 47743"/>
+              </a:avLst>
+            </a:prstGeom>
+            <a:ln w="12700"/>
+          </p:spPr>
+          <p:style>
+            <a:lnRef idx="2">
+              <a:schemeClr val="accent1"/>
+            </a:lnRef>
+            <a:fillRef idx="0">
+              <a:schemeClr val="accent1"/>
+            </a:fillRef>
+            <a:effectRef idx="1">
+              <a:schemeClr val="accent1"/>
+            </a:effectRef>
+            <a:fontRef idx="minor">
               <a:schemeClr val="tx1"/>
-            </a:solidFill>
-          </a:ln>
-        </p:spPr>
-        <p:style>
-          <a:lnRef idx="1">
-            <a:schemeClr val="accent1"/>
-          </a:lnRef>
-          <a:fillRef idx="3">
-            <a:schemeClr val="accent1"/>
-          </a:fillRef>
-          <a:effectRef idx="2">
-            <a:schemeClr val="accent1"/>
-          </a:effectRef>
-          <a:fontRef idx="minor">
-            <a:schemeClr val="lt1"/>
-          </a:fontRef>
-        </p:style>
-        <p:txBody>
-          <a:bodyPr rtlCol="0" anchor="ctr"/>
-          <a:lstStyle/>
-          <a:p>
-            <a:pPr algn="ctr"/>
-            <a:endParaRPr lang="en-US"/>
-          </a:p>
-        </p:txBody>
-      </p:sp>
-      <p:sp>
-        <p:nvSpPr>
-          <p:cNvPr id="42" name="TextBox 41"/>
-          <p:cNvSpPr txBox="1"/>
-          <p:nvPr/>
-        </p:nvSpPr>
-        <p:spPr>
-          <a:xfrm>
-            <a:off x="3474088" y="2843361"/>
-            <a:ext cx="1364476" cy="369332"/>
-          </a:xfrm>
-          <a:prstGeom prst="rect">
-            <a:avLst/>
-          </a:prstGeom>
-          <a:noFill/>
-        </p:spPr>
-        <p:txBody>
-          <a:bodyPr wrap="none" rtlCol="0">
-            <a:spAutoFit/>
-          </a:bodyPr>
-          <a:lstStyle/>
-          <a:p>
-            <a:r>
-              <a:rPr lang="en-US" dirty="0" smtClean="0"/>
-              <a:t>Cache Line 2</a:t>
-            </a:r>
-            <a:endParaRPr lang="en-US" dirty="0"/>
-          </a:p>
-        </p:txBody>
-      </p:sp>
-      <p:sp>
-        <p:nvSpPr>
-          <p:cNvPr id="19" name="Rectangle 3"/>
-          <p:cNvSpPr/>
-          <p:nvPr/>
-        </p:nvSpPr>
-        <p:spPr>
-          <a:xfrm>
-            <a:off x="3187700" y="2842504"/>
-            <a:ext cx="1828800" cy="382889"/>
-          </a:xfrm>
-          <a:prstGeom prst="rect">
-            <a:avLst/>
-          </a:prstGeom>
-          <a:noFill/>
-          <a:ln>
-            <a:solidFill>
-              <a:schemeClr val="tx1"/>
-            </a:solidFill>
-          </a:ln>
-        </p:spPr>
-        <p:style>
-          <a:lnRef idx="1">
-            <a:schemeClr val="accent1"/>
-          </a:lnRef>
-          <a:fillRef idx="3">
-            <a:schemeClr val="accent1"/>
-          </a:fillRef>
-          <a:effectRef idx="2">
-            <a:schemeClr val="accent1"/>
-          </a:effectRef>
-          <a:fontRef idx="minor">
-            <a:schemeClr val="lt1"/>
-          </a:fontRef>
-        </p:style>
-        <p:txBody>
-          <a:bodyPr rtlCol="0" anchor="ctr"/>
-          <a:lstStyle/>
-          <a:p>
-            <a:pPr algn="ctr"/>
-            <a:endParaRPr lang="en-US"/>
-          </a:p>
-        </p:txBody>
-      </p:sp>
+            </a:fontRef>
+          </p:style>
+          <p:txBody>
+            <a:bodyPr rtlCol="0" anchor="ctr"/>
+            <a:lstStyle/>
+            <a:p>
+              <a:pPr algn="ctr"/>
+              <a:endParaRPr lang="en-US" dirty="0"/>
+            </a:p>
+          </p:txBody>
+        </p:sp>
+        <p:sp>
+          <p:nvSpPr>
+            <p:cNvPr id="30" name="TextBox 29"/>
+            <p:cNvSpPr txBox="1"/>
+            <p:nvPr/>
+          </p:nvSpPr>
+          <p:spPr>
+            <a:xfrm>
+              <a:off x="5219699" y="4023360"/>
+              <a:ext cx="2743201" cy="276999"/>
+            </a:xfrm>
+            <a:prstGeom prst="rect">
+              <a:avLst/>
+            </a:prstGeom>
+            <a:noFill/>
+          </p:spPr>
+          <p:txBody>
+            <a:bodyPr wrap="square" tIns="0" bIns="0" rtlCol="0">
+              <a:spAutoFit/>
+            </a:bodyPr>
+            <a:lstStyle/>
+            <a:p>
+              <a:r>
+                <a:rPr lang="en-US" dirty="0" smtClean="0"/>
+                <a:t>Non-tracked </a:t>
+              </a:r>
+              <a:r>
+                <a:rPr lang="en-US" dirty="0" smtClean="0"/>
+                <a:t>virtual </a:t>
+              </a:r>
+              <a:r>
+                <a:rPr lang="en-US" dirty="0" smtClean="0"/>
+                <a:t>lines</a:t>
+              </a:r>
+              <a:endParaRPr lang="en-US" dirty="0"/>
+            </a:p>
+          </p:txBody>
+        </p:sp>
+      </p:grpSp>
     </p:spTree>
   </p:cSld>
   <p:clrMapOvr>
@@ -8148,7 +8163,7 @@
 </file>
 
 <file path=ppt/slides/slide4.xml><?xml version="1.0" encoding="utf-8"?>
-<p:sld xmlns:a="http://schemas.openxmlformats.org/drawingml/2006/main" xmlns:r="http://schemas.openxmlformats.org/officeDocument/2006/relationships" xmlns:p="http://schemas.openxmlformats.org/presentationml/2006/main">
+<p:sld xmlns:a="http://schemas.openxmlformats.org/drawingml/2006/main" xmlns:r="http://schemas.openxmlformats.org/officeDocument/2006/relationships" xmlns:mc="http://schemas.openxmlformats.org/markup-compatibility/2006" xmlns:mv="urn:schemas-microsoft-com:mac:vml" xmlns:p="http://schemas.openxmlformats.org/presentationml/2006/main" mc:Ignorable="mv" mc:PreserveAttributes="mv:*">
   <p:cSld>
     <p:spTree>
       <p:nvGrpSpPr>

--- a/fig/DefaultsPaper.pptx
+++ b/fig/DefaultsPaper.pptx
@@ -7,8 +7,10 @@
   <p:sldIdLst>
     <p:sldId id="257" r:id="rId2"/>
     <p:sldId id="258" r:id="rId3"/>
-    <p:sldId id="260" r:id="rId4"/>
-    <p:sldId id="259" r:id="rId5"/>
+    <p:sldId id="261" r:id="rId4"/>
+    <p:sldId id="262" r:id="rId5"/>
+    <p:sldId id="260" r:id="rId6"/>
+    <p:sldId id="259" r:id="rId7"/>
   </p:sldIdLst>
   <p:sldSz cx="9144000" cy="6858000" type="screen4x3"/>
   <p:notesSz cx="6858000" cy="9144000"/>
@@ -126,6 +128,1073 @@
           <c:order val="0"/>
           <c:tx>
             <c:strRef>
+              <c:f>Performance!$F$1</c:f>
+              <c:strCache>
+                <c:ptCount val="1"/>
+                <c:pt idx="0">
+                  <c:v>Original</c:v>
+                </c:pt>
+              </c:strCache>
+            </c:strRef>
+          </c:tx>
+          <c:spPr>
+            <a:solidFill>
+              <a:schemeClr val="bg1">
+                <a:lumMod val="50000"/>
+              </a:schemeClr>
+            </a:solidFill>
+          </c:spPr>
+          <c:cat>
+            <c:strRef>
+              <c:f>Performance!$E$2:$E$21</c:f>
+              <c:strCache>
+                <c:ptCount val="20"/>
+                <c:pt idx="0">
+                  <c:v>Phoenix</c:v>
+                </c:pt>
+                <c:pt idx="1">
+                  <c:v>histogram</c:v>
+                </c:pt>
+                <c:pt idx="2">
+                  <c:v>kmeans</c:v>
+                </c:pt>
+                <c:pt idx="3">
+                  <c:v>linear_regression</c:v>
+                </c:pt>
+                <c:pt idx="4">
+                  <c:v>matrix_multiply</c:v>
+                </c:pt>
+                <c:pt idx="5">
+                  <c:v>pca</c:v>
+                </c:pt>
+                <c:pt idx="6">
+                  <c:v>reverse_index</c:v>
+                </c:pt>
+                <c:pt idx="7">
+                  <c:v>string_match</c:v>
+                </c:pt>
+                <c:pt idx="8">
+                  <c:v>word_count</c:v>
+                </c:pt>
+                <c:pt idx="9">
+                  <c:v>PARSEC</c:v>
+                </c:pt>
+                <c:pt idx="10">
+                  <c:v>blackscholes </c:v>
+                </c:pt>
+                <c:pt idx="11">
+                  <c:v>bodytrack </c:v>
+                </c:pt>
+                <c:pt idx="12">
+                  <c:v>dedup </c:v>
+                </c:pt>
+                <c:pt idx="13">
+                  <c:v>ferret </c:v>
+                </c:pt>
+                <c:pt idx="14">
+                  <c:v>fluidanimate </c:v>
+                </c:pt>
+                <c:pt idx="15">
+                  <c:v>streamcluster </c:v>
+                </c:pt>
+                <c:pt idx="16">
+                  <c:v>swaptions </c:v>
+                </c:pt>
+                <c:pt idx="17">
+                  <c:v>x264 </c:v>
+                </c:pt>
+                <c:pt idx="19">
+                  <c:v>AVERAGE</c:v>
+                </c:pt>
+              </c:strCache>
+            </c:strRef>
+          </c:cat>
+          <c:val>
+            <c:numRef>
+              <c:f>Performance!$F$2:$F$21</c:f>
+              <c:numCache>
+                <c:formatCode>General</c:formatCode>
+                <c:ptCount val="20"/>
+                <c:pt idx="1">
+                  <c:v>1.0</c:v>
+                </c:pt>
+                <c:pt idx="2">
+                  <c:v>1.0</c:v>
+                </c:pt>
+                <c:pt idx="3">
+                  <c:v>1.0</c:v>
+                </c:pt>
+                <c:pt idx="4">
+                  <c:v>1.0</c:v>
+                </c:pt>
+                <c:pt idx="5">
+                  <c:v>1.0</c:v>
+                </c:pt>
+                <c:pt idx="6">
+                  <c:v>1.0</c:v>
+                </c:pt>
+                <c:pt idx="7">
+                  <c:v>1.0</c:v>
+                </c:pt>
+                <c:pt idx="8">
+                  <c:v>1.0</c:v>
+                </c:pt>
+                <c:pt idx="10">
+                  <c:v>1.0</c:v>
+                </c:pt>
+                <c:pt idx="11">
+                  <c:v>1.0</c:v>
+                </c:pt>
+                <c:pt idx="12">
+                  <c:v>1.0</c:v>
+                </c:pt>
+                <c:pt idx="13">
+                  <c:v>1.0</c:v>
+                </c:pt>
+                <c:pt idx="14">
+                  <c:v>1.0</c:v>
+                </c:pt>
+                <c:pt idx="15">
+                  <c:v>1.0</c:v>
+                </c:pt>
+                <c:pt idx="16">
+                  <c:v>1.0</c:v>
+                </c:pt>
+                <c:pt idx="17">
+                  <c:v>1.0</c:v>
+                </c:pt>
+                <c:pt idx="19">
+                  <c:v>1.0</c:v>
+                </c:pt>
+              </c:numCache>
+            </c:numRef>
+          </c:val>
+        </c:ser>
+        <c:ser>
+          <c:idx val="1"/>
+          <c:order val="1"/>
+          <c:tx>
+            <c:strRef>
+              <c:f>Performance!$G$1</c:f>
+              <c:strCache>
+                <c:ptCount val="1"/>
+                <c:pt idx="0">
+                  <c:v>DEFAULTS-NoPred</c:v>
+                </c:pt>
+              </c:strCache>
+            </c:strRef>
+          </c:tx>
+          <c:spPr>
+            <a:solidFill>
+              <a:schemeClr val="tx1">
+                <a:lumMod val="65000"/>
+                <a:lumOff val="35000"/>
+              </a:schemeClr>
+            </a:solidFill>
+          </c:spPr>
+          <c:dLbls>
+            <c:dLbl>
+              <c:idx val="1"/>
+              <c:showVal val="1"/>
+            </c:dLbl>
+            <c:delete val="1"/>
+          </c:dLbls>
+          <c:cat>
+            <c:strRef>
+              <c:f>Performance!$E$2:$E$21</c:f>
+              <c:strCache>
+                <c:ptCount val="20"/>
+                <c:pt idx="0">
+                  <c:v>Phoenix</c:v>
+                </c:pt>
+                <c:pt idx="1">
+                  <c:v>histogram</c:v>
+                </c:pt>
+                <c:pt idx="2">
+                  <c:v>kmeans</c:v>
+                </c:pt>
+                <c:pt idx="3">
+                  <c:v>linear_regression</c:v>
+                </c:pt>
+                <c:pt idx="4">
+                  <c:v>matrix_multiply</c:v>
+                </c:pt>
+                <c:pt idx="5">
+                  <c:v>pca</c:v>
+                </c:pt>
+                <c:pt idx="6">
+                  <c:v>reverse_index</c:v>
+                </c:pt>
+                <c:pt idx="7">
+                  <c:v>string_match</c:v>
+                </c:pt>
+                <c:pt idx="8">
+                  <c:v>word_count</c:v>
+                </c:pt>
+                <c:pt idx="9">
+                  <c:v>PARSEC</c:v>
+                </c:pt>
+                <c:pt idx="10">
+                  <c:v>blackscholes </c:v>
+                </c:pt>
+                <c:pt idx="11">
+                  <c:v>bodytrack </c:v>
+                </c:pt>
+                <c:pt idx="12">
+                  <c:v>dedup </c:v>
+                </c:pt>
+                <c:pt idx="13">
+                  <c:v>ferret </c:v>
+                </c:pt>
+                <c:pt idx="14">
+                  <c:v>fluidanimate </c:v>
+                </c:pt>
+                <c:pt idx="15">
+                  <c:v>streamcluster </c:v>
+                </c:pt>
+                <c:pt idx="16">
+                  <c:v>swaptions </c:v>
+                </c:pt>
+                <c:pt idx="17">
+                  <c:v>x264 </c:v>
+                </c:pt>
+                <c:pt idx="19">
+                  <c:v>AVERAGE</c:v>
+                </c:pt>
+              </c:strCache>
+            </c:strRef>
+          </c:cat>
+          <c:val>
+            <c:numRef>
+              <c:f>Performance!$G$2:$G$21</c:f>
+              <c:numCache>
+                <c:formatCode>General</c:formatCode>
+                <c:ptCount val="20"/>
+                <c:pt idx="1">
+                  <c:v>23.43650793719243</c:v>
+                </c:pt>
+                <c:pt idx="2">
+                  <c:v>12.30162977377767</c:v>
+                </c:pt>
+                <c:pt idx="3">
+                  <c:v>3.246626091537444</c:v>
+                </c:pt>
+                <c:pt idx="4">
+                  <c:v>1.451512905174464</c:v>
+                </c:pt>
+                <c:pt idx="5">
+                  <c:v>3.585815338811545</c:v>
+                </c:pt>
+                <c:pt idx="6">
+                  <c:v>6.97308367472883</c:v>
+                </c:pt>
+                <c:pt idx="7">
+                  <c:v>2.454966546504829</c:v>
+                </c:pt>
+                <c:pt idx="8">
+                  <c:v>3.449282296735483</c:v>
+                </c:pt>
+                <c:pt idx="10">
+                  <c:v>1.216110019634419</c:v>
+                </c:pt>
+                <c:pt idx="11">
+                  <c:v>8.844773789998928</c:v>
+                </c:pt>
+                <c:pt idx="12">
+                  <c:v>2.822429906274356</c:v>
+                </c:pt>
+                <c:pt idx="13">
+                  <c:v>11.87440139326621</c:v>
+                </c:pt>
+                <c:pt idx="14">
+                  <c:v>5.115598885399166</c:v>
+                </c:pt>
+                <c:pt idx="15">
+                  <c:v>5.878500646307626</c:v>
+                </c:pt>
+                <c:pt idx="16">
+                  <c:v>10.57627593942535</c:v>
+                </c:pt>
+                <c:pt idx="17">
+                  <c:v>1.131678189798801</c:v>
+                </c:pt>
+                <c:pt idx="19">
+                  <c:v>6.522449583410472</c:v>
+                </c:pt>
+              </c:numCache>
+            </c:numRef>
+          </c:val>
+        </c:ser>
+        <c:ser>
+          <c:idx val="2"/>
+          <c:order val="2"/>
+          <c:tx>
+            <c:strRef>
+              <c:f>Performance!$H$1</c:f>
+              <c:strCache>
+                <c:ptCount val="1"/>
+                <c:pt idx="0">
+                  <c:v>DEFAULTS</c:v>
+                </c:pt>
+              </c:strCache>
+            </c:strRef>
+          </c:tx>
+          <c:spPr>
+            <a:solidFill>
+              <a:schemeClr val="tx1"/>
+            </a:solidFill>
+          </c:spPr>
+          <c:dLbls>
+            <c:dLbl>
+              <c:idx val="1"/>
+              <c:showVal val="1"/>
+            </c:dLbl>
+            <c:delete val="1"/>
+          </c:dLbls>
+          <c:cat>
+            <c:strRef>
+              <c:f>Performance!$E$2:$E$21</c:f>
+              <c:strCache>
+                <c:ptCount val="20"/>
+                <c:pt idx="0">
+                  <c:v>Phoenix</c:v>
+                </c:pt>
+                <c:pt idx="1">
+                  <c:v>histogram</c:v>
+                </c:pt>
+                <c:pt idx="2">
+                  <c:v>kmeans</c:v>
+                </c:pt>
+                <c:pt idx="3">
+                  <c:v>linear_regression</c:v>
+                </c:pt>
+                <c:pt idx="4">
+                  <c:v>matrix_multiply</c:v>
+                </c:pt>
+                <c:pt idx="5">
+                  <c:v>pca</c:v>
+                </c:pt>
+                <c:pt idx="6">
+                  <c:v>reverse_index</c:v>
+                </c:pt>
+                <c:pt idx="7">
+                  <c:v>string_match</c:v>
+                </c:pt>
+                <c:pt idx="8">
+                  <c:v>word_count</c:v>
+                </c:pt>
+                <c:pt idx="9">
+                  <c:v>PARSEC</c:v>
+                </c:pt>
+                <c:pt idx="10">
+                  <c:v>blackscholes </c:v>
+                </c:pt>
+                <c:pt idx="11">
+                  <c:v>bodytrack </c:v>
+                </c:pt>
+                <c:pt idx="12">
+                  <c:v>dedup </c:v>
+                </c:pt>
+                <c:pt idx="13">
+                  <c:v>ferret </c:v>
+                </c:pt>
+                <c:pt idx="14">
+                  <c:v>fluidanimate </c:v>
+                </c:pt>
+                <c:pt idx="15">
+                  <c:v>streamcluster </c:v>
+                </c:pt>
+                <c:pt idx="16">
+                  <c:v>swaptions </c:v>
+                </c:pt>
+                <c:pt idx="17">
+                  <c:v>x264 </c:v>
+                </c:pt>
+                <c:pt idx="19">
+                  <c:v>AVERAGE</c:v>
+                </c:pt>
+              </c:strCache>
+            </c:strRef>
+          </c:cat>
+          <c:val>
+            <c:numRef>
+              <c:f>Performance!$H$2:$H$21</c:f>
+              <c:numCache>
+                <c:formatCode>General</c:formatCode>
+                <c:ptCount val="20"/>
+                <c:pt idx="1">
+                  <c:v>26.52222222312382</c:v>
+                </c:pt>
+                <c:pt idx="2">
+                  <c:v>12.0924349306738</c:v>
+                </c:pt>
+                <c:pt idx="3">
+                  <c:v>3.254829319925906</c:v>
+                </c:pt>
+                <c:pt idx="4">
+                  <c:v>1.465260462287403</c:v>
+                </c:pt>
+                <c:pt idx="5">
+                  <c:v>3.587118391683232</c:v>
+                </c:pt>
+                <c:pt idx="6">
+                  <c:v>6.977179637233256</c:v>
+                </c:pt>
+                <c:pt idx="7">
+                  <c:v>2.522388059606056</c:v>
+                </c:pt>
+                <c:pt idx="8">
+                  <c:v>3.43157894749099</c:v>
+                </c:pt>
+                <c:pt idx="10">
+                  <c:v>1.214882121805355</c:v>
+                </c:pt>
+                <c:pt idx="11">
+                  <c:v>8.872074882102456</c:v>
+                </c:pt>
+                <c:pt idx="12">
+                  <c:v>2.859813083874574</c:v>
+                </c:pt>
+                <c:pt idx="13">
+                  <c:v>11.65280801059046</c:v>
+                </c:pt>
+                <c:pt idx="14">
+                  <c:v>5.114902506457724</c:v>
+                </c:pt>
+                <c:pt idx="15">
+                  <c:v>5.875053856062042</c:v>
+                </c:pt>
+                <c:pt idx="16">
+                  <c:v>10.59282108800632</c:v>
+                </c:pt>
+                <c:pt idx="17">
+                  <c:v>1.155248271480525</c:v>
+                </c:pt>
+                <c:pt idx="19">
+                  <c:v>6.699413487025245</c:v>
+                </c:pt>
+              </c:numCache>
+            </c:numRef>
+          </c:val>
+        </c:ser>
+        <c:axId val="250798472"/>
+        <c:axId val="250801688"/>
+      </c:barChart>
+      <c:catAx>
+        <c:axId val="250798472"/>
+        <c:scaling>
+          <c:orientation val="minMax"/>
+        </c:scaling>
+        <c:axPos val="b"/>
+        <c:tickLblPos val="nextTo"/>
+        <c:txPr>
+          <a:bodyPr rot="-2700000"/>
+          <a:lstStyle/>
+          <a:p>
+            <a:pPr>
+              <a:defRPr sz="1000" b="1"/>
+            </a:pPr>
+            <a:endParaRPr lang="en-US"/>
+          </a:p>
+        </c:txPr>
+        <c:crossAx val="250801688"/>
+        <c:crosses val="autoZero"/>
+        <c:auto val="1"/>
+        <c:lblAlgn val="ctr"/>
+        <c:lblOffset val="100"/>
+      </c:catAx>
+      <c:valAx>
+        <c:axId val="250801688"/>
+        <c:scaling>
+          <c:orientation val="minMax"/>
+          <c:max val="16.0"/>
+        </c:scaling>
+        <c:axPos val="l"/>
+        <c:majorGridlines/>
+        <c:numFmt formatCode="General" sourceLinked="1"/>
+        <c:tickLblPos val="nextTo"/>
+        <c:crossAx val="250798472"/>
+        <c:crosses val="autoZero"/>
+        <c:crossBetween val="between"/>
+        <c:majorUnit val="2.0"/>
+      </c:valAx>
+    </c:plotArea>
+    <c:legend>
+      <c:legendPos val="r"/>
+      <c:layout>
+        <c:manualLayout>
+          <c:xMode val="edge"/>
+          <c:yMode val="edge"/>
+          <c:x val="0.802110922214269"/>
+          <c:y val="0.252138446722937"/>
+          <c:w val="0.17137392627058"/>
+          <c:h val="0.243924191355577"/>
+        </c:manualLayout>
+      </c:layout>
+    </c:legend>
+    <c:plotVisOnly val="1"/>
+  </c:chart>
+  <c:externalData r:id="rId1"/>
+  <c:userShapes r:id="rId2"/>
+</c:chartSpace>
+</file>
+
+<file path=ppt/charts/chart2.xml><?xml version="1.0" encoding="utf-8"?>
+<c:chartSpace xmlns:c="http://schemas.openxmlformats.org/drawingml/2006/chart" xmlns:a="http://schemas.openxmlformats.org/drawingml/2006/main" xmlns:r="http://schemas.openxmlformats.org/officeDocument/2006/relationships">
+  <c:date1904 val="1"/>
+  <c:lang val="en-US"/>
+  <c:style val="18"/>
+  <c:chart>
+    <c:plotArea>
+      <c:layout/>
+      <c:barChart>
+        <c:barDir val="col"/>
+        <c:grouping val="clustered"/>
+        <c:ser>
+          <c:idx val="0"/>
+          <c:order val="0"/>
+          <c:tx>
+            <c:strRef>
+              <c:f>Performance!$F$1</c:f>
+              <c:strCache>
+                <c:ptCount val="1"/>
+                <c:pt idx="0">
+                  <c:v>Original</c:v>
+                </c:pt>
+              </c:strCache>
+            </c:strRef>
+          </c:tx>
+          <c:spPr>
+            <a:solidFill>
+              <a:schemeClr val="bg1">
+                <a:lumMod val="50000"/>
+              </a:schemeClr>
+            </a:solidFill>
+          </c:spPr>
+          <c:cat>
+            <c:strRef>
+              <c:f>Performance!$E$2:$E$21</c:f>
+              <c:strCache>
+                <c:ptCount val="20"/>
+                <c:pt idx="0">
+                  <c:v>Phoenix</c:v>
+                </c:pt>
+                <c:pt idx="1">
+                  <c:v>histogram</c:v>
+                </c:pt>
+                <c:pt idx="2">
+                  <c:v>kmeans</c:v>
+                </c:pt>
+                <c:pt idx="3">
+                  <c:v>linear_regression</c:v>
+                </c:pt>
+                <c:pt idx="4">
+                  <c:v>matrix_multiply</c:v>
+                </c:pt>
+                <c:pt idx="5">
+                  <c:v>pca</c:v>
+                </c:pt>
+                <c:pt idx="6">
+                  <c:v>reverse_index</c:v>
+                </c:pt>
+                <c:pt idx="7">
+                  <c:v>string_match</c:v>
+                </c:pt>
+                <c:pt idx="8">
+                  <c:v>word_count</c:v>
+                </c:pt>
+                <c:pt idx="9">
+                  <c:v>PARSEC</c:v>
+                </c:pt>
+                <c:pt idx="10">
+                  <c:v>blackscholes </c:v>
+                </c:pt>
+                <c:pt idx="11">
+                  <c:v>bodytrack </c:v>
+                </c:pt>
+                <c:pt idx="12">
+                  <c:v>dedup </c:v>
+                </c:pt>
+                <c:pt idx="13">
+                  <c:v>ferret </c:v>
+                </c:pt>
+                <c:pt idx="14">
+                  <c:v>fluidanimate </c:v>
+                </c:pt>
+                <c:pt idx="15">
+                  <c:v>streamcluster </c:v>
+                </c:pt>
+                <c:pt idx="16">
+                  <c:v>swaptions </c:v>
+                </c:pt>
+                <c:pt idx="17">
+                  <c:v>x264 </c:v>
+                </c:pt>
+                <c:pt idx="19">
+                  <c:v>AVERAGE</c:v>
+                </c:pt>
+              </c:strCache>
+            </c:strRef>
+          </c:cat>
+          <c:val>
+            <c:numRef>
+              <c:f>Performance!$F$2:$F$21</c:f>
+              <c:numCache>
+                <c:formatCode>General</c:formatCode>
+                <c:ptCount val="20"/>
+                <c:pt idx="1">
+                  <c:v>1.0</c:v>
+                </c:pt>
+                <c:pt idx="2">
+                  <c:v>1.0</c:v>
+                </c:pt>
+                <c:pt idx="3">
+                  <c:v>1.0</c:v>
+                </c:pt>
+                <c:pt idx="4">
+                  <c:v>1.0</c:v>
+                </c:pt>
+                <c:pt idx="5">
+                  <c:v>1.0</c:v>
+                </c:pt>
+                <c:pt idx="6">
+                  <c:v>1.0</c:v>
+                </c:pt>
+                <c:pt idx="7">
+                  <c:v>1.0</c:v>
+                </c:pt>
+                <c:pt idx="8">
+                  <c:v>1.0</c:v>
+                </c:pt>
+                <c:pt idx="10">
+                  <c:v>1.0</c:v>
+                </c:pt>
+                <c:pt idx="11">
+                  <c:v>1.0</c:v>
+                </c:pt>
+                <c:pt idx="12">
+                  <c:v>1.0</c:v>
+                </c:pt>
+                <c:pt idx="13">
+                  <c:v>1.0</c:v>
+                </c:pt>
+                <c:pt idx="14">
+                  <c:v>1.0</c:v>
+                </c:pt>
+                <c:pt idx="15">
+                  <c:v>1.0</c:v>
+                </c:pt>
+                <c:pt idx="16">
+                  <c:v>1.0</c:v>
+                </c:pt>
+                <c:pt idx="17">
+                  <c:v>1.0</c:v>
+                </c:pt>
+                <c:pt idx="19">
+                  <c:v>1.0</c:v>
+                </c:pt>
+              </c:numCache>
+            </c:numRef>
+          </c:val>
+        </c:ser>
+        <c:ser>
+          <c:idx val="1"/>
+          <c:order val="1"/>
+          <c:tx>
+            <c:strRef>
+              <c:f>Performance!$G$1</c:f>
+              <c:strCache>
+                <c:ptCount val="1"/>
+                <c:pt idx="0">
+                  <c:v>DEFAULTS-NoPred</c:v>
+                </c:pt>
+              </c:strCache>
+            </c:strRef>
+          </c:tx>
+          <c:spPr>
+            <a:solidFill>
+              <a:schemeClr val="tx1">
+                <a:lumMod val="65000"/>
+                <a:lumOff val="35000"/>
+              </a:schemeClr>
+            </a:solidFill>
+          </c:spPr>
+          <c:cat>
+            <c:strRef>
+              <c:f>Performance!$E$2:$E$21</c:f>
+              <c:strCache>
+                <c:ptCount val="20"/>
+                <c:pt idx="0">
+                  <c:v>Phoenix</c:v>
+                </c:pt>
+                <c:pt idx="1">
+                  <c:v>histogram</c:v>
+                </c:pt>
+                <c:pt idx="2">
+                  <c:v>kmeans</c:v>
+                </c:pt>
+                <c:pt idx="3">
+                  <c:v>linear_regression</c:v>
+                </c:pt>
+                <c:pt idx="4">
+                  <c:v>matrix_multiply</c:v>
+                </c:pt>
+                <c:pt idx="5">
+                  <c:v>pca</c:v>
+                </c:pt>
+                <c:pt idx="6">
+                  <c:v>reverse_index</c:v>
+                </c:pt>
+                <c:pt idx="7">
+                  <c:v>string_match</c:v>
+                </c:pt>
+                <c:pt idx="8">
+                  <c:v>word_count</c:v>
+                </c:pt>
+                <c:pt idx="9">
+                  <c:v>PARSEC</c:v>
+                </c:pt>
+                <c:pt idx="10">
+                  <c:v>blackscholes </c:v>
+                </c:pt>
+                <c:pt idx="11">
+                  <c:v>bodytrack </c:v>
+                </c:pt>
+                <c:pt idx="12">
+                  <c:v>dedup </c:v>
+                </c:pt>
+                <c:pt idx="13">
+                  <c:v>ferret </c:v>
+                </c:pt>
+                <c:pt idx="14">
+                  <c:v>fluidanimate </c:v>
+                </c:pt>
+                <c:pt idx="15">
+                  <c:v>streamcluster </c:v>
+                </c:pt>
+                <c:pt idx="16">
+                  <c:v>swaptions </c:v>
+                </c:pt>
+                <c:pt idx="17">
+                  <c:v>x264 </c:v>
+                </c:pt>
+                <c:pt idx="19">
+                  <c:v>AVERAGE</c:v>
+                </c:pt>
+              </c:strCache>
+            </c:strRef>
+          </c:cat>
+          <c:val>
+            <c:numRef>
+              <c:f>Performance!$G$2:$G$21</c:f>
+              <c:numCache>
+                <c:formatCode>General</c:formatCode>
+                <c:ptCount val="20"/>
+                <c:pt idx="1">
+                  <c:v>23.43650793719243</c:v>
+                </c:pt>
+                <c:pt idx="2">
+                  <c:v>12.30162977377767</c:v>
+                </c:pt>
+                <c:pt idx="3">
+                  <c:v>3.246626091537444</c:v>
+                </c:pt>
+                <c:pt idx="4">
+                  <c:v>1.451512905174464</c:v>
+                </c:pt>
+                <c:pt idx="5">
+                  <c:v>3.585815338811545</c:v>
+                </c:pt>
+                <c:pt idx="6">
+                  <c:v>6.97308367472883</c:v>
+                </c:pt>
+                <c:pt idx="7">
+                  <c:v>2.454966546504829</c:v>
+                </c:pt>
+                <c:pt idx="8">
+                  <c:v>3.449282296735483</c:v>
+                </c:pt>
+                <c:pt idx="10">
+                  <c:v>1.216110019634419</c:v>
+                </c:pt>
+                <c:pt idx="11">
+                  <c:v>8.844773789998928</c:v>
+                </c:pt>
+                <c:pt idx="12">
+                  <c:v>2.822429906274356</c:v>
+                </c:pt>
+                <c:pt idx="13">
+                  <c:v>11.87440139326621</c:v>
+                </c:pt>
+                <c:pt idx="14">
+                  <c:v>5.115598885399166</c:v>
+                </c:pt>
+                <c:pt idx="15">
+                  <c:v>5.878500646307626</c:v>
+                </c:pt>
+                <c:pt idx="16">
+                  <c:v>10.57627593942535</c:v>
+                </c:pt>
+                <c:pt idx="17">
+                  <c:v>1.131678189798801</c:v>
+                </c:pt>
+                <c:pt idx="19">
+                  <c:v>6.522449583410472</c:v>
+                </c:pt>
+              </c:numCache>
+            </c:numRef>
+          </c:val>
+        </c:ser>
+        <c:ser>
+          <c:idx val="2"/>
+          <c:order val="2"/>
+          <c:tx>
+            <c:strRef>
+              <c:f>Performance!$H$1</c:f>
+              <c:strCache>
+                <c:ptCount val="1"/>
+                <c:pt idx="0">
+                  <c:v>DEFAULTS</c:v>
+                </c:pt>
+              </c:strCache>
+            </c:strRef>
+          </c:tx>
+          <c:spPr>
+            <a:solidFill>
+              <a:schemeClr val="tx1"/>
+            </a:solidFill>
+          </c:spPr>
+          <c:cat>
+            <c:strRef>
+              <c:f>Performance!$E$2:$E$21</c:f>
+              <c:strCache>
+                <c:ptCount val="20"/>
+                <c:pt idx="0">
+                  <c:v>Phoenix</c:v>
+                </c:pt>
+                <c:pt idx="1">
+                  <c:v>histogram</c:v>
+                </c:pt>
+                <c:pt idx="2">
+                  <c:v>kmeans</c:v>
+                </c:pt>
+                <c:pt idx="3">
+                  <c:v>linear_regression</c:v>
+                </c:pt>
+                <c:pt idx="4">
+                  <c:v>matrix_multiply</c:v>
+                </c:pt>
+                <c:pt idx="5">
+                  <c:v>pca</c:v>
+                </c:pt>
+                <c:pt idx="6">
+                  <c:v>reverse_index</c:v>
+                </c:pt>
+                <c:pt idx="7">
+                  <c:v>string_match</c:v>
+                </c:pt>
+                <c:pt idx="8">
+                  <c:v>word_count</c:v>
+                </c:pt>
+                <c:pt idx="9">
+                  <c:v>PARSEC</c:v>
+                </c:pt>
+                <c:pt idx="10">
+                  <c:v>blackscholes </c:v>
+                </c:pt>
+                <c:pt idx="11">
+                  <c:v>bodytrack </c:v>
+                </c:pt>
+                <c:pt idx="12">
+                  <c:v>dedup </c:v>
+                </c:pt>
+                <c:pt idx="13">
+                  <c:v>ferret </c:v>
+                </c:pt>
+                <c:pt idx="14">
+                  <c:v>fluidanimate </c:v>
+                </c:pt>
+                <c:pt idx="15">
+                  <c:v>streamcluster </c:v>
+                </c:pt>
+                <c:pt idx="16">
+                  <c:v>swaptions </c:v>
+                </c:pt>
+                <c:pt idx="17">
+                  <c:v>x264 </c:v>
+                </c:pt>
+                <c:pt idx="19">
+                  <c:v>AVERAGE</c:v>
+                </c:pt>
+              </c:strCache>
+            </c:strRef>
+          </c:cat>
+          <c:val>
+            <c:numRef>
+              <c:f>Performance!$H$2:$H$21</c:f>
+              <c:numCache>
+                <c:formatCode>General</c:formatCode>
+                <c:ptCount val="20"/>
+                <c:pt idx="1">
+                  <c:v>26.52222222312382</c:v>
+                </c:pt>
+                <c:pt idx="2">
+                  <c:v>12.0924349306738</c:v>
+                </c:pt>
+                <c:pt idx="3">
+                  <c:v>3.254829319925906</c:v>
+                </c:pt>
+                <c:pt idx="4">
+                  <c:v>1.465260462287403</c:v>
+                </c:pt>
+                <c:pt idx="5">
+                  <c:v>3.587118391683232</c:v>
+                </c:pt>
+                <c:pt idx="6">
+                  <c:v>6.977179637233256</c:v>
+                </c:pt>
+                <c:pt idx="7">
+                  <c:v>2.522388059606056</c:v>
+                </c:pt>
+                <c:pt idx="8">
+                  <c:v>3.43157894749099</c:v>
+                </c:pt>
+                <c:pt idx="10">
+                  <c:v>1.214882121805355</c:v>
+                </c:pt>
+                <c:pt idx="11">
+                  <c:v>8.872074882102456</c:v>
+                </c:pt>
+                <c:pt idx="12">
+                  <c:v>2.859813083874574</c:v>
+                </c:pt>
+                <c:pt idx="13">
+                  <c:v>11.65280801059046</c:v>
+                </c:pt>
+                <c:pt idx="14">
+                  <c:v>5.114902506457724</c:v>
+                </c:pt>
+                <c:pt idx="15">
+                  <c:v>5.875053856062042</c:v>
+                </c:pt>
+                <c:pt idx="16">
+                  <c:v>10.59282108800632</c:v>
+                </c:pt>
+                <c:pt idx="17">
+                  <c:v>1.155248271480525</c:v>
+                </c:pt>
+                <c:pt idx="19">
+                  <c:v>6.699413487025245</c:v>
+                </c:pt>
+              </c:numCache>
+            </c:numRef>
+          </c:val>
+        </c:ser>
+        <c:axId val="458332920"/>
+        <c:axId val="250867592"/>
+      </c:barChart>
+      <c:catAx>
+        <c:axId val="458332920"/>
+        <c:scaling>
+          <c:orientation val="minMax"/>
+        </c:scaling>
+        <c:axPos val="b"/>
+        <c:tickLblPos val="nextTo"/>
+        <c:txPr>
+          <a:bodyPr rot="-2700000"/>
+          <a:lstStyle/>
+          <a:p>
+            <a:pPr>
+              <a:defRPr sz="1000" b="1"/>
+            </a:pPr>
+            <a:endParaRPr lang="en-US"/>
+          </a:p>
+        </c:txPr>
+        <c:crossAx val="250867592"/>
+        <c:crosses val="autoZero"/>
+        <c:auto val="1"/>
+        <c:lblAlgn val="ctr"/>
+        <c:lblOffset val="100"/>
+      </c:catAx>
+      <c:valAx>
+        <c:axId val="250867592"/>
+        <c:scaling>
+          <c:orientation val="minMax"/>
+          <c:max val="16.0"/>
+        </c:scaling>
+        <c:axPos val="l"/>
+        <c:majorGridlines/>
+        <c:title>
+          <c:tx>
+            <c:rich>
+              <a:bodyPr/>
+              <a:lstStyle/>
+              <a:p>
+                <a:pPr>
+                  <a:defRPr/>
+                </a:pPr>
+                <a:r>
+                  <a:rPr lang="en-US"/>
+                  <a:t>Normalized Runtime</a:t>
+                </a:r>
+              </a:p>
+            </c:rich>
+          </c:tx>
+          <c:layout/>
+        </c:title>
+        <c:numFmt formatCode="General" sourceLinked="1"/>
+        <c:tickLblPos val="nextTo"/>
+        <c:crossAx val="458332920"/>
+        <c:crosses val="autoZero"/>
+        <c:crossBetween val="between"/>
+        <c:majorUnit val="2.0"/>
+      </c:valAx>
+    </c:plotArea>
+    <c:legend>
+      <c:legendPos val="r"/>
+      <c:layout>
+        <c:manualLayout>
+          <c:xMode val="edge"/>
+          <c:yMode val="edge"/>
+          <c:x val="0.805898801002147"/>
+          <c:y val="0.256634849600634"/>
+          <c:w val="0.17137392627058"/>
+          <c:h val="0.243924191355577"/>
+        </c:manualLayout>
+      </c:layout>
+      <c:txPr>
+        <a:bodyPr/>
+        <a:lstStyle/>
+        <a:p>
+          <a:pPr>
+            <a:defRPr sz="1000" b="1"/>
+          </a:pPr>
+          <a:endParaRPr lang="en-US"/>
+        </a:p>
+      </c:txPr>
+    </c:legend>
+    <c:plotVisOnly val="1"/>
+  </c:chart>
+  <c:externalData r:id="rId1"/>
+</c:chartSpace>
+</file>
+
+<file path=ppt/charts/chart3.xml><?xml version="1.0" encoding="utf-8"?>
+<c:chartSpace xmlns:c="http://schemas.openxmlformats.org/drawingml/2006/chart" xmlns:a="http://schemas.openxmlformats.org/drawingml/2006/main" xmlns:r="http://schemas.openxmlformats.org/officeDocument/2006/relationships">
+  <c:date1904 val="1"/>
+  <c:lang val="en-US"/>
+  <c:style val="18"/>
+  <c:chart>
+    <c:plotArea>
+      <c:layout/>
+      <c:barChart>
+        <c:barDir val="col"/>
+        <c:grouping val="clustered"/>
+        <c:ser>
+          <c:idx val="0"/>
+          <c:order val="0"/>
+          <c:tx>
+            <c:strRef>
               <c:f>MemoryUsage!$E$1</c:f>
               <c:strCache>
                 <c:ptCount val="1"/>
@@ -416,11 +1485,11 @@
             </c:numRef>
           </c:val>
         </c:ser>
-        <c:axId val="245811640"/>
-        <c:axId val="245802712"/>
+        <c:axId val="225121480"/>
+        <c:axId val="225112568"/>
       </c:barChart>
       <c:catAx>
-        <c:axId val="245811640"/>
+        <c:axId val="225121480"/>
         <c:scaling>
           <c:orientation val="minMax"/>
         </c:scaling>
@@ -436,14 +1505,14 @@
             <a:endParaRPr lang="en-US"/>
           </a:p>
         </c:txPr>
-        <c:crossAx val="245802712"/>
+        <c:crossAx val="225112568"/>
         <c:crosses val="autoZero"/>
         <c:auto val="1"/>
         <c:lblAlgn val="ctr"/>
         <c:lblOffset val="100"/>
       </c:catAx>
       <c:valAx>
-        <c:axId val="245802712"/>
+        <c:axId val="225112568"/>
         <c:scaling>
           <c:orientation val="minMax"/>
           <c:max val="1.8"/>
@@ -467,11 +1536,10 @@
               </a:p>
             </c:rich>
           </c:tx>
-          <c:layout/>
         </c:title>
         <c:numFmt formatCode="General" sourceLinked="1"/>
         <c:tickLblPos val="nextTo"/>
-        <c:crossAx val="245811640"/>
+        <c:crossAx val="225121480"/>
         <c:crosses val="autoZero"/>
         <c:crossBetween val="between"/>
         <c:majorUnit val="0.5"/>
@@ -504,6 +1572,83 @@
   </c:chart>
   <c:externalData r:id="rId1"/>
 </c:chartSpace>
+</file>
+
+<file path=ppt/drawings/drawing1.xml><?xml version="1.0" encoding="utf-8"?>
+<c:userShapes xmlns:c="http://schemas.openxmlformats.org/drawingml/2006/chart">
+  <cdr:relSizeAnchor xmlns:cdr="http://schemas.openxmlformats.org/drawingml/2006/chartDrawing">
+    <cdr:from>
+      <cdr:x>0.06439</cdr:x>
+      <cdr:y>0.13489</cdr:y>
+    </cdr:from>
+    <cdr:to>
+      <cdr:x>0.11869</cdr:x>
+      <cdr:y>0.2488</cdr:y>
+    </cdr:to>
+    <cdr:sp macro="" textlink="">
+      <cdr:nvSpPr>
+        <cdr:cNvPr id="2" name="TextBox 1"/>
+        <cdr:cNvSpPr txBox="1"/>
+      </cdr:nvSpPr>
+      <cdr:spPr>
+        <a:xfrm xmlns:a="http://schemas.openxmlformats.org/drawingml/2006/main">
+          <a:off x="431799" y="381000"/>
+          <a:ext cx="364067" cy="321734"/>
+        </a:xfrm>
+        <a:prstGeom xmlns:a="http://schemas.openxmlformats.org/drawingml/2006/main" prst="rect">
+          <a:avLst/>
+        </a:prstGeom>
+      </cdr:spPr>
+      <cdr:txBody>
+        <a:bodyPr xmlns:a="http://schemas.openxmlformats.org/drawingml/2006/main" wrap="none" rtlCol="0"/>
+        <a:lstStyle xmlns:a="http://schemas.openxmlformats.org/drawingml/2006/main"/>
+        <a:p xmlns:a="http://schemas.openxmlformats.org/drawingml/2006/main">
+          <a:r>
+            <a:rPr lang="en-US" sz="1100" dirty="0" smtClean="0"/>
+            <a:t>23.4</a:t>
+          </a:r>
+          <a:endParaRPr lang="en-US" sz="1100" dirty="0"/>
+        </a:p>
+      </cdr:txBody>
+    </cdr:sp>
+  </cdr:relSizeAnchor>
+  <cdr:relSizeAnchor xmlns:cdr="http://schemas.openxmlformats.org/drawingml/2006/chartDrawing">
+    <cdr:from>
+      <cdr:x>0.11364</cdr:x>
+      <cdr:y>0.06595</cdr:y>
+    </cdr:from>
+    <cdr:to>
+      <cdr:x>0.17424</cdr:x>
+      <cdr:y>0.15887</cdr:y>
+    </cdr:to>
+    <cdr:sp macro="" textlink="">
+      <cdr:nvSpPr>
+        <cdr:cNvPr id="3" name="TextBox 2"/>
+        <cdr:cNvSpPr txBox="1"/>
+      </cdr:nvSpPr>
+      <cdr:spPr>
+        <a:xfrm xmlns:a="http://schemas.openxmlformats.org/drawingml/2006/main">
+          <a:off x="762000" y="186267"/>
+          <a:ext cx="406400" cy="262467"/>
+        </a:xfrm>
+        <a:prstGeom xmlns:a="http://schemas.openxmlformats.org/drawingml/2006/main" prst="rect">
+          <a:avLst/>
+        </a:prstGeom>
+      </cdr:spPr>
+      <cdr:txBody>
+        <a:bodyPr xmlns:a="http://schemas.openxmlformats.org/drawingml/2006/main" wrap="none" rtlCol="0"/>
+        <a:lstStyle xmlns:a="http://schemas.openxmlformats.org/drawingml/2006/main"/>
+        <a:p xmlns:a="http://schemas.openxmlformats.org/drawingml/2006/main">
+          <a:r>
+            <a:rPr lang="en-US" sz="1100" dirty="0" smtClean="0"/>
+            <a:t>26.5</a:t>
+          </a:r>
+          <a:endParaRPr lang="en-US" sz="1100" dirty="0"/>
+        </a:p>
+      </cdr:txBody>
+    </cdr:sp>
+  </cdr:relSizeAnchor>
+</c:userShapes>
 </file>
 
 <file path=ppt/slideLayouts/slideLayout1.xml><?xml version="1.0" encoding="utf-8"?>
@@ -688,7 +1833,7 @@
             <a:fld id="{CD9E33B9-CE4A-C84C-B720-FE624F5655F3}" type="datetimeFigureOut">
               <a:rPr lang="en-US" smtClean="0"/>
               <a:pPr/>
-              <a:t>9/10/13</a:t>
+              <a:t>9/12/13</a:t>
             </a:fld>
             <a:endParaRPr lang="en-US" dirty="0"/>
           </a:p>
@@ -855,7 +2000,7 @@
             <a:fld id="{CD9E33B9-CE4A-C84C-B720-FE624F5655F3}" type="datetimeFigureOut">
               <a:rPr lang="en-US" smtClean="0"/>
               <a:pPr/>
-              <a:t>9/10/13</a:t>
+              <a:t>9/12/13</a:t>
             </a:fld>
             <a:endParaRPr lang="en-US" dirty="0"/>
           </a:p>
@@ -1032,7 +2177,7 @@
             <a:fld id="{CD9E33B9-CE4A-C84C-B720-FE624F5655F3}" type="datetimeFigureOut">
               <a:rPr lang="en-US" smtClean="0"/>
               <a:pPr/>
-              <a:t>9/10/13</a:t>
+              <a:t>9/12/13</a:t>
             </a:fld>
             <a:endParaRPr lang="en-US" dirty="0"/>
           </a:p>
@@ -1199,7 +2344,7 @@
             <a:fld id="{CD9E33B9-CE4A-C84C-B720-FE624F5655F3}" type="datetimeFigureOut">
               <a:rPr lang="en-US" smtClean="0"/>
               <a:pPr/>
-              <a:t>9/10/13</a:t>
+              <a:t>9/12/13</a:t>
             </a:fld>
             <a:endParaRPr lang="en-US" dirty="0"/>
           </a:p>
@@ -1442,7 +2587,7 @@
             <a:fld id="{CD9E33B9-CE4A-C84C-B720-FE624F5655F3}" type="datetimeFigureOut">
               <a:rPr lang="en-US" smtClean="0"/>
               <a:pPr/>
-              <a:t>9/10/13</a:t>
+              <a:t>9/12/13</a:t>
             </a:fld>
             <a:endParaRPr lang="en-US" dirty="0"/>
           </a:p>
@@ -1727,7 +2872,7 @@
             <a:fld id="{CD9E33B9-CE4A-C84C-B720-FE624F5655F3}" type="datetimeFigureOut">
               <a:rPr lang="en-US" smtClean="0"/>
               <a:pPr/>
-              <a:t>9/10/13</a:t>
+              <a:t>9/12/13</a:t>
             </a:fld>
             <a:endParaRPr lang="en-US" dirty="0"/>
           </a:p>
@@ -2146,7 +3291,7 @@
             <a:fld id="{CD9E33B9-CE4A-C84C-B720-FE624F5655F3}" type="datetimeFigureOut">
               <a:rPr lang="en-US" smtClean="0"/>
               <a:pPr/>
-              <a:t>9/10/13</a:t>
+              <a:t>9/12/13</a:t>
             </a:fld>
             <a:endParaRPr lang="en-US" dirty="0"/>
           </a:p>
@@ -2261,7 +3406,7 @@
             <a:fld id="{CD9E33B9-CE4A-C84C-B720-FE624F5655F3}" type="datetimeFigureOut">
               <a:rPr lang="en-US" smtClean="0"/>
               <a:pPr/>
-              <a:t>9/10/13</a:t>
+              <a:t>9/12/13</a:t>
             </a:fld>
             <a:endParaRPr lang="en-US" dirty="0"/>
           </a:p>
@@ -2353,7 +3498,7 @@
             <a:fld id="{CD9E33B9-CE4A-C84C-B720-FE624F5655F3}" type="datetimeFigureOut">
               <a:rPr lang="en-US" smtClean="0"/>
               <a:pPr/>
-              <a:t>9/10/13</a:t>
+              <a:t>9/12/13</a:t>
             </a:fld>
             <a:endParaRPr lang="en-US" dirty="0"/>
           </a:p>
@@ -2627,7 +3772,7 @@
             <a:fld id="{CD9E33B9-CE4A-C84C-B720-FE624F5655F3}" type="datetimeFigureOut">
               <a:rPr lang="en-US" smtClean="0"/>
               <a:pPr/>
-              <a:t>9/10/13</a:t>
+              <a:t>9/12/13</a:t>
             </a:fld>
             <a:endParaRPr lang="en-US" dirty="0"/>
           </a:p>
@@ -2877,7 +4022,7 @@
             <a:fld id="{CD9E33B9-CE4A-C84C-B720-FE624F5655F3}" type="datetimeFigureOut">
               <a:rPr lang="en-US" smtClean="0"/>
               <a:pPr/>
-              <a:t>9/10/13</a:t>
+              <a:t>9/12/13</a:t>
             </a:fld>
             <a:endParaRPr lang="en-US" dirty="0"/>
           </a:p>
@@ -3087,7 +4232,7 @@
             <a:fld id="{CD9E33B9-CE4A-C84C-B720-FE624F5655F3}" type="datetimeFigureOut">
               <a:rPr lang="en-US" smtClean="0"/>
               <a:pPr/>
-              <a:t>9/10/13</a:t>
+              <a:t>9/12/13</a:t>
             </a:fld>
             <a:endParaRPr lang="en-US" dirty="0"/>
           </a:p>
@@ -3458,1097 +4603,1082 @@
           <a:chExt cx="0" cy="0"/>
         </a:xfrm>
       </p:grpSpPr>
+      <p:sp>
+        <p:nvSpPr>
+          <p:cNvPr id="4" name="Rectangle 3"/>
+          <p:cNvSpPr/>
+          <p:nvPr/>
+        </p:nvSpPr>
+        <p:spPr>
+          <a:xfrm>
+            <a:off x="956340" y="391993"/>
+            <a:ext cx="2430039" cy="1005840"/>
+          </a:xfrm>
+          <a:prstGeom prst="rect">
+            <a:avLst/>
+          </a:prstGeom>
+          <a:noFill/>
+          <a:ln w="19050">
+            <a:solidFill>
+              <a:schemeClr val="tx1">
+                <a:lumMod val="95000"/>
+                <a:lumOff val="5000"/>
+              </a:schemeClr>
+            </a:solidFill>
+          </a:ln>
+        </p:spPr>
+        <p:style>
+          <a:lnRef idx="1">
+            <a:schemeClr val="accent1"/>
+          </a:lnRef>
+          <a:fillRef idx="3">
+            <a:schemeClr val="accent1"/>
+          </a:fillRef>
+          <a:effectRef idx="2">
+            <a:schemeClr val="accent1"/>
+          </a:effectRef>
+          <a:fontRef idx="minor">
+            <a:schemeClr val="lt1"/>
+          </a:fontRef>
+        </p:style>
+        <p:txBody>
+          <a:bodyPr rtlCol="0" anchor="ctr"/>
+          <a:lstStyle/>
+          <a:p>
+            <a:pPr algn="ctr"/>
+            <a:endParaRPr lang="en-US" dirty="0"/>
+          </a:p>
+        </p:txBody>
+      </p:sp>
+      <p:cxnSp>
+        <p:nvCxnSpPr>
+          <p:cNvPr id="6" name="Straight Connector 5"/>
+          <p:cNvCxnSpPr/>
+          <p:nvPr/>
+        </p:nvCxnSpPr>
+        <p:spPr>
+          <a:xfrm rot="5400000" flipH="1" flipV="1">
+            <a:off x="955107" y="395544"/>
+            <a:ext cx="1005839" cy="1003372"/>
+          </a:xfrm>
+          <a:prstGeom prst="line">
+            <a:avLst/>
+          </a:prstGeom>
+          <a:ln w="12700">
+            <a:solidFill>
+              <a:schemeClr val="tx1">
+                <a:lumMod val="95000"/>
+                <a:lumOff val="5000"/>
+              </a:schemeClr>
+            </a:solidFill>
+          </a:ln>
+        </p:spPr>
+        <p:style>
+          <a:lnRef idx="2">
+            <a:schemeClr val="accent1"/>
+          </a:lnRef>
+          <a:fillRef idx="0">
+            <a:schemeClr val="accent1"/>
+          </a:fillRef>
+          <a:effectRef idx="1">
+            <a:schemeClr val="accent1"/>
+          </a:effectRef>
+          <a:fontRef idx="minor">
+            <a:schemeClr val="tx1"/>
+          </a:fontRef>
+        </p:style>
+      </p:cxnSp>
+      <p:cxnSp>
+        <p:nvCxnSpPr>
+          <p:cNvPr id="8" name="Straight Connector 7"/>
+          <p:cNvCxnSpPr/>
+          <p:nvPr/>
+        </p:nvCxnSpPr>
+        <p:spPr>
+          <a:xfrm rot="5400000" flipH="1" flipV="1">
+            <a:off x="1226628" y="395544"/>
+            <a:ext cx="1005839" cy="1003372"/>
+          </a:xfrm>
+          <a:prstGeom prst="line">
+            <a:avLst/>
+          </a:prstGeom>
+          <a:ln w="12700">
+            <a:solidFill>
+              <a:schemeClr val="tx1">
+                <a:lumMod val="95000"/>
+                <a:lumOff val="5000"/>
+              </a:schemeClr>
+            </a:solidFill>
+          </a:ln>
+        </p:spPr>
+        <p:style>
+          <a:lnRef idx="2">
+            <a:schemeClr val="accent1"/>
+          </a:lnRef>
+          <a:fillRef idx="0">
+            <a:schemeClr val="accent1"/>
+          </a:fillRef>
+          <a:effectRef idx="1">
+            <a:schemeClr val="accent1"/>
+          </a:effectRef>
+          <a:fontRef idx="minor">
+            <a:schemeClr val="tx1"/>
+          </a:fontRef>
+        </p:style>
+      </p:cxnSp>
+      <p:cxnSp>
+        <p:nvCxnSpPr>
+          <p:cNvPr id="9" name="Straight Connector 8"/>
+          <p:cNvCxnSpPr/>
+          <p:nvPr/>
+        </p:nvCxnSpPr>
+        <p:spPr>
+          <a:xfrm rot="5400000" flipH="1" flipV="1">
+            <a:off x="1500948" y="400108"/>
+            <a:ext cx="1005839" cy="1003372"/>
+          </a:xfrm>
+          <a:prstGeom prst="line">
+            <a:avLst/>
+          </a:prstGeom>
+          <a:ln w="12700">
+            <a:solidFill>
+              <a:schemeClr val="tx1">
+                <a:lumMod val="95000"/>
+                <a:lumOff val="5000"/>
+              </a:schemeClr>
+            </a:solidFill>
+          </a:ln>
+        </p:spPr>
+        <p:style>
+          <a:lnRef idx="2">
+            <a:schemeClr val="accent1"/>
+          </a:lnRef>
+          <a:fillRef idx="0">
+            <a:schemeClr val="accent1"/>
+          </a:fillRef>
+          <a:effectRef idx="1">
+            <a:schemeClr val="accent1"/>
+          </a:effectRef>
+          <a:fontRef idx="minor">
+            <a:schemeClr val="tx1"/>
+          </a:fontRef>
+        </p:style>
+      </p:cxnSp>
+      <p:cxnSp>
+        <p:nvCxnSpPr>
+          <p:cNvPr id="10" name="Straight Connector 9"/>
+          <p:cNvCxnSpPr/>
+          <p:nvPr/>
+        </p:nvCxnSpPr>
+        <p:spPr>
+          <a:xfrm rot="5400000" flipH="1" flipV="1">
+            <a:off x="1775268" y="395544"/>
+            <a:ext cx="1005839" cy="1003372"/>
+          </a:xfrm>
+          <a:prstGeom prst="line">
+            <a:avLst/>
+          </a:prstGeom>
+          <a:ln w="12700">
+            <a:solidFill>
+              <a:schemeClr val="tx1">
+                <a:lumMod val="95000"/>
+                <a:lumOff val="5000"/>
+              </a:schemeClr>
+            </a:solidFill>
+          </a:ln>
+        </p:spPr>
+        <p:style>
+          <a:lnRef idx="2">
+            <a:schemeClr val="accent1"/>
+          </a:lnRef>
+          <a:fillRef idx="0">
+            <a:schemeClr val="accent1"/>
+          </a:fillRef>
+          <a:effectRef idx="1">
+            <a:schemeClr val="accent1"/>
+          </a:effectRef>
+          <a:fontRef idx="minor">
+            <a:schemeClr val="tx1"/>
+          </a:fontRef>
+        </p:style>
+      </p:cxnSp>
+      <p:cxnSp>
+        <p:nvCxnSpPr>
+          <p:cNvPr id="11" name="Straight Connector 10"/>
+          <p:cNvCxnSpPr/>
+          <p:nvPr/>
+        </p:nvCxnSpPr>
+        <p:spPr>
+          <a:xfrm rot="5400000" flipH="1" flipV="1">
+            <a:off x="2049588" y="395544"/>
+            <a:ext cx="1005839" cy="1003372"/>
+          </a:xfrm>
+          <a:prstGeom prst="line">
+            <a:avLst/>
+          </a:prstGeom>
+          <a:ln w="12700">
+            <a:solidFill>
+              <a:schemeClr val="tx1">
+                <a:lumMod val="95000"/>
+                <a:lumOff val="5000"/>
+              </a:schemeClr>
+            </a:solidFill>
+          </a:ln>
+        </p:spPr>
+        <p:style>
+          <a:lnRef idx="2">
+            <a:schemeClr val="accent1"/>
+          </a:lnRef>
+          <a:fillRef idx="0">
+            <a:schemeClr val="accent1"/>
+          </a:fillRef>
+          <a:effectRef idx="1">
+            <a:schemeClr val="accent1"/>
+          </a:effectRef>
+          <a:fontRef idx="minor">
+            <a:schemeClr val="tx1"/>
+          </a:fontRef>
+        </p:style>
+      </p:cxnSp>
+      <p:cxnSp>
+        <p:nvCxnSpPr>
+          <p:cNvPr id="12" name="Straight Connector 11"/>
+          <p:cNvCxnSpPr/>
+          <p:nvPr/>
+        </p:nvCxnSpPr>
+        <p:spPr>
+          <a:xfrm rot="5400000" flipH="1" flipV="1">
+            <a:off x="2323908" y="395544"/>
+            <a:ext cx="1005839" cy="1003372"/>
+          </a:xfrm>
+          <a:prstGeom prst="line">
+            <a:avLst/>
+          </a:prstGeom>
+          <a:ln w="12700">
+            <a:solidFill>
+              <a:schemeClr val="tx1">
+                <a:lumMod val="95000"/>
+                <a:lumOff val="5000"/>
+              </a:schemeClr>
+            </a:solidFill>
+          </a:ln>
+        </p:spPr>
+        <p:style>
+          <a:lnRef idx="2">
+            <a:schemeClr val="accent1"/>
+          </a:lnRef>
+          <a:fillRef idx="0">
+            <a:schemeClr val="accent1"/>
+          </a:fillRef>
+          <a:effectRef idx="1">
+            <a:schemeClr val="accent1"/>
+          </a:effectRef>
+          <a:fontRef idx="minor">
+            <a:schemeClr val="tx1"/>
+          </a:fontRef>
+        </p:style>
+      </p:cxnSp>
+      <p:cxnSp>
+        <p:nvCxnSpPr>
+          <p:cNvPr id="13" name="Straight Connector 12"/>
+          <p:cNvCxnSpPr/>
+          <p:nvPr/>
+        </p:nvCxnSpPr>
+        <p:spPr>
+          <a:xfrm flipV="1">
+            <a:off x="2599462" y="627191"/>
+            <a:ext cx="786919" cy="772959"/>
+          </a:xfrm>
+          <a:prstGeom prst="line">
+            <a:avLst/>
+          </a:prstGeom>
+          <a:ln w="12700">
+            <a:solidFill>
+              <a:schemeClr val="tx1">
+                <a:lumMod val="95000"/>
+                <a:lumOff val="5000"/>
+              </a:schemeClr>
+            </a:solidFill>
+          </a:ln>
+        </p:spPr>
+        <p:style>
+          <a:lnRef idx="2">
+            <a:schemeClr val="accent1"/>
+          </a:lnRef>
+          <a:fillRef idx="0">
+            <a:schemeClr val="accent1"/>
+          </a:fillRef>
+          <a:effectRef idx="1">
+            <a:schemeClr val="accent1"/>
+          </a:effectRef>
+          <a:fontRef idx="minor">
+            <a:schemeClr val="tx1"/>
+          </a:fontRef>
+        </p:style>
+      </p:cxnSp>
+      <p:cxnSp>
+        <p:nvCxnSpPr>
+          <p:cNvPr id="14" name="Straight Connector 13"/>
+          <p:cNvCxnSpPr/>
+          <p:nvPr/>
+        </p:nvCxnSpPr>
+        <p:spPr>
+          <a:xfrm rot="5400000" flipH="1" flipV="1">
+            <a:off x="953057" y="393197"/>
+            <a:ext cx="723357" cy="716787"/>
+          </a:xfrm>
+          <a:prstGeom prst="line">
+            <a:avLst/>
+          </a:prstGeom>
+          <a:ln w="12700">
+            <a:solidFill>
+              <a:schemeClr val="tx1">
+                <a:lumMod val="95000"/>
+                <a:lumOff val="5000"/>
+              </a:schemeClr>
+            </a:solidFill>
+          </a:ln>
+        </p:spPr>
+        <p:style>
+          <a:lnRef idx="2">
+            <a:schemeClr val="accent1"/>
+          </a:lnRef>
+          <a:fillRef idx="0">
+            <a:schemeClr val="accent1"/>
+          </a:fillRef>
+          <a:effectRef idx="1">
+            <a:schemeClr val="accent1"/>
+          </a:effectRef>
+          <a:fontRef idx="minor">
+            <a:schemeClr val="tx1"/>
+          </a:fontRef>
+        </p:style>
+      </p:cxnSp>
+      <p:cxnSp>
+        <p:nvCxnSpPr>
+          <p:cNvPr id="24" name="Straight Connector 23"/>
+          <p:cNvCxnSpPr/>
+          <p:nvPr/>
+        </p:nvCxnSpPr>
+        <p:spPr>
+          <a:xfrm flipV="1">
+            <a:off x="940662" y="398874"/>
+            <a:ext cx="462064" cy="397798"/>
+          </a:xfrm>
+          <a:prstGeom prst="line">
+            <a:avLst/>
+          </a:prstGeom>
+          <a:ln w="12700">
+            <a:solidFill>
+              <a:schemeClr val="tx1">
+                <a:lumMod val="95000"/>
+                <a:lumOff val="5000"/>
+              </a:schemeClr>
+            </a:solidFill>
+          </a:ln>
+        </p:spPr>
+        <p:style>
+          <a:lnRef idx="2">
+            <a:schemeClr val="accent1"/>
+          </a:lnRef>
+          <a:fillRef idx="0">
+            <a:schemeClr val="accent1"/>
+          </a:fillRef>
+          <a:effectRef idx="1">
+            <a:schemeClr val="accent1"/>
+          </a:effectRef>
+          <a:fontRef idx="minor">
+            <a:schemeClr val="tx1"/>
+          </a:fontRef>
+        </p:style>
+      </p:cxnSp>
+      <p:cxnSp>
+        <p:nvCxnSpPr>
+          <p:cNvPr id="28" name="Straight Connector 27"/>
+          <p:cNvCxnSpPr>
+            <a:cxnSpLocks noChangeAspect="1"/>
+          </p:cNvCxnSpPr>
+          <p:nvPr/>
+        </p:nvCxnSpPr>
+        <p:spPr>
+          <a:xfrm flipV="1">
+            <a:off x="2950938" y="936397"/>
+            <a:ext cx="453268" cy="445225"/>
+          </a:xfrm>
+          <a:prstGeom prst="line">
+            <a:avLst/>
+          </a:prstGeom>
+          <a:ln w="12700">
+            <a:solidFill>
+              <a:schemeClr val="tx1">
+                <a:lumMod val="95000"/>
+                <a:lumOff val="5000"/>
+              </a:schemeClr>
+            </a:solidFill>
+          </a:ln>
+        </p:spPr>
+        <p:style>
+          <a:lnRef idx="2">
+            <a:schemeClr val="accent1"/>
+          </a:lnRef>
+          <a:fillRef idx="0">
+            <a:schemeClr val="accent1"/>
+          </a:fillRef>
+          <a:effectRef idx="1">
+            <a:schemeClr val="accent1"/>
+          </a:effectRef>
+          <a:fontRef idx="minor">
+            <a:schemeClr val="tx1"/>
+          </a:fontRef>
+        </p:style>
+      </p:cxnSp>
+      <p:sp>
+        <p:nvSpPr>
+          <p:cNvPr id="32" name="Rectangle 31"/>
+          <p:cNvSpPr/>
+          <p:nvPr/>
+        </p:nvSpPr>
+        <p:spPr>
+          <a:xfrm flipH="1">
+            <a:off x="3394373" y="393192"/>
+            <a:ext cx="2432304" cy="1005840"/>
+          </a:xfrm>
+          <a:prstGeom prst="rect">
+            <a:avLst/>
+          </a:prstGeom>
+          <a:noFill/>
+          <a:ln w="19050">
+            <a:solidFill>
+              <a:schemeClr val="tx1">
+                <a:lumMod val="95000"/>
+                <a:lumOff val="5000"/>
+              </a:schemeClr>
+            </a:solidFill>
+          </a:ln>
+        </p:spPr>
+        <p:style>
+          <a:lnRef idx="1">
+            <a:schemeClr val="accent1"/>
+          </a:lnRef>
+          <a:fillRef idx="3">
+            <a:schemeClr val="accent1"/>
+          </a:fillRef>
+          <a:effectRef idx="2">
+            <a:schemeClr val="accent1"/>
+          </a:effectRef>
+          <a:fontRef idx="minor">
+            <a:schemeClr val="lt1"/>
+          </a:fontRef>
+        </p:style>
+        <p:txBody>
+          <a:bodyPr rtlCol="0" anchor="ctr"/>
+          <a:lstStyle/>
+          <a:p>
+            <a:pPr algn="ctr"/>
+            <a:endParaRPr lang="en-US" dirty="0"/>
+          </a:p>
+        </p:txBody>
+      </p:sp>
+      <p:cxnSp>
+        <p:nvCxnSpPr>
+          <p:cNvPr id="33" name="Straight Connector 32"/>
+          <p:cNvCxnSpPr/>
+          <p:nvPr/>
+        </p:nvCxnSpPr>
+        <p:spPr>
+          <a:xfrm rot="16200000" flipV="1">
+            <a:off x="4816826" y="392807"/>
+            <a:ext cx="1005839" cy="1001821"/>
+          </a:xfrm>
+          <a:prstGeom prst="line">
+            <a:avLst/>
+          </a:prstGeom>
+          <a:ln w="12700">
+            <a:solidFill>
+              <a:schemeClr val="tx1">
+                <a:lumMod val="95000"/>
+                <a:lumOff val="5000"/>
+              </a:schemeClr>
+            </a:solidFill>
+          </a:ln>
+        </p:spPr>
+        <p:style>
+          <a:lnRef idx="2">
+            <a:schemeClr val="accent1"/>
+          </a:lnRef>
+          <a:fillRef idx="0">
+            <a:schemeClr val="accent1"/>
+          </a:fillRef>
+          <a:effectRef idx="1">
+            <a:schemeClr val="accent1"/>
+          </a:effectRef>
+          <a:fontRef idx="minor">
+            <a:schemeClr val="tx1"/>
+          </a:fontRef>
+        </p:style>
+      </p:cxnSp>
+      <p:cxnSp>
+        <p:nvCxnSpPr>
+          <p:cNvPr id="34" name="Straight Connector 33"/>
+          <p:cNvCxnSpPr/>
+          <p:nvPr/>
+        </p:nvCxnSpPr>
+        <p:spPr>
+          <a:xfrm rot="16200000" flipV="1">
+            <a:off x="4545724" y="392807"/>
+            <a:ext cx="1005839" cy="1001821"/>
+          </a:xfrm>
+          <a:prstGeom prst="line">
+            <a:avLst/>
+          </a:prstGeom>
+          <a:ln w="12700">
+            <a:solidFill>
+              <a:schemeClr val="tx1">
+                <a:lumMod val="95000"/>
+                <a:lumOff val="5000"/>
+              </a:schemeClr>
+            </a:solidFill>
+          </a:ln>
+        </p:spPr>
+        <p:style>
+          <a:lnRef idx="2">
+            <a:schemeClr val="accent1"/>
+          </a:lnRef>
+          <a:fillRef idx="0">
+            <a:schemeClr val="accent1"/>
+          </a:fillRef>
+          <a:effectRef idx="1">
+            <a:schemeClr val="accent1"/>
+          </a:effectRef>
+          <a:fontRef idx="minor">
+            <a:schemeClr val="tx1"/>
+          </a:fontRef>
+        </p:style>
+      </p:cxnSp>
+      <p:cxnSp>
+        <p:nvCxnSpPr>
+          <p:cNvPr id="35" name="Straight Connector 34"/>
+          <p:cNvCxnSpPr/>
+          <p:nvPr/>
+        </p:nvCxnSpPr>
+        <p:spPr>
+          <a:xfrm rot="16200000" flipV="1">
+            <a:off x="4271828" y="397371"/>
+            <a:ext cx="1005839" cy="1001821"/>
+          </a:xfrm>
+          <a:prstGeom prst="line">
+            <a:avLst/>
+          </a:prstGeom>
+          <a:ln w="12700">
+            <a:solidFill>
+              <a:schemeClr val="tx1">
+                <a:lumMod val="95000"/>
+                <a:lumOff val="5000"/>
+              </a:schemeClr>
+            </a:solidFill>
+          </a:ln>
+        </p:spPr>
+        <p:style>
+          <a:lnRef idx="2">
+            <a:schemeClr val="accent1"/>
+          </a:lnRef>
+          <a:fillRef idx="0">
+            <a:schemeClr val="accent1"/>
+          </a:fillRef>
+          <a:effectRef idx="1">
+            <a:schemeClr val="accent1"/>
+          </a:effectRef>
+          <a:fontRef idx="minor">
+            <a:schemeClr val="tx1"/>
+          </a:fontRef>
+        </p:style>
+      </p:cxnSp>
+      <p:cxnSp>
+        <p:nvCxnSpPr>
+          <p:cNvPr id="36" name="Straight Connector 35"/>
+          <p:cNvCxnSpPr/>
+          <p:nvPr/>
+        </p:nvCxnSpPr>
+        <p:spPr>
+          <a:xfrm rot="16200000" flipV="1">
+            <a:off x="3997932" y="392807"/>
+            <a:ext cx="1005839" cy="1001821"/>
+          </a:xfrm>
+          <a:prstGeom prst="line">
+            <a:avLst/>
+          </a:prstGeom>
+          <a:ln w="12700">
+            <a:solidFill>
+              <a:schemeClr val="tx1">
+                <a:lumMod val="95000"/>
+                <a:lumOff val="5000"/>
+              </a:schemeClr>
+            </a:solidFill>
+          </a:ln>
+        </p:spPr>
+        <p:style>
+          <a:lnRef idx="2">
+            <a:schemeClr val="accent1"/>
+          </a:lnRef>
+          <a:fillRef idx="0">
+            <a:schemeClr val="accent1"/>
+          </a:fillRef>
+          <a:effectRef idx="1">
+            <a:schemeClr val="accent1"/>
+          </a:effectRef>
+          <a:fontRef idx="minor">
+            <a:schemeClr val="tx1"/>
+          </a:fontRef>
+        </p:style>
+      </p:cxnSp>
+      <p:cxnSp>
+        <p:nvCxnSpPr>
+          <p:cNvPr id="37" name="Straight Connector 36"/>
+          <p:cNvCxnSpPr/>
+          <p:nvPr/>
+        </p:nvCxnSpPr>
+        <p:spPr>
+          <a:xfrm rot="16200000" flipV="1">
+            <a:off x="3724036" y="392807"/>
+            <a:ext cx="1005839" cy="1001821"/>
+          </a:xfrm>
+          <a:prstGeom prst="line">
+            <a:avLst/>
+          </a:prstGeom>
+          <a:ln w="12700">
+            <a:solidFill>
+              <a:schemeClr val="tx1">
+                <a:lumMod val="95000"/>
+                <a:lumOff val="5000"/>
+              </a:schemeClr>
+            </a:solidFill>
+          </a:ln>
+        </p:spPr>
+        <p:style>
+          <a:lnRef idx="2">
+            <a:schemeClr val="accent1"/>
+          </a:lnRef>
+          <a:fillRef idx="0">
+            <a:schemeClr val="accent1"/>
+          </a:fillRef>
+          <a:effectRef idx="1">
+            <a:schemeClr val="accent1"/>
+          </a:effectRef>
+          <a:fontRef idx="minor">
+            <a:schemeClr val="tx1"/>
+          </a:fontRef>
+        </p:style>
+      </p:cxnSp>
+      <p:cxnSp>
+        <p:nvCxnSpPr>
+          <p:cNvPr id="38" name="Straight Connector 37"/>
+          <p:cNvCxnSpPr/>
+          <p:nvPr/>
+        </p:nvCxnSpPr>
+        <p:spPr>
+          <a:xfrm rot="16200000" flipV="1">
+            <a:off x="3450141" y="392807"/>
+            <a:ext cx="1005839" cy="1001821"/>
+          </a:xfrm>
+          <a:prstGeom prst="line">
+            <a:avLst/>
+          </a:prstGeom>
+          <a:ln w="12700">
+            <a:solidFill>
+              <a:schemeClr val="tx1">
+                <a:lumMod val="95000"/>
+                <a:lumOff val="5000"/>
+              </a:schemeClr>
+            </a:solidFill>
+          </a:ln>
+        </p:spPr>
+        <p:style>
+          <a:lnRef idx="2">
+            <a:schemeClr val="accent1"/>
+          </a:lnRef>
+          <a:fillRef idx="0">
+            <a:schemeClr val="accent1"/>
+          </a:fillRef>
+          <a:effectRef idx="1">
+            <a:schemeClr val="accent1"/>
+          </a:effectRef>
+          <a:fontRef idx="minor">
+            <a:schemeClr val="tx1"/>
+          </a:fontRef>
+        </p:style>
+      </p:cxnSp>
+      <p:cxnSp>
+        <p:nvCxnSpPr>
+          <p:cNvPr id="39" name="Straight Connector 38"/>
+          <p:cNvCxnSpPr/>
+          <p:nvPr/>
+        </p:nvCxnSpPr>
+        <p:spPr>
+          <a:xfrm flipH="1" flipV="1">
+            <a:off x="3394371" y="623679"/>
+            <a:ext cx="785703" cy="772959"/>
+          </a:xfrm>
+          <a:prstGeom prst="line">
+            <a:avLst/>
+          </a:prstGeom>
+          <a:ln w="12700">
+            <a:solidFill>
+              <a:schemeClr val="tx1">
+                <a:lumMod val="95000"/>
+                <a:lumOff val="5000"/>
+              </a:schemeClr>
+            </a:solidFill>
+          </a:ln>
+        </p:spPr>
+        <p:style>
+          <a:lnRef idx="2">
+            <a:schemeClr val="accent1"/>
+          </a:lnRef>
+          <a:fillRef idx="0">
+            <a:schemeClr val="accent1"/>
+          </a:fillRef>
+          <a:effectRef idx="1">
+            <a:schemeClr val="accent1"/>
+          </a:effectRef>
+          <a:fontRef idx="minor">
+            <a:schemeClr val="tx1"/>
+          </a:fontRef>
+        </p:style>
+      </p:cxnSp>
+      <p:cxnSp>
+        <p:nvCxnSpPr>
+          <p:cNvPr id="40" name="Straight Connector 39"/>
+          <p:cNvCxnSpPr/>
+          <p:nvPr/>
+        </p:nvCxnSpPr>
+        <p:spPr>
+          <a:xfrm rot="16200000" flipV="1">
+            <a:off x="5101136" y="390239"/>
+            <a:ext cx="723357" cy="715679"/>
+          </a:xfrm>
+          <a:prstGeom prst="line">
+            <a:avLst/>
+          </a:prstGeom>
+          <a:ln w="12700">
+            <a:solidFill>
+              <a:schemeClr val="tx1">
+                <a:lumMod val="95000"/>
+                <a:lumOff val="5000"/>
+              </a:schemeClr>
+            </a:solidFill>
+          </a:ln>
+        </p:spPr>
+        <p:style>
+          <a:lnRef idx="2">
+            <a:schemeClr val="accent1"/>
+          </a:lnRef>
+          <a:fillRef idx="0">
+            <a:schemeClr val="accent1"/>
+          </a:fillRef>
+          <a:effectRef idx="1">
+            <a:schemeClr val="accent1"/>
+          </a:effectRef>
+          <a:fontRef idx="minor">
+            <a:schemeClr val="tx1"/>
+          </a:fontRef>
+        </p:style>
+      </p:cxnSp>
+      <p:cxnSp>
+        <p:nvCxnSpPr>
+          <p:cNvPr id="41" name="Straight Connector 40"/>
+          <p:cNvCxnSpPr/>
+          <p:nvPr/>
+        </p:nvCxnSpPr>
+        <p:spPr>
+          <a:xfrm flipH="1" flipV="1">
+            <a:off x="5374960" y="395362"/>
+            <a:ext cx="461350" cy="397798"/>
+          </a:xfrm>
+          <a:prstGeom prst="line">
+            <a:avLst/>
+          </a:prstGeom>
+          <a:ln w="12700">
+            <a:solidFill>
+              <a:schemeClr val="tx1">
+                <a:lumMod val="95000"/>
+                <a:lumOff val="5000"/>
+              </a:schemeClr>
+            </a:solidFill>
+          </a:ln>
+        </p:spPr>
+        <p:style>
+          <a:lnRef idx="2">
+            <a:schemeClr val="accent1"/>
+          </a:lnRef>
+          <a:fillRef idx="0">
+            <a:schemeClr val="accent1"/>
+          </a:fillRef>
+          <a:effectRef idx="1">
+            <a:schemeClr val="accent1"/>
+          </a:effectRef>
+          <a:fontRef idx="minor">
+            <a:schemeClr val="tx1"/>
+          </a:fontRef>
+        </p:style>
+      </p:cxnSp>
+      <p:cxnSp>
+        <p:nvCxnSpPr>
+          <p:cNvPr id="42" name="Straight Connector 41"/>
+          <p:cNvCxnSpPr>
+            <a:cxnSpLocks noChangeAspect="1"/>
+          </p:cNvCxnSpPr>
+          <p:nvPr/>
+        </p:nvCxnSpPr>
+        <p:spPr>
+          <a:xfrm flipH="1" flipV="1">
+            <a:off x="3376574" y="932885"/>
+            <a:ext cx="452567" cy="445225"/>
+          </a:xfrm>
+          <a:prstGeom prst="line">
+            <a:avLst/>
+          </a:prstGeom>
+          <a:ln w="12700">
+            <a:solidFill>
+              <a:schemeClr val="tx1">
+                <a:lumMod val="95000"/>
+                <a:lumOff val="5000"/>
+              </a:schemeClr>
+            </a:solidFill>
+          </a:ln>
+        </p:spPr>
+        <p:style>
+          <a:lnRef idx="2">
+            <a:schemeClr val="accent1"/>
+          </a:lnRef>
+          <a:fillRef idx="0">
+            <a:schemeClr val="accent1"/>
+          </a:fillRef>
+          <a:effectRef idx="1">
+            <a:schemeClr val="accent1"/>
+          </a:effectRef>
+          <a:fontRef idx="minor">
+            <a:schemeClr val="tx1"/>
+          </a:fontRef>
+        </p:style>
+      </p:cxnSp>
+      <p:cxnSp>
+        <p:nvCxnSpPr>
+          <p:cNvPr id="46" name="Straight Connector 45"/>
+          <p:cNvCxnSpPr/>
+          <p:nvPr/>
+        </p:nvCxnSpPr>
+        <p:spPr>
+          <a:xfrm rot="5400000">
+            <a:off x="3227183" y="1747686"/>
+            <a:ext cx="304800" cy="1588"/>
+          </a:xfrm>
+          <a:prstGeom prst="line">
+            <a:avLst/>
+          </a:prstGeom>
+          <a:ln w="19050">
+            <a:solidFill>
+              <a:schemeClr val="tx1"/>
+            </a:solidFill>
+          </a:ln>
+        </p:spPr>
+        <p:style>
+          <a:lnRef idx="2">
+            <a:schemeClr val="accent1"/>
+          </a:lnRef>
+          <a:fillRef idx="0">
+            <a:schemeClr val="accent1"/>
+          </a:fillRef>
+          <a:effectRef idx="1">
+            <a:schemeClr val="accent1"/>
+          </a:effectRef>
+          <a:fontRef idx="minor">
+            <a:schemeClr val="tx1"/>
+          </a:fontRef>
+        </p:style>
+      </p:cxnSp>
+      <p:cxnSp>
+        <p:nvCxnSpPr>
+          <p:cNvPr id="47" name="Straight Connector 46"/>
+          <p:cNvCxnSpPr/>
+          <p:nvPr/>
+        </p:nvCxnSpPr>
+        <p:spPr>
+          <a:xfrm rot="5400000">
+            <a:off x="5678470" y="1732006"/>
+            <a:ext cx="304800" cy="1588"/>
+          </a:xfrm>
+          <a:prstGeom prst="line">
+            <a:avLst/>
+          </a:prstGeom>
+          <a:ln w="19050">
+            <a:solidFill>
+              <a:schemeClr val="tx1"/>
+            </a:solidFill>
+          </a:ln>
+        </p:spPr>
+        <p:style>
+          <a:lnRef idx="2">
+            <a:schemeClr val="accent1"/>
+          </a:lnRef>
+          <a:fillRef idx="0">
+            <a:schemeClr val="accent1"/>
+          </a:fillRef>
+          <a:effectRef idx="1">
+            <a:schemeClr val="accent1"/>
+          </a:effectRef>
+          <a:fontRef idx="minor">
+            <a:schemeClr val="tx1"/>
+          </a:fontRef>
+        </p:style>
+      </p:cxnSp>
+      <p:cxnSp>
+        <p:nvCxnSpPr>
+          <p:cNvPr id="48" name="Straight Connector 47"/>
+          <p:cNvCxnSpPr/>
+          <p:nvPr/>
+        </p:nvCxnSpPr>
+        <p:spPr>
+          <a:xfrm flipV="1">
+            <a:off x="946358" y="1888180"/>
+            <a:ext cx="4892040" cy="12700"/>
+          </a:xfrm>
+          <a:prstGeom prst="line">
+            <a:avLst/>
+          </a:prstGeom>
+          <a:ln w="19050">
+            <a:solidFill>
+              <a:schemeClr val="tx1"/>
+            </a:solidFill>
+          </a:ln>
+        </p:spPr>
+        <p:style>
+          <a:lnRef idx="2">
+            <a:schemeClr val="accent1"/>
+          </a:lnRef>
+          <a:fillRef idx="0">
+            <a:schemeClr val="accent1"/>
+          </a:fillRef>
+          <a:effectRef idx="1">
+            <a:schemeClr val="accent1"/>
+          </a:effectRef>
+          <a:fontRef idx="minor">
+            <a:schemeClr val="tx1"/>
+          </a:fontRef>
+        </p:style>
+      </p:cxnSp>
+      <p:sp>
+        <p:nvSpPr>
+          <p:cNvPr id="49" name="TextBox 48"/>
+          <p:cNvSpPr txBox="1"/>
+          <p:nvPr/>
+        </p:nvSpPr>
+        <p:spPr>
+          <a:xfrm>
+            <a:off x="1517859" y="1515868"/>
+            <a:ext cx="1315497" cy="369332"/>
+          </a:xfrm>
+          <a:prstGeom prst="rect">
+            <a:avLst/>
+          </a:prstGeom>
+          <a:noFill/>
+          <a:ln>
+            <a:noFill/>
+          </a:ln>
+        </p:spPr>
+        <p:txBody>
+          <a:bodyPr wrap="none" rtlCol="0">
+            <a:spAutoFit/>
+          </a:bodyPr>
+          <a:lstStyle/>
+          <a:p>
+            <a:r>
+              <a:rPr lang="en-US" dirty="0" smtClean="0"/>
+              <a:t>Cache line 1</a:t>
+            </a:r>
+            <a:endParaRPr lang="en-US" dirty="0"/>
+          </a:p>
+        </p:txBody>
+      </p:sp>
+      <p:sp>
+        <p:nvSpPr>
+          <p:cNvPr id="50" name="TextBox 49"/>
+          <p:cNvSpPr txBox="1"/>
+          <p:nvPr/>
+        </p:nvSpPr>
+        <p:spPr>
+          <a:xfrm>
+            <a:off x="3953002" y="1515868"/>
+            <a:ext cx="1315497" cy="369332"/>
+          </a:xfrm>
+          <a:prstGeom prst="rect">
+            <a:avLst/>
+          </a:prstGeom>
+          <a:noFill/>
+          <a:ln>
+            <a:noFill/>
+          </a:ln>
+        </p:spPr>
+        <p:txBody>
+          <a:bodyPr wrap="none" rtlCol="0">
+            <a:spAutoFit/>
+          </a:bodyPr>
+          <a:lstStyle/>
+          <a:p>
+            <a:r>
+              <a:rPr lang="en-US" dirty="0" smtClean="0"/>
+              <a:t>Cache line 2</a:t>
+            </a:r>
+            <a:endParaRPr lang="en-US" dirty="0"/>
+          </a:p>
+        </p:txBody>
+      </p:sp>
+      <p:cxnSp>
+        <p:nvCxnSpPr>
+          <p:cNvPr id="55" name="Straight Connector 54"/>
+          <p:cNvCxnSpPr/>
+          <p:nvPr/>
+        </p:nvCxnSpPr>
+        <p:spPr>
+          <a:xfrm rot="5400000">
+            <a:off x="803146" y="1747686"/>
+            <a:ext cx="304800" cy="1588"/>
+          </a:xfrm>
+          <a:prstGeom prst="line">
+            <a:avLst/>
+          </a:prstGeom>
+          <a:ln w="19050">
+            <a:solidFill>
+              <a:schemeClr val="tx1"/>
+            </a:solidFill>
+          </a:ln>
+        </p:spPr>
+        <p:style>
+          <a:lnRef idx="2">
+            <a:schemeClr val="accent1"/>
+          </a:lnRef>
+          <a:fillRef idx="0">
+            <a:schemeClr val="accent1"/>
+          </a:fillRef>
+          <a:effectRef idx="1">
+            <a:schemeClr val="accent1"/>
+          </a:effectRef>
+          <a:fontRef idx="minor">
+            <a:schemeClr val="tx1"/>
+          </a:fontRef>
+        </p:style>
+      </p:cxnSp>
       <p:grpSp>
         <p:nvGrpSpPr>
-          <p:cNvPr id="61" name="Group 60"/>
-          <p:cNvGrpSpPr/>
-          <p:nvPr/>
-        </p:nvGrpSpPr>
-        <p:grpSpPr>
-          <a:xfrm>
-            <a:off x="940662" y="386400"/>
-            <a:ext cx="4906880" cy="1514480"/>
-            <a:chOff x="940662" y="1280160"/>
-            <a:chExt cx="4906880" cy="1514480"/>
-          </a:xfrm>
-        </p:grpSpPr>
-        <p:sp>
-          <p:nvSpPr>
-            <p:cNvPr id="4" name="Rectangle 3"/>
-            <p:cNvSpPr/>
-            <p:nvPr/>
-          </p:nvSpPr>
-          <p:spPr>
-            <a:xfrm>
-              <a:off x="956340" y="1285753"/>
-              <a:ext cx="2430039" cy="1005840"/>
-            </a:xfrm>
-            <a:prstGeom prst="rect">
-              <a:avLst/>
-            </a:prstGeom>
-            <a:noFill/>
-            <a:ln w="19050">
-              <a:solidFill>
-                <a:schemeClr val="tx1">
-                  <a:lumMod val="95000"/>
-                  <a:lumOff val="5000"/>
-                </a:schemeClr>
-              </a:solidFill>
-            </a:ln>
-          </p:spPr>
-          <p:style>
-            <a:lnRef idx="1">
-              <a:schemeClr val="accent1"/>
-            </a:lnRef>
-            <a:fillRef idx="3">
-              <a:schemeClr val="accent1"/>
-            </a:fillRef>
-            <a:effectRef idx="2">
-              <a:schemeClr val="accent1"/>
-            </a:effectRef>
-            <a:fontRef idx="minor">
-              <a:schemeClr val="lt1"/>
-            </a:fontRef>
-          </p:style>
-          <p:txBody>
-            <a:bodyPr rtlCol="0" anchor="ctr"/>
-            <a:lstStyle/>
-            <a:p>
-              <a:pPr algn="ctr"/>
-              <a:endParaRPr lang="en-US" dirty="0"/>
-            </a:p>
-          </p:txBody>
-        </p:sp>
-        <p:cxnSp>
-          <p:nvCxnSpPr>
-            <p:cNvPr id="6" name="Straight Connector 5"/>
-            <p:cNvCxnSpPr/>
-            <p:nvPr/>
-          </p:nvCxnSpPr>
-          <p:spPr>
-            <a:xfrm rot="5400000" flipH="1" flipV="1">
-              <a:off x="955107" y="1289304"/>
-              <a:ext cx="1005839" cy="1003372"/>
-            </a:xfrm>
-            <a:prstGeom prst="line">
-              <a:avLst/>
-            </a:prstGeom>
-            <a:ln w="12700">
-              <a:solidFill>
-                <a:schemeClr val="tx1">
-                  <a:lumMod val="95000"/>
-                  <a:lumOff val="5000"/>
-                </a:schemeClr>
-              </a:solidFill>
-            </a:ln>
-          </p:spPr>
-          <p:style>
-            <a:lnRef idx="2">
-              <a:schemeClr val="accent1"/>
-            </a:lnRef>
-            <a:fillRef idx="0">
-              <a:schemeClr val="accent1"/>
-            </a:fillRef>
-            <a:effectRef idx="1">
-              <a:schemeClr val="accent1"/>
-            </a:effectRef>
-            <a:fontRef idx="minor">
-              <a:schemeClr val="tx1"/>
-            </a:fontRef>
-          </p:style>
-        </p:cxnSp>
-        <p:cxnSp>
-          <p:nvCxnSpPr>
-            <p:cNvPr id="8" name="Straight Connector 7"/>
-            <p:cNvCxnSpPr/>
-            <p:nvPr/>
-          </p:nvCxnSpPr>
-          <p:spPr>
-            <a:xfrm rot="5400000" flipH="1" flipV="1">
-              <a:off x="1226628" y="1289304"/>
-              <a:ext cx="1005839" cy="1003372"/>
-            </a:xfrm>
-            <a:prstGeom prst="line">
-              <a:avLst/>
-            </a:prstGeom>
-            <a:ln w="12700">
-              <a:solidFill>
-                <a:schemeClr val="tx1">
-                  <a:lumMod val="95000"/>
-                  <a:lumOff val="5000"/>
-                </a:schemeClr>
-              </a:solidFill>
-            </a:ln>
-          </p:spPr>
-          <p:style>
-            <a:lnRef idx="2">
-              <a:schemeClr val="accent1"/>
-            </a:lnRef>
-            <a:fillRef idx="0">
-              <a:schemeClr val="accent1"/>
-            </a:fillRef>
-            <a:effectRef idx="1">
-              <a:schemeClr val="accent1"/>
-            </a:effectRef>
-            <a:fontRef idx="minor">
-              <a:schemeClr val="tx1"/>
-            </a:fontRef>
-          </p:style>
-        </p:cxnSp>
-        <p:cxnSp>
-          <p:nvCxnSpPr>
-            <p:cNvPr id="9" name="Straight Connector 8"/>
-            <p:cNvCxnSpPr/>
-            <p:nvPr/>
-          </p:nvCxnSpPr>
-          <p:spPr>
-            <a:xfrm rot="5400000" flipH="1" flipV="1">
-              <a:off x="1500948" y="1293868"/>
-              <a:ext cx="1005839" cy="1003372"/>
-            </a:xfrm>
-            <a:prstGeom prst="line">
-              <a:avLst/>
-            </a:prstGeom>
-            <a:ln w="12700">
-              <a:solidFill>
-                <a:schemeClr val="tx1">
-                  <a:lumMod val="95000"/>
-                  <a:lumOff val="5000"/>
-                </a:schemeClr>
-              </a:solidFill>
-            </a:ln>
-          </p:spPr>
-          <p:style>
-            <a:lnRef idx="2">
-              <a:schemeClr val="accent1"/>
-            </a:lnRef>
-            <a:fillRef idx="0">
-              <a:schemeClr val="accent1"/>
-            </a:fillRef>
-            <a:effectRef idx="1">
-              <a:schemeClr val="accent1"/>
-            </a:effectRef>
-            <a:fontRef idx="minor">
-              <a:schemeClr val="tx1"/>
-            </a:fontRef>
-          </p:style>
-        </p:cxnSp>
-        <p:cxnSp>
-          <p:nvCxnSpPr>
-            <p:cNvPr id="10" name="Straight Connector 9"/>
-            <p:cNvCxnSpPr/>
-            <p:nvPr/>
-          </p:nvCxnSpPr>
-          <p:spPr>
-            <a:xfrm rot="5400000" flipH="1" flipV="1">
-              <a:off x="1775268" y="1289304"/>
-              <a:ext cx="1005839" cy="1003372"/>
-            </a:xfrm>
-            <a:prstGeom prst="line">
-              <a:avLst/>
-            </a:prstGeom>
-            <a:ln w="12700">
-              <a:solidFill>
-                <a:schemeClr val="tx1">
-                  <a:lumMod val="95000"/>
-                  <a:lumOff val="5000"/>
-                </a:schemeClr>
-              </a:solidFill>
-            </a:ln>
-          </p:spPr>
-          <p:style>
-            <a:lnRef idx="2">
-              <a:schemeClr val="accent1"/>
-            </a:lnRef>
-            <a:fillRef idx="0">
-              <a:schemeClr val="accent1"/>
-            </a:fillRef>
-            <a:effectRef idx="1">
-              <a:schemeClr val="accent1"/>
-            </a:effectRef>
-            <a:fontRef idx="minor">
-              <a:schemeClr val="tx1"/>
-            </a:fontRef>
-          </p:style>
-        </p:cxnSp>
-        <p:cxnSp>
-          <p:nvCxnSpPr>
-            <p:cNvPr id="11" name="Straight Connector 10"/>
-            <p:cNvCxnSpPr/>
-            <p:nvPr/>
-          </p:nvCxnSpPr>
-          <p:spPr>
-            <a:xfrm rot="5400000" flipH="1" flipV="1">
-              <a:off x="2049588" y="1289304"/>
-              <a:ext cx="1005839" cy="1003372"/>
-            </a:xfrm>
-            <a:prstGeom prst="line">
-              <a:avLst/>
-            </a:prstGeom>
-            <a:ln w="12700">
-              <a:solidFill>
-                <a:schemeClr val="tx1">
-                  <a:lumMod val="95000"/>
-                  <a:lumOff val="5000"/>
-                </a:schemeClr>
-              </a:solidFill>
-            </a:ln>
-          </p:spPr>
-          <p:style>
-            <a:lnRef idx="2">
-              <a:schemeClr val="accent1"/>
-            </a:lnRef>
-            <a:fillRef idx="0">
-              <a:schemeClr val="accent1"/>
-            </a:fillRef>
-            <a:effectRef idx="1">
-              <a:schemeClr val="accent1"/>
-            </a:effectRef>
-            <a:fontRef idx="minor">
-              <a:schemeClr val="tx1"/>
-            </a:fontRef>
-          </p:style>
-        </p:cxnSp>
-        <p:cxnSp>
-          <p:nvCxnSpPr>
-            <p:cNvPr id="12" name="Straight Connector 11"/>
-            <p:cNvCxnSpPr/>
-            <p:nvPr/>
-          </p:nvCxnSpPr>
-          <p:spPr>
-            <a:xfrm rot="5400000" flipH="1" flipV="1">
-              <a:off x="2323908" y="1289304"/>
-              <a:ext cx="1005839" cy="1003372"/>
-            </a:xfrm>
-            <a:prstGeom prst="line">
-              <a:avLst/>
-            </a:prstGeom>
-            <a:ln w="12700">
-              <a:solidFill>
-                <a:schemeClr val="tx1">
-                  <a:lumMod val="95000"/>
-                  <a:lumOff val="5000"/>
-                </a:schemeClr>
-              </a:solidFill>
-            </a:ln>
-          </p:spPr>
-          <p:style>
-            <a:lnRef idx="2">
-              <a:schemeClr val="accent1"/>
-            </a:lnRef>
-            <a:fillRef idx="0">
-              <a:schemeClr val="accent1"/>
-            </a:fillRef>
-            <a:effectRef idx="1">
-              <a:schemeClr val="accent1"/>
-            </a:effectRef>
-            <a:fontRef idx="minor">
-              <a:schemeClr val="tx1"/>
-            </a:fontRef>
-          </p:style>
-        </p:cxnSp>
-        <p:cxnSp>
-          <p:nvCxnSpPr>
-            <p:cNvPr id="13" name="Straight Connector 12"/>
-            <p:cNvCxnSpPr/>
-            <p:nvPr/>
-          </p:nvCxnSpPr>
-          <p:spPr>
-            <a:xfrm flipV="1">
-              <a:off x="2599462" y="1520951"/>
-              <a:ext cx="786919" cy="772959"/>
-            </a:xfrm>
-            <a:prstGeom prst="line">
-              <a:avLst/>
-            </a:prstGeom>
-            <a:ln w="12700">
-              <a:solidFill>
-                <a:schemeClr val="tx1">
-                  <a:lumMod val="95000"/>
-                  <a:lumOff val="5000"/>
-                </a:schemeClr>
-              </a:solidFill>
-            </a:ln>
-          </p:spPr>
-          <p:style>
-            <a:lnRef idx="2">
-              <a:schemeClr val="accent1"/>
-            </a:lnRef>
-            <a:fillRef idx="0">
-              <a:schemeClr val="accent1"/>
-            </a:fillRef>
-            <a:effectRef idx="1">
-              <a:schemeClr val="accent1"/>
-            </a:effectRef>
-            <a:fontRef idx="minor">
-              <a:schemeClr val="tx1"/>
-            </a:fontRef>
-          </p:style>
-        </p:cxnSp>
-        <p:cxnSp>
-          <p:nvCxnSpPr>
-            <p:cNvPr id="14" name="Straight Connector 13"/>
-            <p:cNvCxnSpPr/>
-            <p:nvPr/>
-          </p:nvCxnSpPr>
-          <p:spPr>
-            <a:xfrm rot="5400000" flipH="1" flipV="1">
-              <a:off x="953057" y="1286957"/>
-              <a:ext cx="723357" cy="716787"/>
-            </a:xfrm>
-            <a:prstGeom prst="line">
-              <a:avLst/>
-            </a:prstGeom>
-            <a:ln w="12700">
-              <a:solidFill>
-                <a:schemeClr val="tx1">
-                  <a:lumMod val="95000"/>
-                  <a:lumOff val="5000"/>
-                </a:schemeClr>
-              </a:solidFill>
-            </a:ln>
-          </p:spPr>
-          <p:style>
-            <a:lnRef idx="2">
-              <a:schemeClr val="accent1"/>
-            </a:lnRef>
-            <a:fillRef idx="0">
-              <a:schemeClr val="accent1"/>
-            </a:fillRef>
-            <a:effectRef idx="1">
-              <a:schemeClr val="accent1"/>
-            </a:effectRef>
-            <a:fontRef idx="minor">
-              <a:schemeClr val="tx1"/>
-            </a:fontRef>
-          </p:style>
-        </p:cxnSp>
-        <p:cxnSp>
-          <p:nvCxnSpPr>
-            <p:cNvPr id="24" name="Straight Connector 23"/>
-            <p:cNvCxnSpPr/>
-            <p:nvPr/>
-          </p:nvCxnSpPr>
-          <p:spPr>
-            <a:xfrm flipV="1">
-              <a:off x="940662" y="1292634"/>
-              <a:ext cx="462064" cy="397798"/>
-            </a:xfrm>
-            <a:prstGeom prst="line">
-              <a:avLst/>
-            </a:prstGeom>
-            <a:ln w="12700">
-              <a:solidFill>
-                <a:schemeClr val="tx1">
-                  <a:lumMod val="95000"/>
-                  <a:lumOff val="5000"/>
-                </a:schemeClr>
-              </a:solidFill>
-            </a:ln>
-          </p:spPr>
-          <p:style>
-            <a:lnRef idx="2">
-              <a:schemeClr val="accent1"/>
-            </a:lnRef>
-            <a:fillRef idx="0">
-              <a:schemeClr val="accent1"/>
-            </a:fillRef>
-            <a:effectRef idx="1">
-              <a:schemeClr val="accent1"/>
-            </a:effectRef>
-            <a:fontRef idx="minor">
-              <a:schemeClr val="tx1"/>
-            </a:fontRef>
-          </p:style>
-        </p:cxnSp>
-        <p:cxnSp>
-          <p:nvCxnSpPr>
-            <p:cNvPr id="28" name="Straight Connector 27"/>
-            <p:cNvCxnSpPr>
-              <a:cxnSpLocks noChangeAspect="1"/>
-            </p:cNvCxnSpPr>
-            <p:nvPr/>
-          </p:nvCxnSpPr>
-          <p:spPr>
-            <a:xfrm flipV="1">
-              <a:off x="2950938" y="1830157"/>
-              <a:ext cx="453268" cy="445225"/>
-            </a:xfrm>
-            <a:prstGeom prst="line">
-              <a:avLst/>
-            </a:prstGeom>
-            <a:ln w="12700">
-              <a:solidFill>
-                <a:schemeClr val="tx1">
-                  <a:lumMod val="95000"/>
-                  <a:lumOff val="5000"/>
-                </a:schemeClr>
-              </a:solidFill>
-            </a:ln>
-          </p:spPr>
-          <p:style>
-            <a:lnRef idx="2">
-              <a:schemeClr val="accent1"/>
-            </a:lnRef>
-            <a:fillRef idx="0">
-              <a:schemeClr val="accent1"/>
-            </a:fillRef>
-            <a:effectRef idx="1">
-              <a:schemeClr val="accent1"/>
-            </a:effectRef>
-            <a:fontRef idx="minor">
-              <a:schemeClr val="tx1"/>
-            </a:fontRef>
-          </p:style>
-        </p:cxnSp>
-        <p:sp>
-          <p:nvSpPr>
-            <p:cNvPr id="32" name="Rectangle 31"/>
-            <p:cNvSpPr/>
-            <p:nvPr/>
-          </p:nvSpPr>
-          <p:spPr>
-            <a:xfrm flipH="1">
-              <a:off x="3394373" y="1282241"/>
-              <a:ext cx="2432304" cy="1005840"/>
-            </a:xfrm>
-            <a:prstGeom prst="rect">
-              <a:avLst/>
-            </a:prstGeom>
-            <a:noFill/>
-            <a:ln w="19050">
-              <a:solidFill>
-                <a:schemeClr val="tx1">
-                  <a:lumMod val="95000"/>
-                  <a:lumOff val="5000"/>
-                </a:schemeClr>
-              </a:solidFill>
-            </a:ln>
-          </p:spPr>
-          <p:style>
-            <a:lnRef idx="1">
-              <a:schemeClr val="accent1"/>
-            </a:lnRef>
-            <a:fillRef idx="3">
-              <a:schemeClr val="accent1"/>
-            </a:fillRef>
-            <a:effectRef idx="2">
-              <a:schemeClr val="accent1"/>
-            </a:effectRef>
-            <a:fontRef idx="minor">
-              <a:schemeClr val="lt1"/>
-            </a:fontRef>
-          </p:style>
-          <p:txBody>
-            <a:bodyPr rtlCol="0" anchor="ctr"/>
-            <a:lstStyle/>
-            <a:p>
-              <a:pPr algn="ctr"/>
-              <a:endParaRPr lang="en-US" dirty="0"/>
-            </a:p>
-          </p:txBody>
-        </p:sp>
-        <p:cxnSp>
-          <p:nvCxnSpPr>
-            <p:cNvPr id="33" name="Straight Connector 32"/>
-            <p:cNvCxnSpPr/>
-            <p:nvPr/>
-          </p:nvCxnSpPr>
-          <p:spPr>
-            <a:xfrm rot="16200000" flipV="1">
-              <a:off x="4816826" y="1286567"/>
-              <a:ext cx="1005839" cy="1001821"/>
-            </a:xfrm>
-            <a:prstGeom prst="line">
-              <a:avLst/>
-            </a:prstGeom>
-            <a:ln w="12700">
-              <a:solidFill>
-                <a:schemeClr val="tx1">
-                  <a:lumMod val="95000"/>
-                  <a:lumOff val="5000"/>
-                </a:schemeClr>
-              </a:solidFill>
-            </a:ln>
-          </p:spPr>
-          <p:style>
-            <a:lnRef idx="2">
-              <a:schemeClr val="accent1"/>
-            </a:lnRef>
-            <a:fillRef idx="0">
-              <a:schemeClr val="accent1"/>
-            </a:fillRef>
-            <a:effectRef idx="1">
-              <a:schemeClr val="accent1"/>
-            </a:effectRef>
-            <a:fontRef idx="minor">
-              <a:schemeClr val="tx1"/>
-            </a:fontRef>
-          </p:style>
-        </p:cxnSp>
-        <p:cxnSp>
-          <p:nvCxnSpPr>
-            <p:cNvPr id="34" name="Straight Connector 33"/>
-            <p:cNvCxnSpPr/>
-            <p:nvPr/>
-          </p:nvCxnSpPr>
-          <p:spPr>
-            <a:xfrm rot="16200000" flipV="1">
-              <a:off x="4545724" y="1286567"/>
-              <a:ext cx="1005839" cy="1001821"/>
-            </a:xfrm>
-            <a:prstGeom prst="line">
-              <a:avLst/>
-            </a:prstGeom>
-            <a:ln w="12700">
-              <a:solidFill>
-                <a:schemeClr val="tx1">
-                  <a:lumMod val="95000"/>
-                  <a:lumOff val="5000"/>
-                </a:schemeClr>
-              </a:solidFill>
-            </a:ln>
-          </p:spPr>
-          <p:style>
-            <a:lnRef idx="2">
-              <a:schemeClr val="accent1"/>
-            </a:lnRef>
-            <a:fillRef idx="0">
-              <a:schemeClr val="accent1"/>
-            </a:fillRef>
-            <a:effectRef idx="1">
-              <a:schemeClr val="accent1"/>
-            </a:effectRef>
-            <a:fontRef idx="minor">
-              <a:schemeClr val="tx1"/>
-            </a:fontRef>
-          </p:style>
-        </p:cxnSp>
-        <p:cxnSp>
-          <p:nvCxnSpPr>
-            <p:cNvPr id="35" name="Straight Connector 34"/>
-            <p:cNvCxnSpPr/>
-            <p:nvPr/>
-          </p:nvCxnSpPr>
-          <p:spPr>
-            <a:xfrm rot="16200000" flipV="1">
-              <a:off x="4271828" y="1291131"/>
-              <a:ext cx="1005839" cy="1001821"/>
-            </a:xfrm>
-            <a:prstGeom prst="line">
-              <a:avLst/>
-            </a:prstGeom>
-            <a:ln w="12700">
-              <a:solidFill>
-                <a:schemeClr val="tx1">
-                  <a:lumMod val="95000"/>
-                  <a:lumOff val="5000"/>
-                </a:schemeClr>
-              </a:solidFill>
-            </a:ln>
-          </p:spPr>
-          <p:style>
-            <a:lnRef idx="2">
-              <a:schemeClr val="accent1"/>
-            </a:lnRef>
-            <a:fillRef idx="0">
-              <a:schemeClr val="accent1"/>
-            </a:fillRef>
-            <a:effectRef idx="1">
-              <a:schemeClr val="accent1"/>
-            </a:effectRef>
-            <a:fontRef idx="minor">
-              <a:schemeClr val="tx1"/>
-            </a:fontRef>
-          </p:style>
-        </p:cxnSp>
-        <p:cxnSp>
-          <p:nvCxnSpPr>
-            <p:cNvPr id="36" name="Straight Connector 35"/>
-            <p:cNvCxnSpPr/>
-            <p:nvPr/>
-          </p:nvCxnSpPr>
-          <p:spPr>
-            <a:xfrm rot="16200000" flipV="1">
-              <a:off x="3997932" y="1286567"/>
-              <a:ext cx="1005839" cy="1001821"/>
-            </a:xfrm>
-            <a:prstGeom prst="line">
-              <a:avLst/>
-            </a:prstGeom>
-            <a:ln w="12700">
-              <a:solidFill>
-                <a:schemeClr val="tx1">
-                  <a:lumMod val="95000"/>
-                  <a:lumOff val="5000"/>
-                </a:schemeClr>
-              </a:solidFill>
-            </a:ln>
-          </p:spPr>
-          <p:style>
-            <a:lnRef idx="2">
-              <a:schemeClr val="accent1"/>
-            </a:lnRef>
-            <a:fillRef idx="0">
-              <a:schemeClr val="accent1"/>
-            </a:fillRef>
-            <a:effectRef idx="1">
-              <a:schemeClr val="accent1"/>
-            </a:effectRef>
-            <a:fontRef idx="minor">
-              <a:schemeClr val="tx1"/>
-            </a:fontRef>
-          </p:style>
-        </p:cxnSp>
-        <p:cxnSp>
-          <p:nvCxnSpPr>
-            <p:cNvPr id="37" name="Straight Connector 36"/>
-            <p:cNvCxnSpPr/>
-            <p:nvPr/>
-          </p:nvCxnSpPr>
-          <p:spPr>
-            <a:xfrm rot="16200000" flipV="1">
-              <a:off x="3724036" y="1286567"/>
-              <a:ext cx="1005839" cy="1001821"/>
-            </a:xfrm>
-            <a:prstGeom prst="line">
-              <a:avLst/>
-            </a:prstGeom>
-            <a:ln w="12700">
-              <a:solidFill>
-                <a:schemeClr val="tx1">
-                  <a:lumMod val="95000"/>
-                  <a:lumOff val="5000"/>
-                </a:schemeClr>
-              </a:solidFill>
-            </a:ln>
-          </p:spPr>
-          <p:style>
-            <a:lnRef idx="2">
-              <a:schemeClr val="accent1"/>
-            </a:lnRef>
-            <a:fillRef idx="0">
-              <a:schemeClr val="accent1"/>
-            </a:fillRef>
-            <a:effectRef idx="1">
-              <a:schemeClr val="accent1"/>
-            </a:effectRef>
-            <a:fontRef idx="minor">
-              <a:schemeClr val="tx1"/>
-            </a:fontRef>
-          </p:style>
-        </p:cxnSp>
-        <p:cxnSp>
-          <p:nvCxnSpPr>
-            <p:cNvPr id="38" name="Straight Connector 37"/>
-            <p:cNvCxnSpPr/>
-            <p:nvPr/>
-          </p:nvCxnSpPr>
-          <p:spPr>
-            <a:xfrm rot="16200000" flipV="1">
-              <a:off x="3450141" y="1286567"/>
-              <a:ext cx="1005839" cy="1001821"/>
-            </a:xfrm>
-            <a:prstGeom prst="line">
-              <a:avLst/>
-            </a:prstGeom>
-            <a:ln w="12700">
-              <a:solidFill>
-                <a:schemeClr val="tx1">
-                  <a:lumMod val="95000"/>
-                  <a:lumOff val="5000"/>
-                </a:schemeClr>
-              </a:solidFill>
-            </a:ln>
-          </p:spPr>
-          <p:style>
-            <a:lnRef idx="2">
-              <a:schemeClr val="accent1"/>
-            </a:lnRef>
-            <a:fillRef idx="0">
-              <a:schemeClr val="accent1"/>
-            </a:fillRef>
-            <a:effectRef idx="1">
-              <a:schemeClr val="accent1"/>
-            </a:effectRef>
-            <a:fontRef idx="minor">
-              <a:schemeClr val="tx1"/>
-            </a:fontRef>
-          </p:style>
-        </p:cxnSp>
-        <p:cxnSp>
-          <p:nvCxnSpPr>
-            <p:cNvPr id="39" name="Straight Connector 38"/>
-            <p:cNvCxnSpPr/>
-            <p:nvPr/>
-          </p:nvCxnSpPr>
-          <p:spPr>
-            <a:xfrm flipH="1" flipV="1">
-              <a:off x="3394371" y="1517439"/>
-              <a:ext cx="785703" cy="772959"/>
-            </a:xfrm>
-            <a:prstGeom prst="line">
-              <a:avLst/>
-            </a:prstGeom>
-            <a:ln w="12700">
-              <a:solidFill>
-                <a:schemeClr val="tx1">
-                  <a:lumMod val="95000"/>
-                  <a:lumOff val="5000"/>
-                </a:schemeClr>
-              </a:solidFill>
-            </a:ln>
-          </p:spPr>
-          <p:style>
-            <a:lnRef idx="2">
-              <a:schemeClr val="accent1"/>
-            </a:lnRef>
-            <a:fillRef idx="0">
-              <a:schemeClr val="accent1"/>
-            </a:fillRef>
-            <a:effectRef idx="1">
-              <a:schemeClr val="accent1"/>
-            </a:effectRef>
-            <a:fontRef idx="minor">
-              <a:schemeClr val="tx1"/>
-            </a:fontRef>
-          </p:style>
-        </p:cxnSp>
-        <p:cxnSp>
-          <p:nvCxnSpPr>
-            <p:cNvPr id="40" name="Straight Connector 39"/>
-            <p:cNvCxnSpPr/>
-            <p:nvPr/>
-          </p:nvCxnSpPr>
-          <p:spPr>
-            <a:xfrm rot="16200000" flipV="1">
-              <a:off x="5101136" y="1283999"/>
-              <a:ext cx="723357" cy="715679"/>
-            </a:xfrm>
-            <a:prstGeom prst="line">
-              <a:avLst/>
-            </a:prstGeom>
-            <a:ln w="12700">
-              <a:solidFill>
-                <a:schemeClr val="tx1">
-                  <a:lumMod val="95000"/>
-                  <a:lumOff val="5000"/>
-                </a:schemeClr>
-              </a:solidFill>
-            </a:ln>
-          </p:spPr>
-          <p:style>
-            <a:lnRef idx="2">
-              <a:schemeClr val="accent1"/>
-            </a:lnRef>
-            <a:fillRef idx="0">
-              <a:schemeClr val="accent1"/>
-            </a:fillRef>
-            <a:effectRef idx="1">
-              <a:schemeClr val="accent1"/>
-            </a:effectRef>
-            <a:fontRef idx="minor">
-              <a:schemeClr val="tx1"/>
-            </a:fontRef>
-          </p:style>
-        </p:cxnSp>
-        <p:cxnSp>
-          <p:nvCxnSpPr>
-            <p:cNvPr id="41" name="Straight Connector 40"/>
-            <p:cNvCxnSpPr/>
-            <p:nvPr/>
-          </p:nvCxnSpPr>
-          <p:spPr>
-            <a:xfrm flipH="1" flipV="1">
-              <a:off x="5374960" y="1289122"/>
-              <a:ext cx="461350" cy="397798"/>
-            </a:xfrm>
-            <a:prstGeom prst="line">
-              <a:avLst/>
-            </a:prstGeom>
-            <a:ln w="12700">
-              <a:solidFill>
-                <a:schemeClr val="tx1">
-                  <a:lumMod val="95000"/>
-                  <a:lumOff val="5000"/>
-                </a:schemeClr>
-              </a:solidFill>
-            </a:ln>
-          </p:spPr>
-          <p:style>
-            <a:lnRef idx="2">
-              <a:schemeClr val="accent1"/>
-            </a:lnRef>
-            <a:fillRef idx="0">
-              <a:schemeClr val="accent1"/>
-            </a:fillRef>
-            <a:effectRef idx="1">
-              <a:schemeClr val="accent1"/>
-            </a:effectRef>
-            <a:fontRef idx="minor">
-              <a:schemeClr val="tx1"/>
-            </a:fontRef>
-          </p:style>
-        </p:cxnSp>
-        <p:cxnSp>
-          <p:nvCxnSpPr>
-            <p:cNvPr id="42" name="Straight Connector 41"/>
-            <p:cNvCxnSpPr>
-              <a:cxnSpLocks noChangeAspect="1"/>
-            </p:cNvCxnSpPr>
-            <p:nvPr/>
-          </p:nvCxnSpPr>
-          <p:spPr>
-            <a:xfrm flipH="1" flipV="1">
-              <a:off x="3376574" y="1826645"/>
-              <a:ext cx="452567" cy="445225"/>
-            </a:xfrm>
-            <a:prstGeom prst="line">
-              <a:avLst/>
-            </a:prstGeom>
-            <a:ln w="12700">
-              <a:solidFill>
-                <a:schemeClr val="tx1">
-                  <a:lumMod val="95000"/>
-                  <a:lumOff val="5000"/>
-                </a:schemeClr>
-              </a:solidFill>
-            </a:ln>
-          </p:spPr>
-          <p:style>
-            <a:lnRef idx="2">
-              <a:schemeClr val="accent1"/>
-            </a:lnRef>
-            <a:fillRef idx="0">
-              <a:schemeClr val="accent1"/>
-            </a:fillRef>
-            <a:effectRef idx="1">
-              <a:schemeClr val="accent1"/>
-            </a:effectRef>
-            <a:fontRef idx="minor">
-              <a:schemeClr val="tx1"/>
-            </a:fontRef>
-          </p:style>
-        </p:cxnSp>
-        <p:cxnSp>
-          <p:nvCxnSpPr>
-            <p:cNvPr id="46" name="Straight Connector 45"/>
-            <p:cNvCxnSpPr/>
-            <p:nvPr/>
-          </p:nvCxnSpPr>
-          <p:spPr>
-            <a:xfrm rot="5400000">
-              <a:off x="3227183" y="2641446"/>
-              <a:ext cx="304800" cy="1588"/>
-            </a:xfrm>
-            <a:prstGeom prst="line">
-              <a:avLst/>
-            </a:prstGeom>
-            <a:ln w="19050">
-              <a:solidFill>
-                <a:schemeClr val="tx1"/>
-              </a:solidFill>
-            </a:ln>
-          </p:spPr>
-          <p:style>
-            <a:lnRef idx="2">
-              <a:schemeClr val="accent1"/>
-            </a:lnRef>
-            <a:fillRef idx="0">
-              <a:schemeClr val="accent1"/>
-            </a:fillRef>
-            <a:effectRef idx="1">
-              <a:schemeClr val="accent1"/>
-            </a:effectRef>
-            <a:fontRef idx="minor">
-              <a:schemeClr val="tx1"/>
-            </a:fontRef>
-          </p:style>
-        </p:cxnSp>
-        <p:cxnSp>
-          <p:nvCxnSpPr>
-            <p:cNvPr id="47" name="Straight Connector 46"/>
-            <p:cNvCxnSpPr/>
-            <p:nvPr/>
-          </p:nvCxnSpPr>
-          <p:spPr>
-            <a:xfrm rot="5400000">
-              <a:off x="5678470" y="2625766"/>
-              <a:ext cx="304800" cy="1588"/>
-            </a:xfrm>
-            <a:prstGeom prst="line">
-              <a:avLst/>
-            </a:prstGeom>
-            <a:ln w="19050">
-              <a:solidFill>
-                <a:schemeClr val="tx1"/>
-              </a:solidFill>
-            </a:ln>
-          </p:spPr>
-          <p:style>
-            <a:lnRef idx="2">
-              <a:schemeClr val="accent1"/>
-            </a:lnRef>
-            <a:fillRef idx="0">
-              <a:schemeClr val="accent1"/>
-            </a:fillRef>
-            <a:effectRef idx="1">
-              <a:schemeClr val="accent1"/>
-            </a:effectRef>
-            <a:fontRef idx="minor">
-              <a:schemeClr val="tx1"/>
-            </a:fontRef>
-          </p:style>
-        </p:cxnSp>
-        <p:cxnSp>
-          <p:nvCxnSpPr>
-            <p:cNvPr id="48" name="Straight Connector 47"/>
-            <p:cNvCxnSpPr/>
-            <p:nvPr/>
-          </p:nvCxnSpPr>
-          <p:spPr>
-            <a:xfrm flipV="1">
-              <a:off x="946358" y="2781940"/>
-              <a:ext cx="4901184" cy="12700"/>
-            </a:xfrm>
-            <a:prstGeom prst="line">
-              <a:avLst/>
-            </a:prstGeom>
-            <a:ln w="19050">
-              <a:solidFill>
-                <a:schemeClr val="tx1"/>
-              </a:solidFill>
-            </a:ln>
-          </p:spPr>
-          <p:style>
-            <a:lnRef idx="2">
-              <a:schemeClr val="accent1"/>
-            </a:lnRef>
-            <a:fillRef idx="0">
-              <a:schemeClr val="accent1"/>
-            </a:fillRef>
-            <a:effectRef idx="1">
-              <a:schemeClr val="accent1"/>
-            </a:effectRef>
-            <a:fontRef idx="minor">
-              <a:schemeClr val="tx1"/>
-            </a:fontRef>
-          </p:style>
-        </p:cxnSp>
-        <p:sp>
-          <p:nvSpPr>
-            <p:cNvPr id="49" name="TextBox 48"/>
-            <p:cNvSpPr txBox="1"/>
-            <p:nvPr/>
-          </p:nvSpPr>
-          <p:spPr>
-            <a:xfrm>
-              <a:off x="1517859" y="2409628"/>
-              <a:ext cx="1315497" cy="369332"/>
-            </a:xfrm>
-            <a:prstGeom prst="rect">
-              <a:avLst/>
-            </a:prstGeom>
-            <a:noFill/>
-            <a:ln>
-              <a:noFill/>
-            </a:ln>
-          </p:spPr>
-          <p:txBody>
-            <a:bodyPr wrap="none" rtlCol="0">
-              <a:spAutoFit/>
-            </a:bodyPr>
-            <a:lstStyle/>
-            <a:p>
-              <a:r>
-                <a:rPr lang="en-US" dirty="0" smtClean="0"/>
-                <a:t>Cache line 1</a:t>
-              </a:r>
-              <a:endParaRPr lang="en-US" dirty="0"/>
-            </a:p>
-          </p:txBody>
-        </p:sp>
-        <p:sp>
-          <p:nvSpPr>
-            <p:cNvPr id="50" name="TextBox 49"/>
-            <p:cNvSpPr txBox="1"/>
-            <p:nvPr/>
-          </p:nvSpPr>
-          <p:spPr>
-            <a:xfrm>
-              <a:off x="3953002" y="2409628"/>
-              <a:ext cx="1315497" cy="369332"/>
-            </a:xfrm>
-            <a:prstGeom prst="rect">
-              <a:avLst/>
-            </a:prstGeom>
-            <a:noFill/>
-            <a:ln>
-              <a:noFill/>
-            </a:ln>
-          </p:spPr>
-          <p:txBody>
-            <a:bodyPr wrap="none" rtlCol="0">
-              <a:spAutoFit/>
-            </a:bodyPr>
-            <a:lstStyle/>
-            <a:p>
-              <a:r>
-                <a:rPr lang="en-US" dirty="0" smtClean="0"/>
-                <a:t>Cache line 2</a:t>
-              </a:r>
-              <a:endParaRPr lang="en-US" dirty="0"/>
-            </a:p>
-          </p:txBody>
-        </p:sp>
-        <p:cxnSp>
-          <p:nvCxnSpPr>
-            <p:cNvPr id="55" name="Straight Connector 54"/>
-            <p:cNvCxnSpPr/>
-            <p:nvPr/>
-          </p:nvCxnSpPr>
-          <p:spPr>
-            <a:xfrm rot="5400000">
-              <a:off x="803146" y="2641446"/>
-              <a:ext cx="304800" cy="1588"/>
-            </a:xfrm>
-            <a:prstGeom prst="line">
-              <a:avLst/>
-            </a:prstGeom>
-            <a:ln w="19050">
-              <a:solidFill>
-                <a:schemeClr val="tx1"/>
-              </a:solidFill>
-            </a:ln>
-          </p:spPr>
-          <p:style>
-            <a:lnRef idx="2">
-              <a:schemeClr val="accent1"/>
-            </a:lnRef>
-            <a:fillRef idx="0">
-              <a:schemeClr val="accent1"/>
-            </a:fillRef>
-            <a:effectRef idx="1">
-              <a:schemeClr val="accent1"/>
-            </a:effectRef>
-            <a:fontRef idx="minor">
-              <a:schemeClr val="tx1"/>
-            </a:fontRef>
-          </p:style>
-        </p:cxnSp>
-      </p:grpSp>
-      <p:grpSp>
-        <p:nvGrpSpPr>
-          <p:cNvPr id="91" name="Group 90"/>
+          <p:cNvPr id="92" name="Group 91"/>
           <p:cNvGrpSpPr/>
           <p:nvPr/>
         </p:nvGrpSpPr>
         <p:grpSpPr>
           <a:xfrm>
             <a:off x="913776" y="2330485"/>
-            <a:ext cx="4906880" cy="1514480"/>
-            <a:chOff x="936282" y="3298480"/>
-            <a:chExt cx="4906880" cy="1514480"/>
+            <a:ext cx="4897736" cy="1514480"/>
+            <a:chOff x="913776" y="2330485"/>
+            <a:chExt cx="4897736" cy="1514480"/>
           </a:xfrm>
         </p:grpSpPr>
         <p:sp>
@@ -4559,7 +5689,7 @@
           </p:nvSpPr>
           <p:spPr>
             <a:xfrm>
-              <a:off x="951960" y="3304073"/>
+              <a:off x="929454" y="2340864"/>
               <a:ext cx="2430039" cy="1005840"/>
             </a:xfrm>
             <a:prstGeom prst="rect">
@@ -4606,7 +5736,7 @@
           </p:nvCxnSpPr>
           <p:spPr>
             <a:xfrm rot="5400000" flipH="1" flipV="1">
-              <a:off x="950727" y="3307624"/>
+              <a:off x="928221" y="2339629"/>
               <a:ext cx="1005839" cy="1003372"/>
             </a:xfrm>
             <a:prstGeom prst="line">
@@ -4644,7 +5774,7 @@
           </p:nvCxnSpPr>
           <p:spPr>
             <a:xfrm rot="5400000" flipH="1" flipV="1">
-              <a:off x="1222248" y="3307624"/>
+              <a:off x="1199742" y="2339629"/>
               <a:ext cx="1005839" cy="1003372"/>
             </a:xfrm>
             <a:prstGeom prst="line">
@@ -4682,7 +5812,7 @@
           </p:nvCxnSpPr>
           <p:spPr>
             <a:xfrm rot="5400000" flipH="1" flipV="1">
-              <a:off x="1496568" y="3312188"/>
+              <a:off x="1474062" y="2344193"/>
               <a:ext cx="1005839" cy="1003372"/>
             </a:xfrm>
             <a:prstGeom prst="line">
@@ -4720,7 +5850,7 @@
           </p:nvCxnSpPr>
           <p:spPr>
             <a:xfrm rot="5400000" flipH="1" flipV="1">
-              <a:off x="1770888" y="3307624"/>
+              <a:off x="1748382" y="2339629"/>
               <a:ext cx="1005839" cy="1003372"/>
             </a:xfrm>
             <a:prstGeom prst="line">
@@ -4758,7 +5888,7 @@
           </p:nvCxnSpPr>
           <p:spPr>
             <a:xfrm rot="5400000" flipH="1" flipV="1">
-              <a:off x="2045208" y="3307624"/>
+              <a:off x="2022702" y="2339629"/>
               <a:ext cx="1005839" cy="1003372"/>
             </a:xfrm>
             <a:prstGeom prst="line">
@@ -4796,7 +5926,7 @@
           </p:nvCxnSpPr>
           <p:spPr>
             <a:xfrm rot="5400000" flipH="1" flipV="1">
-              <a:off x="2319528" y="3307624"/>
+              <a:off x="2297022" y="2339629"/>
               <a:ext cx="1005839" cy="1003372"/>
             </a:xfrm>
             <a:prstGeom prst="line">
@@ -4834,7 +5964,7 @@
           </p:nvCxnSpPr>
           <p:spPr>
             <a:xfrm flipV="1">
-              <a:off x="2595082" y="3539271"/>
+              <a:off x="2572576" y="2571276"/>
               <a:ext cx="786919" cy="772959"/>
             </a:xfrm>
             <a:prstGeom prst="line">
@@ -4872,7 +6002,7 @@
           </p:nvCxnSpPr>
           <p:spPr>
             <a:xfrm rot="5400000" flipH="1" flipV="1">
-              <a:off x="948677" y="3305277"/>
+              <a:off x="926171" y="2337282"/>
               <a:ext cx="723357" cy="716787"/>
             </a:xfrm>
             <a:prstGeom prst="line">
@@ -4910,7 +6040,7 @@
           </p:nvCxnSpPr>
           <p:spPr>
             <a:xfrm flipV="1">
-              <a:off x="936282" y="3310954"/>
+              <a:off x="913776" y="2342959"/>
               <a:ext cx="462064" cy="397798"/>
             </a:xfrm>
             <a:prstGeom prst="line">
@@ -4950,7 +6080,7 @@
           </p:nvCxnSpPr>
           <p:spPr>
             <a:xfrm flipV="1">
-              <a:off x="2946558" y="3848477"/>
+              <a:off x="2924052" y="2880482"/>
               <a:ext cx="453268" cy="445225"/>
             </a:xfrm>
             <a:prstGeom prst="line">
@@ -4988,7 +6118,7 @@
           </p:nvSpPr>
           <p:spPr>
             <a:xfrm flipH="1">
-              <a:off x="3389993" y="3300561"/>
+              <a:off x="3367487" y="2340864"/>
               <a:ext cx="2432304" cy="1005840"/>
             </a:xfrm>
             <a:prstGeom prst="rect">
@@ -5035,7 +6165,7 @@
           </p:nvCxnSpPr>
           <p:spPr>
             <a:xfrm rot="16200000" flipV="1">
-              <a:off x="4812446" y="3304887"/>
+              <a:off x="4789940" y="2336892"/>
               <a:ext cx="1005839" cy="1001821"/>
             </a:xfrm>
             <a:prstGeom prst="line">
@@ -5073,7 +6203,7 @@
           </p:nvCxnSpPr>
           <p:spPr>
             <a:xfrm rot="16200000" flipV="1">
-              <a:off x="4541344" y="3304887"/>
+              <a:off x="4518838" y="2336892"/>
               <a:ext cx="1005839" cy="1001821"/>
             </a:xfrm>
             <a:prstGeom prst="line">
@@ -5111,7 +6241,7 @@
           </p:nvCxnSpPr>
           <p:spPr>
             <a:xfrm rot="16200000" flipV="1">
-              <a:off x="4267448" y="3309451"/>
+              <a:off x="4244942" y="2341456"/>
               <a:ext cx="1005839" cy="1001821"/>
             </a:xfrm>
             <a:prstGeom prst="line">
@@ -5149,7 +6279,7 @@
           </p:nvCxnSpPr>
           <p:spPr>
             <a:xfrm rot="16200000" flipV="1">
-              <a:off x="3993552" y="3304887"/>
+              <a:off x="3971046" y="2336892"/>
               <a:ext cx="1005839" cy="1001821"/>
             </a:xfrm>
             <a:prstGeom prst="line">
@@ -5187,7 +6317,7 @@
           </p:nvCxnSpPr>
           <p:spPr>
             <a:xfrm rot="16200000" flipV="1">
-              <a:off x="3719656" y="3304887"/>
+              <a:off x="3697150" y="2336892"/>
               <a:ext cx="1005839" cy="1001821"/>
             </a:xfrm>
             <a:prstGeom prst="line">
@@ -5225,7 +6355,7 @@
           </p:nvCxnSpPr>
           <p:spPr>
             <a:xfrm rot="16200000" flipV="1">
-              <a:off x="3445761" y="3304887"/>
+              <a:off x="3423255" y="2336892"/>
               <a:ext cx="1005839" cy="1001821"/>
             </a:xfrm>
             <a:prstGeom prst="line">
@@ -5263,7 +6393,7 @@
           </p:nvCxnSpPr>
           <p:spPr>
             <a:xfrm flipH="1" flipV="1">
-              <a:off x="3389991" y="3535759"/>
+              <a:off x="3367485" y="2567764"/>
               <a:ext cx="785703" cy="772959"/>
             </a:xfrm>
             <a:prstGeom prst="line">
@@ -5301,7 +6431,7 @@
           </p:nvCxnSpPr>
           <p:spPr>
             <a:xfrm rot="16200000" flipV="1">
-              <a:off x="5096756" y="3302319"/>
+              <a:off x="5074250" y="2334324"/>
               <a:ext cx="723357" cy="715679"/>
             </a:xfrm>
             <a:prstGeom prst="line">
@@ -5339,7 +6469,7 @@
           </p:nvCxnSpPr>
           <p:spPr>
             <a:xfrm flipH="1" flipV="1">
-              <a:off x="5370580" y="3307442"/>
+              <a:off x="5348074" y="2339447"/>
               <a:ext cx="461350" cy="397798"/>
             </a:xfrm>
             <a:prstGeom prst="line">
@@ -5379,7 +6509,7 @@
           </p:nvCxnSpPr>
           <p:spPr>
             <a:xfrm flipH="1" flipV="1">
-              <a:off x="3372194" y="3844965"/>
+              <a:off x="3349688" y="2876970"/>
               <a:ext cx="452567" cy="445225"/>
             </a:xfrm>
             <a:prstGeom prst="line">
@@ -5417,7 +6547,7 @@
           </p:nvCxnSpPr>
           <p:spPr>
             <a:xfrm rot="5400000">
-              <a:off x="5674090" y="4644086"/>
+              <a:off x="5651584" y="3676091"/>
               <a:ext cx="304800" cy="1588"/>
             </a:xfrm>
             <a:prstGeom prst="line">
@@ -5452,8 +6582,8 @@
           </p:nvCxnSpPr>
           <p:spPr>
             <a:xfrm flipV="1">
-              <a:off x="941978" y="4800260"/>
-              <a:ext cx="4901184" cy="12700"/>
+              <a:off x="919472" y="3832265"/>
+              <a:ext cx="4892040" cy="12700"/>
             </a:xfrm>
             <a:prstGeom prst="line">
               <a:avLst/>
@@ -5487,7 +6617,7 @@
           </p:nvSpPr>
           <p:spPr>
             <a:xfrm>
-              <a:off x="2736363" y="4427948"/>
+              <a:off x="2713857" y="3459953"/>
               <a:ext cx="1315497" cy="369332"/>
             </a:xfrm>
             <a:prstGeom prst="rect">
@@ -5520,7 +6650,7 @@
           </p:nvCxnSpPr>
           <p:spPr>
             <a:xfrm rot="5400000">
-              <a:off x="798766" y="4659766"/>
+              <a:off x="776260" y="3691771"/>
               <a:ext cx="304800" cy="1588"/>
             </a:xfrm>
             <a:prstGeom prst="line">
@@ -5550,7 +6680,7 @@
       </p:grpSp>
       <p:grpSp>
         <p:nvGrpSpPr>
-          <p:cNvPr id="150" name="Group 149"/>
+          <p:cNvPr id="94" name="Group 93"/>
           <p:cNvGrpSpPr/>
           <p:nvPr/>
         </p:nvGrpSpPr>
@@ -6634,7 +7764,7 @@
           </p:nvCxnSpPr>
           <p:spPr>
             <a:xfrm rot="5400000">
-              <a:off x="7729861" y="5728986"/>
+              <a:off x="7726680" y="5728986"/>
               <a:ext cx="304800" cy="1588"/>
             </a:xfrm>
             <a:prstGeom prst="line">
@@ -7318,6 +8448,270 @@
           <a:chExt cx="0" cy="0"/>
         </a:xfrm>
       </p:grpSpPr>
+      <p:graphicFrame>
+        <p:nvGraphicFramePr>
+          <p:cNvPr id="4" name="Chart 3"/>
+          <p:cNvGraphicFramePr/>
+          <p:nvPr/>
+        </p:nvGraphicFramePr>
+        <p:xfrm>
+          <a:off x="1583267" y="1422400"/>
+          <a:ext cx="6578600" cy="2824480"/>
+        </p:xfrm>
+        <a:graphic>
+          <a:graphicData uri="http://schemas.openxmlformats.org/drawingml/2006/chart">
+            <c:chart xmlns:c="http://schemas.openxmlformats.org/drawingml/2006/chart" xmlns:r="http://schemas.openxmlformats.org/officeDocument/2006/relationships" r:id="rId2"/>
+          </a:graphicData>
+        </a:graphic>
+      </p:graphicFrame>
+    </p:spTree>
+  </p:cSld>
+  <p:clrMapOvr>
+    <a:masterClrMapping/>
+  </p:clrMapOvr>
+</p:sld>
+</file>
+
+<file path=ppt/slides/slide4.xml><?xml version="1.0" encoding="utf-8"?>
+<p:sld xmlns:a="http://schemas.openxmlformats.org/drawingml/2006/main" xmlns:r="http://schemas.openxmlformats.org/officeDocument/2006/relationships" xmlns:mc="http://schemas.openxmlformats.org/markup-compatibility/2006" xmlns:mv="urn:schemas-microsoft-com:mac:vml" xmlns:p="http://schemas.openxmlformats.org/presentationml/2006/main" mc:Ignorable="mv" mc:PreserveAttributes="mv:*">
+  <p:cSld>
+    <p:spTree>
+      <p:nvGrpSpPr>
+        <p:cNvPr id="1" name=""/>
+        <p:cNvGrpSpPr/>
+        <p:nvPr/>
+      </p:nvGrpSpPr>
+      <p:grpSpPr>
+        <a:xfrm>
+          <a:off x="0" y="0"/>
+          <a:ext cx="0" cy="0"/>
+          <a:chOff x="0" y="0"/>
+          <a:chExt cx="0" cy="0"/>
+        </a:xfrm>
+      </p:grpSpPr>
+      <p:graphicFrame>
+        <p:nvGraphicFramePr>
+          <p:cNvPr id="4" name="Chart 3"/>
+          <p:cNvGraphicFramePr/>
+          <p:nvPr/>
+        </p:nvGraphicFramePr>
+        <p:xfrm>
+          <a:off x="1219200" y="2016760"/>
+          <a:ext cx="6705600" cy="2824480"/>
+        </p:xfrm>
+        <a:graphic>
+          <a:graphicData uri="http://schemas.openxmlformats.org/drawingml/2006/chart">
+            <c:chart xmlns:c="http://schemas.openxmlformats.org/drawingml/2006/chart" xmlns:r="http://schemas.openxmlformats.org/officeDocument/2006/relationships" r:id="rId2"/>
+          </a:graphicData>
+        </a:graphic>
+      </p:graphicFrame>
+      <p:sp>
+        <p:nvSpPr>
+          <p:cNvPr id="5" name="TextBox 4"/>
+          <p:cNvSpPr txBox="1"/>
+          <p:nvPr/>
+        </p:nvSpPr>
+        <p:spPr>
+          <a:xfrm>
+            <a:off x="1885851" y="2311395"/>
+            <a:ext cx="357172" cy="321734"/>
+          </a:xfrm>
+          <a:prstGeom prst="rect">
+            <a:avLst/>
+          </a:prstGeom>
+        </p:spPr>
+        <p:txBody>
+          <a:bodyPr wrap="none" rtlCol="0"/>
+          <a:lstStyle>
+            <a:lvl1pPr marL="0" indent="0">
+              <a:defRPr sz="1100">
+                <a:latin typeface="+mn-lt"/>
+                <a:ea typeface="+mn-ea"/>
+                <a:cs typeface="+mn-cs"/>
+              </a:defRPr>
+            </a:lvl1pPr>
+            <a:lvl2pPr marL="457200" indent="0">
+              <a:defRPr sz="1100">
+                <a:latin typeface="+mn-lt"/>
+                <a:ea typeface="+mn-ea"/>
+                <a:cs typeface="+mn-cs"/>
+              </a:defRPr>
+            </a:lvl2pPr>
+            <a:lvl3pPr marL="914400" indent="0">
+              <a:defRPr sz="1100">
+                <a:latin typeface="+mn-lt"/>
+                <a:ea typeface="+mn-ea"/>
+                <a:cs typeface="+mn-cs"/>
+              </a:defRPr>
+            </a:lvl3pPr>
+            <a:lvl4pPr marL="1371600" indent="0">
+              <a:defRPr sz="1100">
+                <a:latin typeface="+mn-lt"/>
+                <a:ea typeface="+mn-ea"/>
+                <a:cs typeface="+mn-cs"/>
+              </a:defRPr>
+            </a:lvl4pPr>
+            <a:lvl5pPr marL="1828800" indent="0">
+              <a:defRPr sz="1100">
+                <a:latin typeface="+mn-lt"/>
+                <a:ea typeface="+mn-ea"/>
+                <a:cs typeface="+mn-cs"/>
+              </a:defRPr>
+            </a:lvl5pPr>
+            <a:lvl6pPr marL="2286000" indent="0">
+              <a:defRPr sz="1100">
+                <a:latin typeface="+mn-lt"/>
+                <a:ea typeface="+mn-ea"/>
+                <a:cs typeface="+mn-cs"/>
+              </a:defRPr>
+            </a:lvl6pPr>
+            <a:lvl7pPr marL="2743200" indent="0">
+              <a:defRPr sz="1100">
+                <a:latin typeface="+mn-lt"/>
+                <a:ea typeface="+mn-ea"/>
+                <a:cs typeface="+mn-cs"/>
+              </a:defRPr>
+            </a:lvl7pPr>
+            <a:lvl8pPr marL="3200400" indent="0">
+              <a:defRPr sz="1100">
+                <a:latin typeface="+mn-lt"/>
+                <a:ea typeface="+mn-ea"/>
+                <a:cs typeface="+mn-cs"/>
+              </a:defRPr>
+            </a:lvl8pPr>
+            <a:lvl9pPr marL="3657600" indent="0">
+              <a:defRPr sz="1100">
+                <a:latin typeface="+mn-lt"/>
+                <a:ea typeface="+mn-ea"/>
+                <a:cs typeface="+mn-cs"/>
+              </a:defRPr>
+            </a:lvl9pPr>
+          </a:lstStyle>
+          <a:p>
+            <a:r>
+              <a:rPr lang="en-US" sz="1100" dirty="0" smtClean="0"/>
+              <a:t>23.4</a:t>
+            </a:r>
+            <a:endParaRPr lang="en-US" sz="1100" dirty="0"/>
+          </a:p>
+        </p:txBody>
+      </p:sp>
+      <p:sp>
+        <p:nvSpPr>
+          <p:cNvPr id="6" name="TextBox 5"/>
+          <p:cNvSpPr txBox="1"/>
+          <p:nvPr/>
+        </p:nvSpPr>
+        <p:spPr>
+          <a:xfrm>
+            <a:off x="2209798" y="2133596"/>
+            <a:ext cx="398703" cy="262467"/>
+          </a:xfrm>
+          <a:prstGeom prst="rect">
+            <a:avLst/>
+          </a:prstGeom>
+        </p:spPr>
+        <p:txBody>
+          <a:bodyPr wrap="none" rtlCol="0"/>
+          <a:lstStyle>
+            <a:lvl1pPr marL="0" indent="0">
+              <a:defRPr sz="1100">
+                <a:latin typeface="+mn-lt"/>
+                <a:ea typeface="+mn-ea"/>
+                <a:cs typeface="+mn-cs"/>
+              </a:defRPr>
+            </a:lvl1pPr>
+            <a:lvl2pPr marL="457200" indent="0">
+              <a:defRPr sz="1100">
+                <a:latin typeface="+mn-lt"/>
+                <a:ea typeface="+mn-ea"/>
+                <a:cs typeface="+mn-cs"/>
+              </a:defRPr>
+            </a:lvl2pPr>
+            <a:lvl3pPr marL="914400" indent="0">
+              <a:defRPr sz="1100">
+                <a:latin typeface="+mn-lt"/>
+                <a:ea typeface="+mn-ea"/>
+                <a:cs typeface="+mn-cs"/>
+              </a:defRPr>
+            </a:lvl3pPr>
+            <a:lvl4pPr marL="1371600" indent="0">
+              <a:defRPr sz="1100">
+                <a:latin typeface="+mn-lt"/>
+                <a:ea typeface="+mn-ea"/>
+                <a:cs typeface="+mn-cs"/>
+              </a:defRPr>
+            </a:lvl4pPr>
+            <a:lvl5pPr marL="1828800" indent="0">
+              <a:defRPr sz="1100">
+                <a:latin typeface="+mn-lt"/>
+                <a:ea typeface="+mn-ea"/>
+                <a:cs typeface="+mn-cs"/>
+              </a:defRPr>
+            </a:lvl5pPr>
+            <a:lvl6pPr marL="2286000" indent="0">
+              <a:defRPr sz="1100">
+                <a:latin typeface="+mn-lt"/>
+                <a:ea typeface="+mn-ea"/>
+                <a:cs typeface="+mn-cs"/>
+              </a:defRPr>
+            </a:lvl6pPr>
+            <a:lvl7pPr marL="2743200" indent="0">
+              <a:defRPr sz="1100">
+                <a:latin typeface="+mn-lt"/>
+                <a:ea typeface="+mn-ea"/>
+                <a:cs typeface="+mn-cs"/>
+              </a:defRPr>
+            </a:lvl7pPr>
+            <a:lvl8pPr marL="3200400" indent="0">
+              <a:defRPr sz="1100">
+                <a:latin typeface="+mn-lt"/>
+                <a:ea typeface="+mn-ea"/>
+                <a:cs typeface="+mn-cs"/>
+              </a:defRPr>
+            </a:lvl8pPr>
+            <a:lvl9pPr marL="3657600" indent="0">
+              <a:defRPr sz="1100">
+                <a:latin typeface="+mn-lt"/>
+                <a:ea typeface="+mn-ea"/>
+                <a:cs typeface="+mn-cs"/>
+              </a:defRPr>
+            </a:lvl9pPr>
+          </a:lstStyle>
+          <a:p>
+            <a:r>
+              <a:rPr lang="en-US" sz="1100" dirty="0" smtClean="0"/>
+              <a:t>26.5</a:t>
+            </a:r>
+            <a:endParaRPr lang="en-US" sz="1100" dirty="0"/>
+          </a:p>
+        </p:txBody>
+      </p:sp>
+    </p:spTree>
+  </p:cSld>
+  <p:clrMapOvr>
+    <a:masterClrMapping/>
+  </p:clrMapOvr>
+</p:sld>
+</file>
+
+<file path=ppt/slides/slide5.xml><?xml version="1.0" encoding="utf-8"?>
+<p:sld xmlns:a="http://schemas.openxmlformats.org/drawingml/2006/main" xmlns:r="http://schemas.openxmlformats.org/officeDocument/2006/relationships" xmlns:mc="http://schemas.openxmlformats.org/markup-compatibility/2006" xmlns:mv="urn:schemas-microsoft-com:mac:vml" xmlns:p="http://schemas.openxmlformats.org/presentationml/2006/main" mc:Ignorable="mv" mc:PreserveAttributes="mv:*">
+  <p:cSld>
+    <p:spTree>
+      <p:nvGrpSpPr>
+        <p:cNvPr id="1" name=""/>
+        <p:cNvGrpSpPr/>
+        <p:nvPr/>
+      </p:nvGrpSpPr>
+      <p:grpSpPr>
+        <a:xfrm>
+          <a:off x="0" y="0"/>
+          <a:ext cx="0" cy="0"/>
+          <a:chOff x="0" y="0"/>
+          <a:chExt cx="0" cy="0"/>
+        </a:xfrm>
+      </p:grpSpPr>
       <p:grpSp>
         <p:nvGrpSpPr>
           <p:cNvPr id="31" name="Group 30"/>
@@ -7340,7 +8734,7 @@
           </p:nvSpPr>
           <p:spPr>
             <a:xfrm>
-              <a:off x="2790506" y="3371851"/>
+              <a:off x="2790506" y="3465576"/>
               <a:ext cx="1828800" cy="203199"/>
             </a:xfrm>
             <a:prstGeom prst="rect">
@@ -7389,7 +8783,7 @@
           </p:nvSpPr>
           <p:spPr>
             <a:xfrm>
-              <a:off x="2256502" y="3752850"/>
+              <a:off x="2256502" y="3831336"/>
               <a:ext cx="1828800" cy="203199"/>
             </a:xfrm>
             <a:prstGeom prst="rect">
@@ -8132,15 +9526,7 @@
             <a:p>
               <a:r>
                 <a:rPr lang="en-US" dirty="0" smtClean="0"/>
-                <a:t>Non-tracked </a:t>
-              </a:r>
-              <a:r>
-                <a:rPr lang="en-US" dirty="0" smtClean="0"/>
-                <a:t>virtual </a:t>
-              </a:r>
-              <a:r>
-                <a:rPr lang="en-US" dirty="0" smtClean="0"/>
-                <a:t>lines</a:t>
+                <a:t>Non-tracked virtual lines</a:t>
               </a:r>
               <a:endParaRPr lang="en-US" dirty="0"/>
             </a:p>
@@ -8162,7 +9548,7 @@
 </p:sld>
 </file>
 
-<file path=ppt/slides/slide4.xml><?xml version="1.0" encoding="utf-8"?>
+<file path=ppt/slides/slide6.xml><?xml version="1.0" encoding="utf-8"?>
 <p:sld xmlns:a="http://schemas.openxmlformats.org/drawingml/2006/main" xmlns:r="http://schemas.openxmlformats.org/officeDocument/2006/relationships" xmlns:mc="http://schemas.openxmlformats.org/markup-compatibility/2006" xmlns:mv="urn:schemas-microsoft-com:mac:vml" xmlns:p="http://schemas.openxmlformats.org/presentationml/2006/main" mc:Ignorable="mv" mc:PreserveAttributes="mv:*">
   <p:cSld>
     <p:spTree>

--- a/fig/DefaultsPaper.pptx
+++ b/fig/DefaultsPaper.pptx
@@ -146,9 +146,9 @@
           </c:spPr>
           <c:cat>
             <c:strRef>
-              <c:f>Performance!$E$2:$E$21</c:f>
+              <c:f>Performance!$E$2:$E$28</c:f>
               <c:strCache>
-                <c:ptCount val="20"/>
+                <c:ptCount val="27"/>
                 <c:pt idx="0">
                   <c:v>Phoenix</c:v>
                 </c:pt>
@@ -203,7 +203,28 @@
                 <c:pt idx="17">
                   <c:v>x264 </c:v>
                 </c:pt>
+                <c:pt idx="18">
+                  <c:v>RealApplications</c:v>
+                </c:pt>
                 <c:pt idx="19">
+                  <c:v>aget</c:v>
+                </c:pt>
+                <c:pt idx="20">
+                  <c:v>Boost</c:v>
+                </c:pt>
+                <c:pt idx="21">
+                  <c:v>Memcached</c:v>
+                </c:pt>
+                <c:pt idx="22">
+                  <c:v>MySQL</c:v>
+                </c:pt>
+                <c:pt idx="23">
+                  <c:v>pbzip2</c:v>
+                </c:pt>
+                <c:pt idx="24">
+                  <c:v>pfscan</c:v>
+                </c:pt>
+                <c:pt idx="26">
                   <c:v>AVERAGE</c:v>
                 </c:pt>
               </c:strCache>
@@ -211,10 +232,10 @@
           </c:cat>
           <c:val>
             <c:numRef>
-              <c:f>Performance!$F$2:$F$21</c:f>
+              <c:f>Performance!$F$2:$F$28</c:f>
               <c:numCache>
                 <c:formatCode>General</c:formatCode>
-                <c:ptCount val="20"/>
+                <c:ptCount val="27"/>
                 <c:pt idx="1">
                   <c:v>1.0</c:v>
                 </c:pt>
@@ -264,6 +285,24 @@
                   <c:v>1.0</c:v>
                 </c:pt>
                 <c:pt idx="19">
+                  <c:v>1.0</c:v>
+                </c:pt>
+                <c:pt idx="20">
+                  <c:v>1.0</c:v>
+                </c:pt>
+                <c:pt idx="21">
+                  <c:v>1.0</c:v>
+                </c:pt>
+                <c:pt idx="22">
+                  <c:v>1.0</c:v>
+                </c:pt>
+                <c:pt idx="23">
+                  <c:v>1.0</c:v>
+                </c:pt>
+                <c:pt idx="24">
+                  <c:v>1.0</c:v>
+                </c:pt>
+                <c:pt idx="26">
                   <c:v>1.0</c:v>
                 </c:pt>
               </c:numCache>
@@ -279,7 +318,7 @@
               <c:strCache>
                 <c:ptCount val="1"/>
                 <c:pt idx="0">
-                  <c:v>DEFAULTS-NoPred</c:v>
+                  <c:v>PREDATOR-NP</c:v>
                 </c:pt>
               </c:strCache>
             </c:strRef>
@@ -292,18 +331,11 @@
               </a:schemeClr>
             </a:solidFill>
           </c:spPr>
-          <c:dLbls>
-            <c:dLbl>
-              <c:idx val="1"/>
-              <c:showVal val="1"/>
-            </c:dLbl>
-            <c:delete val="1"/>
-          </c:dLbls>
           <c:cat>
             <c:strRef>
-              <c:f>Performance!$E$2:$E$21</c:f>
+              <c:f>Performance!$E$2:$E$28</c:f>
               <c:strCache>
-                <c:ptCount val="20"/>
+                <c:ptCount val="27"/>
                 <c:pt idx="0">
                   <c:v>Phoenix</c:v>
                 </c:pt>
@@ -358,7 +390,28 @@
                 <c:pt idx="17">
                   <c:v>x264 </c:v>
                 </c:pt>
+                <c:pt idx="18">
+                  <c:v>RealApplications</c:v>
+                </c:pt>
                 <c:pt idx="19">
+                  <c:v>aget</c:v>
+                </c:pt>
+                <c:pt idx="20">
+                  <c:v>Boost</c:v>
+                </c:pt>
+                <c:pt idx="21">
+                  <c:v>Memcached</c:v>
+                </c:pt>
+                <c:pt idx="22">
+                  <c:v>MySQL</c:v>
+                </c:pt>
+                <c:pt idx="23">
+                  <c:v>pbzip2</c:v>
+                </c:pt>
+                <c:pt idx="24">
+                  <c:v>pfscan</c:v>
+                </c:pt>
+                <c:pt idx="26">
                   <c:v>AVERAGE</c:v>
                 </c:pt>
               </c:strCache>
@@ -366,10 +419,10 @@
           </c:cat>
           <c:val>
             <c:numRef>
-              <c:f>Performance!$G$2:$G$21</c:f>
+              <c:f>Performance!$G$2:$G$28</c:f>
               <c:numCache>
                 <c:formatCode>General</c:formatCode>
-                <c:ptCount val="20"/>
+                <c:ptCount val="27"/>
                 <c:pt idx="1">
                   <c:v>23.43650793719243</c:v>
                 </c:pt>
@@ -419,7 +472,25 @@
                   <c:v>1.131678189798801</c:v>
                 </c:pt>
                 <c:pt idx="19">
-                  <c:v>6.522449583410472</c:v>
+                  <c:v>0.948430493273543</c:v>
+                </c:pt>
+                <c:pt idx="20">
+                  <c:v>3.98711616930196</c:v>
+                </c:pt>
+                <c:pt idx="21">
+                  <c:v>1.010644706115343</c:v>
+                </c:pt>
+                <c:pt idx="22">
+                  <c:v>2.705889079484209</c:v>
+                </c:pt>
+                <c:pt idx="23">
+                  <c:v>1.001168053718772</c:v>
+                </c:pt>
+                <c:pt idx="24">
+                  <c:v>0.999184172955333</c:v>
+                </c:pt>
+                <c:pt idx="26">
+                  <c:v>5.227801182246214</c:v>
                 </c:pt>
               </c:numCache>
             </c:numRef>
@@ -434,7 +505,7 @@
               <c:strCache>
                 <c:ptCount val="1"/>
                 <c:pt idx="0">
-                  <c:v>DEFAULTS</c:v>
+                  <c:v>PREDATOR</c:v>
                 </c:pt>
               </c:strCache>
             </c:strRef>
@@ -444,18 +515,11 @@
               <a:schemeClr val="tx1"/>
             </a:solidFill>
           </c:spPr>
-          <c:dLbls>
-            <c:dLbl>
-              <c:idx val="1"/>
-              <c:showVal val="1"/>
-            </c:dLbl>
-            <c:delete val="1"/>
-          </c:dLbls>
           <c:cat>
             <c:strRef>
-              <c:f>Performance!$E$2:$E$21</c:f>
+              <c:f>Performance!$E$2:$E$28</c:f>
               <c:strCache>
-                <c:ptCount val="20"/>
+                <c:ptCount val="27"/>
                 <c:pt idx="0">
                   <c:v>Phoenix</c:v>
                 </c:pt>
@@ -510,7 +574,28 @@
                 <c:pt idx="17">
                   <c:v>x264 </c:v>
                 </c:pt>
+                <c:pt idx="18">
+                  <c:v>RealApplications</c:v>
+                </c:pt>
                 <c:pt idx="19">
+                  <c:v>aget</c:v>
+                </c:pt>
+                <c:pt idx="20">
+                  <c:v>Boost</c:v>
+                </c:pt>
+                <c:pt idx="21">
+                  <c:v>Memcached</c:v>
+                </c:pt>
+                <c:pt idx="22">
+                  <c:v>MySQL</c:v>
+                </c:pt>
+                <c:pt idx="23">
+                  <c:v>pbzip2</c:v>
+                </c:pt>
+                <c:pt idx="24">
+                  <c:v>pfscan</c:v>
+                </c:pt>
+                <c:pt idx="26">
                   <c:v>AVERAGE</c:v>
                 </c:pt>
               </c:strCache>
@@ -518,10 +603,10 @@
           </c:cat>
           <c:val>
             <c:numRef>
-              <c:f>Performance!$H$2:$H$21</c:f>
+              <c:f>Performance!$H$2:$H$28</c:f>
               <c:numCache>
                 <c:formatCode>General</c:formatCode>
-                <c:ptCount val="20"/>
+                <c:ptCount val="27"/>
                 <c:pt idx="1">
                   <c:v>26.52222222312382</c:v>
                 </c:pt>
@@ -571,17 +656,35 @@
                   <c:v>1.155248271480525</c:v>
                 </c:pt>
                 <c:pt idx="19">
-                  <c:v>6.699413487025245</c:v>
+                  <c:v>1.024932735426009</c:v>
+                </c:pt>
+                <c:pt idx="20">
+                  <c:v>3.980030062366072</c:v>
+                </c:pt>
+                <c:pt idx="21">
+                  <c:v>1.033006840667728</c:v>
+                </c:pt>
+                <c:pt idx="22">
+                  <c:v>2.717324185270465</c:v>
+                </c:pt>
+                <c:pt idx="23">
+                  <c:v>1.011680537302189</c:v>
+                </c:pt>
+                <c:pt idx="24">
+                  <c:v>0.997654497238425</c:v>
+                </c:pt>
+                <c:pt idx="26">
+                  <c:v>5.361602029576126</c:v>
                 </c:pt>
               </c:numCache>
             </c:numRef>
           </c:val>
         </c:ser>
-        <c:axId val="250798472"/>
-        <c:axId val="250801688"/>
+        <c:axId val="242241384"/>
+        <c:axId val="242229432"/>
       </c:barChart>
       <c:catAx>
-        <c:axId val="250798472"/>
+        <c:axId val="242241384"/>
         <c:scaling>
           <c:orientation val="minMax"/>
         </c:scaling>
@@ -597,40 +700,60 @@
             <a:endParaRPr lang="en-US"/>
           </a:p>
         </c:txPr>
-        <c:crossAx val="250801688"/>
+        <c:crossAx val="242229432"/>
         <c:crosses val="autoZero"/>
         <c:auto val="1"/>
         <c:lblAlgn val="ctr"/>
         <c:lblOffset val="100"/>
       </c:catAx>
       <c:valAx>
-        <c:axId val="250801688"/>
+        <c:axId val="242229432"/>
         <c:scaling>
           <c:orientation val="minMax"/>
-          <c:max val="16.0"/>
+          <c:max val="15.0"/>
+          <c:min val="0.0"/>
         </c:scaling>
         <c:axPos val="l"/>
         <c:majorGridlines/>
+        <c:title>
+          <c:tx>
+            <c:rich>
+              <a:bodyPr/>
+              <a:lstStyle/>
+              <a:p>
+                <a:pPr>
+                  <a:defRPr sz="1200"/>
+                </a:pPr>
+                <a:r>
+                  <a:rPr lang="en-US" sz="1200"/>
+                  <a:t>Normalized Runtime</a:t>
+                </a:r>
+              </a:p>
+            </c:rich>
+          </c:tx>
+          <c:layout/>
+        </c:title>
         <c:numFmt formatCode="General" sourceLinked="1"/>
         <c:tickLblPos val="nextTo"/>
-        <c:crossAx val="250798472"/>
+        <c:crossAx val="242241384"/>
         <c:crosses val="autoZero"/>
         <c:crossBetween val="between"/>
-        <c:majorUnit val="2.0"/>
+        <c:majorUnit val="3.0"/>
       </c:valAx>
     </c:plotArea>
     <c:legend>
       <c:legendPos val="r"/>
-      <c:layout>
-        <c:manualLayout>
-          <c:xMode val="edge"/>
-          <c:yMode val="edge"/>
-          <c:x val="0.802110922214269"/>
-          <c:y val="0.252138446722937"/>
-          <c:w val="0.17137392627058"/>
-          <c:h val="0.243924191355577"/>
-        </c:manualLayout>
-      </c:layout>
+      <c:layout/>
+      <c:txPr>
+        <a:bodyPr/>
+        <a:lstStyle/>
+        <a:p>
+          <a:pPr>
+            <a:defRPr b="1"/>
+          </a:pPr>
+          <a:endParaRPr lang="en-US"/>
+        </a:p>
+      </c:txPr>
     </c:legend>
     <c:plotVisOnly val="1"/>
   </c:chart>
@@ -655,158 +778,11 @@
           <c:order val="0"/>
           <c:tx>
             <c:strRef>
-              <c:f>Performance!$F$1</c:f>
+              <c:f>MemoryUsage!$E$1</c:f>
               <c:strCache>
                 <c:ptCount val="1"/>
                 <c:pt idx="0">
                   <c:v>Original</c:v>
-                </c:pt>
-              </c:strCache>
-            </c:strRef>
-          </c:tx>
-          <c:spPr>
-            <a:solidFill>
-              <a:schemeClr val="bg1">
-                <a:lumMod val="50000"/>
-              </a:schemeClr>
-            </a:solidFill>
-          </c:spPr>
-          <c:cat>
-            <c:strRef>
-              <c:f>Performance!$E$2:$E$21</c:f>
-              <c:strCache>
-                <c:ptCount val="20"/>
-                <c:pt idx="0">
-                  <c:v>Phoenix</c:v>
-                </c:pt>
-                <c:pt idx="1">
-                  <c:v>histogram</c:v>
-                </c:pt>
-                <c:pt idx="2">
-                  <c:v>kmeans</c:v>
-                </c:pt>
-                <c:pt idx="3">
-                  <c:v>linear_regression</c:v>
-                </c:pt>
-                <c:pt idx="4">
-                  <c:v>matrix_multiply</c:v>
-                </c:pt>
-                <c:pt idx="5">
-                  <c:v>pca</c:v>
-                </c:pt>
-                <c:pt idx="6">
-                  <c:v>reverse_index</c:v>
-                </c:pt>
-                <c:pt idx="7">
-                  <c:v>string_match</c:v>
-                </c:pt>
-                <c:pt idx="8">
-                  <c:v>word_count</c:v>
-                </c:pt>
-                <c:pt idx="9">
-                  <c:v>PARSEC</c:v>
-                </c:pt>
-                <c:pt idx="10">
-                  <c:v>blackscholes </c:v>
-                </c:pt>
-                <c:pt idx="11">
-                  <c:v>bodytrack </c:v>
-                </c:pt>
-                <c:pt idx="12">
-                  <c:v>dedup </c:v>
-                </c:pt>
-                <c:pt idx="13">
-                  <c:v>ferret </c:v>
-                </c:pt>
-                <c:pt idx="14">
-                  <c:v>fluidanimate </c:v>
-                </c:pt>
-                <c:pt idx="15">
-                  <c:v>streamcluster </c:v>
-                </c:pt>
-                <c:pt idx="16">
-                  <c:v>swaptions </c:v>
-                </c:pt>
-                <c:pt idx="17">
-                  <c:v>x264 </c:v>
-                </c:pt>
-                <c:pt idx="19">
-                  <c:v>AVERAGE</c:v>
-                </c:pt>
-              </c:strCache>
-            </c:strRef>
-          </c:cat>
-          <c:val>
-            <c:numRef>
-              <c:f>Performance!$F$2:$F$21</c:f>
-              <c:numCache>
-                <c:formatCode>General</c:formatCode>
-                <c:ptCount val="20"/>
-                <c:pt idx="1">
-                  <c:v>1.0</c:v>
-                </c:pt>
-                <c:pt idx="2">
-                  <c:v>1.0</c:v>
-                </c:pt>
-                <c:pt idx="3">
-                  <c:v>1.0</c:v>
-                </c:pt>
-                <c:pt idx="4">
-                  <c:v>1.0</c:v>
-                </c:pt>
-                <c:pt idx="5">
-                  <c:v>1.0</c:v>
-                </c:pt>
-                <c:pt idx="6">
-                  <c:v>1.0</c:v>
-                </c:pt>
-                <c:pt idx="7">
-                  <c:v>1.0</c:v>
-                </c:pt>
-                <c:pt idx="8">
-                  <c:v>1.0</c:v>
-                </c:pt>
-                <c:pt idx="10">
-                  <c:v>1.0</c:v>
-                </c:pt>
-                <c:pt idx="11">
-                  <c:v>1.0</c:v>
-                </c:pt>
-                <c:pt idx="12">
-                  <c:v>1.0</c:v>
-                </c:pt>
-                <c:pt idx="13">
-                  <c:v>1.0</c:v>
-                </c:pt>
-                <c:pt idx="14">
-                  <c:v>1.0</c:v>
-                </c:pt>
-                <c:pt idx="15">
-                  <c:v>1.0</c:v>
-                </c:pt>
-                <c:pt idx="16">
-                  <c:v>1.0</c:v>
-                </c:pt>
-                <c:pt idx="17">
-                  <c:v>1.0</c:v>
-                </c:pt>
-                <c:pt idx="19">
-                  <c:v>1.0</c:v>
-                </c:pt>
-              </c:numCache>
-            </c:numRef>
-          </c:val>
-        </c:ser>
-        <c:ser>
-          <c:idx val="1"/>
-          <c:order val="1"/>
-          <c:tx>
-            <c:strRef>
-              <c:f>Performance!$G$1</c:f>
-              <c:strCache>
-                <c:ptCount val="1"/>
-                <c:pt idx="0">
-                  <c:v>DEFAULTS-NoPred</c:v>
                 </c:pt>
               </c:strCache>
             </c:strRef>
@@ -814,16 +790,16 @@
           <c:spPr>
             <a:solidFill>
               <a:schemeClr val="tx1">
-                <a:lumMod val="65000"/>
-                <a:lumOff val="35000"/>
+                <a:lumMod val="50000"/>
+                <a:lumOff val="50000"/>
               </a:schemeClr>
             </a:solidFill>
           </c:spPr>
           <c:cat>
             <c:strRef>
-              <c:f>Performance!$E$2:$E$21</c:f>
+              <c:f>MemoryUsage!$D$2:$D$28</c:f>
               <c:strCache>
-                <c:ptCount val="20"/>
+                <c:ptCount val="27"/>
                 <c:pt idx="0">
                   <c:v>Phoenix</c:v>
                 </c:pt>
@@ -878,7 +854,28 @@
                 <c:pt idx="17">
                   <c:v>x264 </c:v>
                 </c:pt>
+                <c:pt idx="18">
+                  <c:v>RealApplications</c:v>
+                </c:pt>
                 <c:pt idx="19">
+                  <c:v>aget</c:v>
+                </c:pt>
+                <c:pt idx="20">
+                  <c:v>Boost</c:v>
+                </c:pt>
+                <c:pt idx="21">
+                  <c:v>Memcached</c:v>
+                </c:pt>
+                <c:pt idx="22">
+                  <c:v>MySQL</c:v>
+                </c:pt>
+                <c:pt idx="23">
+                  <c:v>pbzip2</c:v>
+                </c:pt>
+                <c:pt idx="24">
+                  <c:v>pfscan</c:v>
+                </c:pt>
+                <c:pt idx="26">
                   <c:v>AVERAGE</c:v>
                 </c:pt>
               </c:strCache>
@@ -886,402 +883,10 @@
           </c:cat>
           <c:val>
             <c:numRef>
-              <c:f>Performance!$G$2:$G$21</c:f>
+              <c:f>MemoryUsage!$E$2:$E$28</c:f>
               <c:numCache>
                 <c:formatCode>General</c:formatCode>
-                <c:ptCount val="20"/>
-                <c:pt idx="1">
-                  <c:v>23.43650793719243</c:v>
-                </c:pt>
-                <c:pt idx="2">
-                  <c:v>12.30162977377767</c:v>
-                </c:pt>
-                <c:pt idx="3">
-                  <c:v>3.246626091537444</c:v>
-                </c:pt>
-                <c:pt idx="4">
-                  <c:v>1.451512905174464</c:v>
-                </c:pt>
-                <c:pt idx="5">
-                  <c:v>3.585815338811545</c:v>
-                </c:pt>
-                <c:pt idx="6">
-                  <c:v>6.97308367472883</c:v>
-                </c:pt>
-                <c:pt idx="7">
-                  <c:v>2.454966546504829</c:v>
-                </c:pt>
-                <c:pt idx="8">
-                  <c:v>3.449282296735483</c:v>
-                </c:pt>
-                <c:pt idx="10">
-                  <c:v>1.216110019634419</c:v>
-                </c:pt>
-                <c:pt idx="11">
-                  <c:v>8.844773789998928</c:v>
-                </c:pt>
-                <c:pt idx="12">
-                  <c:v>2.822429906274356</c:v>
-                </c:pt>
-                <c:pt idx="13">
-                  <c:v>11.87440139326621</c:v>
-                </c:pt>
-                <c:pt idx="14">
-                  <c:v>5.115598885399166</c:v>
-                </c:pt>
-                <c:pt idx="15">
-                  <c:v>5.878500646307626</c:v>
-                </c:pt>
-                <c:pt idx="16">
-                  <c:v>10.57627593942535</c:v>
-                </c:pt>
-                <c:pt idx="17">
-                  <c:v>1.131678189798801</c:v>
-                </c:pt>
-                <c:pt idx="19">
-                  <c:v>6.522449583410472</c:v>
-                </c:pt>
-              </c:numCache>
-            </c:numRef>
-          </c:val>
-        </c:ser>
-        <c:ser>
-          <c:idx val="2"/>
-          <c:order val="2"/>
-          <c:tx>
-            <c:strRef>
-              <c:f>Performance!$H$1</c:f>
-              <c:strCache>
-                <c:ptCount val="1"/>
-                <c:pt idx="0">
-                  <c:v>DEFAULTS</c:v>
-                </c:pt>
-              </c:strCache>
-            </c:strRef>
-          </c:tx>
-          <c:spPr>
-            <a:solidFill>
-              <a:schemeClr val="tx1"/>
-            </a:solidFill>
-          </c:spPr>
-          <c:cat>
-            <c:strRef>
-              <c:f>Performance!$E$2:$E$21</c:f>
-              <c:strCache>
-                <c:ptCount val="20"/>
-                <c:pt idx="0">
-                  <c:v>Phoenix</c:v>
-                </c:pt>
-                <c:pt idx="1">
-                  <c:v>histogram</c:v>
-                </c:pt>
-                <c:pt idx="2">
-                  <c:v>kmeans</c:v>
-                </c:pt>
-                <c:pt idx="3">
-                  <c:v>linear_regression</c:v>
-                </c:pt>
-                <c:pt idx="4">
-                  <c:v>matrix_multiply</c:v>
-                </c:pt>
-                <c:pt idx="5">
-                  <c:v>pca</c:v>
-                </c:pt>
-                <c:pt idx="6">
-                  <c:v>reverse_index</c:v>
-                </c:pt>
-                <c:pt idx="7">
-                  <c:v>string_match</c:v>
-                </c:pt>
-                <c:pt idx="8">
-                  <c:v>word_count</c:v>
-                </c:pt>
-                <c:pt idx="9">
-                  <c:v>PARSEC</c:v>
-                </c:pt>
-                <c:pt idx="10">
-                  <c:v>blackscholes </c:v>
-                </c:pt>
-                <c:pt idx="11">
-                  <c:v>bodytrack </c:v>
-                </c:pt>
-                <c:pt idx="12">
-                  <c:v>dedup </c:v>
-                </c:pt>
-                <c:pt idx="13">
-                  <c:v>ferret </c:v>
-                </c:pt>
-                <c:pt idx="14">
-                  <c:v>fluidanimate </c:v>
-                </c:pt>
-                <c:pt idx="15">
-                  <c:v>streamcluster </c:v>
-                </c:pt>
-                <c:pt idx="16">
-                  <c:v>swaptions </c:v>
-                </c:pt>
-                <c:pt idx="17">
-                  <c:v>x264 </c:v>
-                </c:pt>
-                <c:pt idx="19">
-                  <c:v>AVERAGE</c:v>
-                </c:pt>
-              </c:strCache>
-            </c:strRef>
-          </c:cat>
-          <c:val>
-            <c:numRef>
-              <c:f>Performance!$H$2:$H$21</c:f>
-              <c:numCache>
-                <c:formatCode>General</c:formatCode>
-                <c:ptCount val="20"/>
-                <c:pt idx="1">
-                  <c:v>26.52222222312382</c:v>
-                </c:pt>
-                <c:pt idx="2">
-                  <c:v>12.0924349306738</c:v>
-                </c:pt>
-                <c:pt idx="3">
-                  <c:v>3.254829319925906</c:v>
-                </c:pt>
-                <c:pt idx="4">
-                  <c:v>1.465260462287403</c:v>
-                </c:pt>
-                <c:pt idx="5">
-                  <c:v>3.587118391683232</c:v>
-                </c:pt>
-                <c:pt idx="6">
-                  <c:v>6.977179637233256</c:v>
-                </c:pt>
-                <c:pt idx="7">
-                  <c:v>2.522388059606056</c:v>
-                </c:pt>
-                <c:pt idx="8">
-                  <c:v>3.43157894749099</c:v>
-                </c:pt>
-                <c:pt idx="10">
-                  <c:v>1.214882121805355</c:v>
-                </c:pt>
-                <c:pt idx="11">
-                  <c:v>8.872074882102456</c:v>
-                </c:pt>
-                <c:pt idx="12">
-                  <c:v>2.859813083874574</c:v>
-                </c:pt>
-                <c:pt idx="13">
-                  <c:v>11.65280801059046</c:v>
-                </c:pt>
-                <c:pt idx="14">
-                  <c:v>5.114902506457724</c:v>
-                </c:pt>
-                <c:pt idx="15">
-                  <c:v>5.875053856062042</c:v>
-                </c:pt>
-                <c:pt idx="16">
-                  <c:v>10.59282108800632</c:v>
-                </c:pt>
-                <c:pt idx="17">
-                  <c:v>1.155248271480525</c:v>
-                </c:pt>
-                <c:pt idx="19">
-                  <c:v>6.699413487025245</c:v>
-                </c:pt>
-              </c:numCache>
-            </c:numRef>
-          </c:val>
-        </c:ser>
-        <c:axId val="458332920"/>
-        <c:axId val="250867592"/>
-      </c:barChart>
-      <c:catAx>
-        <c:axId val="458332920"/>
-        <c:scaling>
-          <c:orientation val="minMax"/>
-        </c:scaling>
-        <c:axPos val="b"/>
-        <c:tickLblPos val="nextTo"/>
-        <c:txPr>
-          <a:bodyPr rot="-2700000"/>
-          <a:lstStyle/>
-          <a:p>
-            <a:pPr>
-              <a:defRPr sz="1000" b="1"/>
-            </a:pPr>
-            <a:endParaRPr lang="en-US"/>
-          </a:p>
-        </c:txPr>
-        <c:crossAx val="250867592"/>
-        <c:crosses val="autoZero"/>
-        <c:auto val="1"/>
-        <c:lblAlgn val="ctr"/>
-        <c:lblOffset val="100"/>
-      </c:catAx>
-      <c:valAx>
-        <c:axId val="250867592"/>
-        <c:scaling>
-          <c:orientation val="minMax"/>
-          <c:max val="16.0"/>
-        </c:scaling>
-        <c:axPos val="l"/>
-        <c:majorGridlines/>
-        <c:title>
-          <c:tx>
-            <c:rich>
-              <a:bodyPr/>
-              <a:lstStyle/>
-              <a:p>
-                <a:pPr>
-                  <a:defRPr/>
-                </a:pPr>
-                <a:r>
-                  <a:rPr lang="en-US"/>
-                  <a:t>Normalized Runtime</a:t>
-                </a:r>
-              </a:p>
-            </c:rich>
-          </c:tx>
-          <c:layout/>
-        </c:title>
-        <c:numFmt formatCode="General" sourceLinked="1"/>
-        <c:tickLblPos val="nextTo"/>
-        <c:crossAx val="458332920"/>
-        <c:crosses val="autoZero"/>
-        <c:crossBetween val="between"/>
-        <c:majorUnit val="2.0"/>
-      </c:valAx>
-    </c:plotArea>
-    <c:legend>
-      <c:legendPos val="r"/>
-      <c:layout>
-        <c:manualLayout>
-          <c:xMode val="edge"/>
-          <c:yMode val="edge"/>
-          <c:x val="0.805898801002147"/>
-          <c:y val="0.256634849600634"/>
-          <c:w val="0.17137392627058"/>
-          <c:h val="0.243924191355577"/>
-        </c:manualLayout>
-      </c:layout>
-      <c:txPr>
-        <a:bodyPr/>
-        <a:lstStyle/>
-        <a:p>
-          <a:pPr>
-            <a:defRPr sz="1000" b="1"/>
-          </a:pPr>
-          <a:endParaRPr lang="en-US"/>
-        </a:p>
-      </c:txPr>
-    </c:legend>
-    <c:plotVisOnly val="1"/>
-  </c:chart>
-  <c:externalData r:id="rId1"/>
-</c:chartSpace>
-</file>
-
-<file path=ppt/charts/chart3.xml><?xml version="1.0" encoding="utf-8"?>
-<c:chartSpace xmlns:c="http://schemas.openxmlformats.org/drawingml/2006/chart" xmlns:a="http://schemas.openxmlformats.org/drawingml/2006/main" xmlns:r="http://schemas.openxmlformats.org/officeDocument/2006/relationships">
-  <c:date1904 val="1"/>
-  <c:lang val="en-US"/>
-  <c:style val="18"/>
-  <c:chart>
-    <c:plotArea>
-      <c:layout/>
-      <c:barChart>
-        <c:barDir val="col"/>
-        <c:grouping val="clustered"/>
-        <c:ser>
-          <c:idx val="0"/>
-          <c:order val="0"/>
-          <c:tx>
-            <c:strRef>
-              <c:f>MemoryUsage!$E$1</c:f>
-              <c:strCache>
-                <c:ptCount val="1"/>
-                <c:pt idx="0">
-                  <c:v>Original</c:v>
-                </c:pt>
-              </c:strCache>
-            </c:strRef>
-          </c:tx>
-          <c:spPr>
-            <a:solidFill>
-              <a:schemeClr val="bg1">
-                <a:lumMod val="65000"/>
-              </a:schemeClr>
-            </a:solidFill>
-          </c:spPr>
-          <c:cat>
-            <c:strRef>
-              <c:f>MemoryUsage!$D$2:$D$21</c:f>
-              <c:strCache>
-                <c:ptCount val="20"/>
-                <c:pt idx="0">
-                  <c:v>Phoenix</c:v>
-                </c:pt>
-                <c:pt idx="1">
-                  <c:v>histogram</c:v>
-                </c:pt>
-                <c:pt idx="2">
-                  <c:v>kmeans</c:v>
-                </c:pt>
-                <c:pt idx="3">
-                  <c:v>linear_regression</c:v>
-                </c:pt>
-                <c:pt idx="4">
-                  <c:v>matrix_multiply</c:v>
-                </c:pt>
-                <c:pt idx="5">
-                  <c:v>pca</c:v>
-                </c:pt>
-                <c:pt idx="6">
-                  <c:v>reverse_index</c:v>
-                </c:pt>
-                <c:pt idx="7">
-                  <c:v>string_match</c:v>
-                </c:pt>
-                <c:pt idx="8">
-                  <c:v>word_count</c:v>
-                </c:pt>
-                <c:pt idx="9">
-                  <c:v>PARSEC</c:v>
-                </c:pt>
-                <c:pt idx="10">
-                  <c:v>blackscholes </c:v>
-                </c:pt>
-                <c:pt idx="11">
-                  <c:v>bodytrack </c:v>
-                </c:pt>
-                <c:pt idx="12">
-                  <c:v>dedup </c:v>
-                </c:pt>
-                <c:pt idx="13">
-                  <c:v>ferret </c:v>
-                </c:pt>
-                <c:pt idx="14">
-                  <c:v>fluidanimate </c:v>
-                </c:pt>
-                <c:pt idx="15">
-                  <c:v>streamcluster </c:v>
-                </c:pt>
-                <c:pt idx="16">
-                  <c:v>swaptions </c:v>
-                </c:pt>
-                <c:pt idx="17">
-                  <c:v>x264 </c:v>
-                </c:pt>
-                <c:pt idx="19">
-                  <c:v>AVERAGE</c:v>
-                </c:pt>
-              </c:strCache>
-            </c:strRef>
-          </c:cat>
-          <c:val>
-            <c:numRef>
-              <c:f>MemoryUsage!$E$2:$E$21</c:f>
-              <c:numCache>
-                <c:formatCode>General</c:formatCode>
-                <c:ptCount val="20"/>
+                <c:ptCount val="27"/>
                 <c:pt idx="1">
                   <c:v>1.0</c:v>
                 </c:pt>
@@ -1331,6 +936,24 @@
                   <c:v>1.0</c:v>
                 </c:pt>
                 <c:pt idx="19">
+                  <c:v>1.0</c:v>
+                </c:pt>
+                <c:pt idx="20">
+                  <c:v>1.0</c:v>
+                </c:pt>
+                <c:pt idx="21">
+                  <c:v>1.0</c:v>
+                </c:pt>
+                <c:pt idx="22">
+                  <c:v>1.0</c:v>
+                </c:pt>
+                <c:pt idx="23">
+                  <c:v>1.0</c:v>
+                </c:pt>
+                <c:pt idx="24">
+                  <c:v>1.0</c:v>
+                </c:pt>
+                <c:pt idx="26">
                   <c:v>1.0</c:v>
                 </c:pt>
               </c:numCache>
@@ -1346,7 +969,7 @@
               <c:strCache>
                 <c:ptCount val="1"/>
                 <c:pt idx="0">
-                  <c:v>DEFAULTS</c:v>
+                  <c:v>PREDATOR</c:v>
                 </c:pt>
               </c:strCache>
             </c:strRef>
@@ -1354,16 +977,16 @@
           <c:spPr>
             <a:solidFill>
               <a:schemeClr val="tx1">
-                <a:lumMod val="75000"/>
-                <a:lumOff val="25000"/>
+                <a:lumMod val="95000"/>
+                <a:lumOff val="5000"/>
               </a:schemeClr>
             </a:solidFill>
           </c:spPr>
           <c:cat>
             <c:strRef>
-              <c:f>MemoryUsage!$D$2:$D$21</c:f>
+              <c:f>MemoryUsage!$D$2:$D$28</c:f>
               <c:strCache>
-                <c:ptCount val="20"/>
+                <c:ptCount val="27"/>
                 <c:pt idx="0">
                   <c:v>Phoenix</c:v>
                 </c:pt>
@@ -1418,7 +1041,28 @@
                 <c:pt idx="17">
                   <c:v>x264 </c:v>
                 </c:pt>
+                <c:pt idx="18">
+                  <c:v>RealApplications</c:v>
+                </c:pt>
                 <c:pt idx="19">
+                  <c:v>aget</c:v>
+                </c:pt>
+                <c:pt idx="20">
+                  <c:v>Boost</c:v>
+                </c:pt>
+                <c:pt idx="21">
+                  <c:v>Memcached</c:v>
+                </c:pt>
+                <c:pt idx="22">
+                  <c:v>MySQL</c:v>
+                </c:pt>
+                <c:pt idx="23">
+                  <c:v>pbzip2</c:v>
+                </c:pt>
+                <c:pt idx="24">
+                  <c:v>pfscan</c:v>
+                </c:pt>
+                <c:pt idx="26">
                   <c:v>AVERAGE</c:v>
                 </c:pt>
               </c:strCache>
@@ -1426,10 +1070,10 @@
           </c:cat>
           <c:val>
             <c:numRef>
-              <c:f>MemoryUsage!$F$2:$F$21</c:f>
+              <c:f>MemoryUsage!$F$2:$F$28</c:f>
               <c:numCache>
                 <c:formatCode>General</c:formatCode>
-                <c:ptCount val="20"/>
+                <c:ptCount val="27"/>
                 <c:pt idx="1">
                   <c:v>1.00074625614805</c:v>
                 </c:pt>
@@ -1461,7 +1105,7 @@
                   <c:v>1.204174019795903</c:v>
                 </c:pt>
                 <c:pt idx="12">
-                  <c:v>1.55355846467296</c:v>
+                  <c:v>1.553558464672959</c:v>
                 </c:pt>
                 <c:pt idx="13">
                   <c:v>1.699192610976721</c:v>
@@ -1479,17 +1123,35 @@
                   <c:v>1.173557607481033</c:v>
                 </c:pt>
                 <c:pt idx="19">
-                  <c:v>1.64607082596945</c:v>
+                  <c:v>6.835761589403973</c:v>
+                </c:pt>
+                <c:pt idx="20">
+                  <c:v>1.419657631096002</c:v>
+                </c:pt>
+                <c:pt idx="21">
+                  <c:v>1.0</c:v>
+                </c:pt>
+                <c:pt idx="22">
+                  <c:v>10.35185129349334</c:v>
+                </c:pt>
+                <c:pt idx="23">
+                  <c:v>1.567336510843775</c:v>
+                </c:pt>
+                <c:pt idx="24">
+                  <c:v>1.116584425310862</c:v>
+                </c:pt>
+                <c:pt idx="26">
+                  <c:v>2.210378393893598</c:v>
                 </c:pt>
               </c:numCache>
             </c:numRef>
           </c:val>
         </c:ser>
-        <c:axId val="225121480"/>
-        <c:axId val="225112568"/>
+        <c:axId val="210795128"/>
+        <c:axId val="242582408"/>
       </c:barChart>
       <c:catAx>
-        <c:axId val="225121480"/>
+        <c:axId val="210795128"/>
         <c:scaling>
           <c:orientation val="minMax"/>
         </c:scaling>
@@ -1505,17 +1167,17 @@
             <a:endParaRPr lang="en-US"/>
           </a:p>
         </c:txPr>
-        <c:crossAx val="225112568"/>
+        <c:crossAx val="242582408"/>
         <c:crosses val="autoZero"/>
         <c:auto val="1"/>
         <c:lblAlgn val="ctr"/>
         <c:lblOffset val="100"/>
       </c:catAx>
       <c:valAx>
-        <c:axId val="225112568"/>
+        <c:axId val="242582408"/>
         <c:scaling>
           <c:orientation val="minMax"/>
-          <c:max val="1.8"/>
+          <c:max val="2.5"/>
           <c:min val="0.0"/>
         </c:scaling>
         <c:axPos val="l"/>
@@ -1527,19 +1189,20 @@
               <a:lstStyle/>
               <a:p>
                 <a:pPr>
-                  <a:defRPr/>
+                  <a:defRPr sz="1200"/>
                 </a:pPr>
                 <a:r>
-                  <a:rPr lang="en-US" dirty="0"/>
+                  <a:rPr lang="en-US" sz="1200"/>
                   <a:t>Normalized Memory Uage</a:t>
                 </a:r>
               </a:p>
             </c:rich>
           </c:tx>
+          <c:layout/>
         </c:title>
         <c:numFmt formatCode="General" sourceLinked="1"/>
         <c:tickLblPos val="nextTo"/>
-        <c:crossAx val="225121480"/>
+        <c:crossAx val="210795128"/>
         <c:crosses val="autoZero"/>
         <c:crossBetween val="between"/>
         <c:majorUnit val="0.5"/>
@@ -1562,7 +1225,7 @@
         <a:lstStyle/>
         <a:p>
           <a:pPr>
-            <a:defRPr b="1" i="0"/>
+            <a:defRPr sz="1200" b="1" i="0"/>
           </a:pPr>
           <a:endParaRPr lang="en-US"/>
         </a:p>
@@ -1571,6 +1234,7 @@
     <c:plotVisOnly val="1"/>
   </c:chart>
   <c:externalData r:id="rId1"/>
+  <c:userShapes r:id="rId2"/>
 </c:chartSpace>
 </file>
 
@@ -1578,12 +1242,12 @@
 <c:userShapes xmlns:c="http://schemas.openxmlformats.org/drawingml/2006/chart">
   <cdr:relSizeAnchor xmlns:cdr="http://schemas.openxmlformats.org/drawingml/2006/chartDrawing">
     <cdr:from>
-      <cdr:x>0.06439</cdr:x>
-      <cdr:y>0.13489</cdr:y>
+      <cdr:x>0.09637</cdr:x>
+      <cdr:y>0.07188</cdr:y>
     </cdr:from>
     <cdr:to>
-      <cdr:x>0.11869</cdr:x>
-      <cdr:y>0.2488</cdr:y>
+      <cdr:x>0.12466</cdr:x>
+      <cdr:y>0.15389</cdr:y>
     </cdr:to>
     <cdr:sp macro="" textlink="">
       <cdr:nvSpPr>
@@ -1592,8 +1256,8 @@
       </cdr:nvSpPr>
       <cdr:spPr>
         <a:xfrm xmlns:a="http://schemas.openxmlformats.org/drawingml/2006/main">
-          <a:off x="431799" y="381000"/>
-          <a:ext cx="364067" cy="321734"/>
+          <a:off x="749808" y="228600"/>
+          <a:ext cx="220133" cy="260773"/>
         </a:xfrm>
         <a:prstGeom xmlns:a="http://schemas.openxmlformats.org/drawingml/2006/main" prst="rect">
           <a:avLst/>
@@ -1605,7 +1269,7 @@
         <a:p xmlns:a="http://schemas.openxmlformats.org/drawingml/2006/main">
           <a:r>
             <a:rPr lang="en-US" sz="1100" dirty="0" smtClean="0"/>
-            <a:t>23.4</a:t>
+            <a:t>23</a:t>
           </a:r>
           <a:endParaRPr lang="en-US" sz="1100" dirty="0"/>
         </a:p>
@@ -1614,12 +1278,12 @@
   </cdr:relSizeAnchor>
   <cdr:relSizeAnchor xmlns:cdr="http://schemas.openxmlformats.org/drawingml/2006/chartDrawing">
     <cdr:from>
-      <cdr:x>0.11364</cdr:x>
-      <cdr:y>0.06595</cdr:y>
+      <cdr:x>0.14146</cdr:x>
+      <cdr:y>0.04792</cdr:y>
     </cdr:from>
     <cdr:to>
-      <cdr:x>0.17424</cdr:x>
-      <cdr:y>0.15887</cdr:y>
+      <cdr:x>0.17628</cdr:x>
+      <cdr:y>0.14111</cdr:y>
     </cdr:to>
     <cdr:sp macro="" textlink="">
       <cdr:nvSpPr>
@@ -1628,8 +1292,49 @@
       </cdr:nvSpPr>
       <cdr:spPr>
         <a:xfrm xmlns:a="http://schemas.openxmlformats.org/drawingml/2006/main">
-          <a:off x="762000" y="186267"/>
-          <a:ext cx="406400" cy="262467"/>
+          <a:off x="1100667" y="152400"/>
+          <a:ext cx="270933" cy="296334"/>
+        </a:xfrm>
+        <a:prstGeom xmlns:a="http://schemas.openxmlformats.org/drawingml/2006/main" prst="rect">
+          <a:avLst/>
+        </a:prstGeom>
+      </cdr:spPr>
+      <cdr:txBody>
+        <a:bodyPr xmlns:a="http://schemas.openxmlformats.org/drawingml/2006/main" wrap="none" lIns="0" rtlCol="0"/>
+        <a:lstStyle xmlns:a="http://schemas.openxmlformats.org/drawingml/2006/main"/>
+        <a:p xmlns:a="http://schemas.openxmlformats.org/drawingml/2006/main">
+          <a:r>
+            <a:rPr lang="en-US" sz="1100" dirty="0" smtClean="0"/>
+            <a:t>26</a:t>
+          </a:r>
+          <a:endParaRPr lang="en-US" sz="1100" dirty="0"/>
+        </a:p>
+      </cdr:txBody>
+    </cdr:sp>
+  </cdr:relSizeAnchor>
+</c:userShapes>
+</file>
+
+<file path=ppt/drawings/drawing2.xml><?xml version="1.0" encoding="utf-8"?>
+<c:userShapes xmlns:c="http://schemas.openxmlformats.org/drawingml/2006/chart">
+  <cdr:relSizeAnchor xmlns:cdr="http://schemas.openxmlformats.org/drawingml/2006/chartDrawing">
+    <cdr:from>
+      <cdr:x>0.51702</cdr:x>
+      <cdr:y>0.04768</cdr:y>
+    </cdr:from>
+    <cdr:to>
+      <cdr:x>0.57271</cdr:x>
+      <cdr:y>0.15495</cdr:y>
+    </cdr:to>
+    <cdr:sp macro="" textlink="">
+      <cdr:nvSpPr>
+        <cdr:cNvPr id="2" name="TextBox 1"/>
+        <cdr:cNvSpPr txBox="1"/>
+      </cdr:nvSpPr>
+      <cdr:spPr>
+        <a:xfrm xmlns:a="http://schemas.openxmlformats.org/drawingml/2006/main">
+          <a:off x="4032504" y="146931"/>
+          <a:ext cx="434361" cy="330593"/>
         </a:xfrm>
         <a:prstGeom xmlns:a="http://schemas.openxmlformats.org/drawingml/2006/main" prst="rect">
           <a:avLst/>
@@ -1641,7 +1346,175 @@
         <a:p xmlns:a="http://schemas.openxmlformats.org/drawingml/2006/main">
           <a:r>
             <a:rPr lang="en-US" sz="1100" dirty="0" smtClean="0"/>
-            <a:t>26.5</a:t>
+            <a:t>7.8</a:t>
+          </a:r>
+          <a:endParaRPr lang="en-US" sz="1100" dirty="0"/>
+        </a:p>
+      </cdr:txBody>
+    </cdr:sp>
+  </cdr:relSizeAnchor>
+  <cdr:relSizeAnchor xmlns:cdr="http://schemas.openxmlformats.org/drawingml/2006/chartDrawing">
+    <cdr:from>
+      <cdr:x>0.60495</cdr:x>
+      <cdr:y>0.04747</cdr:y>
+    </cdr:from>
+    <cdr:to>
+      <cdr:x>0.66064</cdr:x>
+      <cdr:y>0.15474</cdr:y>
+    </cdr:to>
+    <cdr:sp macro="" textlink="">
+      <cdr:nvSpPr>
+        <cdr:cNvPr id="3" name="TextBox 2"/>
+        <cdr:cNvSpPr txBox="1"/>
+      </cdr:nvSpPr>
+      <cdr:spPr>
+        <a:xfrm xmlns:a="http://schemas.openxmlformats.org/drawingml/2006/main">
+          <a:off x="4718304" y="146304"/>
+          <a:ext cx="434361" cy="330593"/>
+        </a:xfrm>
+        <a:prstGeom xmlns:a="http://schemas.openxmlformats.org/drawingml/2006/main" prst="rect">
+          <a:avLst/>
+        </a:prstGeom>
+      </cdr:spPr>
+      <cdr:txBody>
+        <a:bodyPr xmlns:a="http://schemas.openxmlformats.org/drawingml/2006/main" wrap="none" rtlCol="0"/>
+        <a:lstStyle xmlns:a="http://schemas.openxmlformats.org/drawingml/2006/main">
+          <a:lvl1pPr marL="0" indent="0">
+            <a:defRPr sz="1100">
+              <a:latin typeface="Calibri"/>
+            </a:defRPr>
+          </a:lvl1pPr>
+          <a:lvl2pPr marL="457200" indent="0">
+            <a:defRPr sz="1100">
+              <a:latin typeface="Calibri"/>
+            </a:defRPr>
+          </a:lvl2pPr>
+          <a:lvl3pPr marL="914400" indent="0">
+            <a:defRPr sz="1100">
+              <a:latin typeface="Calibri"/>
+            </a:defRPr>
+          </a:lvl3pPr>
+          <a:lvl4pPr marL="1371600" indent="0">
+            <a:defRPr sz="1100">
+              <a:latin typeface="Calibri"/>
+            </a:defRPr>
+          </a:lvl4pPr>
+          <a:lvl5pPr marL="1828800" indent="0">
+            <a:defRPr sz="1100">
+              <a:latin typeface="Calibri"/>
+            </a:defRPr>
+          </a:lvl5pPr>
+          <a:lvl6pPr marL="2286000" indent="0">
+            <a:defRPr sz="1100">
+              <a:latin typeface="Calibri"/>
+            </a:defRPr>
+          </a:lvl6pPr>
+          <a:lvl7pPr marL="2743200" indent="0">
+            <a:defRPr sz="1100">
+              <a:latin typeface="Calibri"/>
+            </a:defRPr>
+          </a:lvl7pPr>
+          <a:lvl8pPr marL="3200400" indent="0">
+            <a:defRPr sz="1100">
+              <a:latin typeface="Calibri"/>
+            </a:defRPr>
+          </a:lvl8pPr>
+          <a:lvl9pPr marL="3657600" indent="0">
+            <a:defRPr sz="1100">
+              <a:latin typeface="Calibri"/>
+            </a:defRPr>
+          </a:lvl9pPr>
+        </a:lstStyle>
+        <a:p xmlns:a="http://schemas.openxmlformats.org/drawingml/2006/main">
+          <a:r>
+            <a:rPr lang="en-US" sz="1100" dirty="0" smtClean="0"/>
+            <a:t>6.8</a:t>
+          </a:r>
+          <a:endParaRPr lang="en-US" sz="1100" dirty="0"/>
+        </a:p>
+      </cdr:txBody>
+    </cdr:sp>
+  </cdr:relSizeAnchor>
+  <cdr:relSizeAnchor xmlns:cdr="http://schemas.openxmlformats.org/drawingml/2006/chartDrawing">
+    <cdr:from>
+      <cdr:x>0.67998</cdr:x>
+      <cdr:y>0.04747</cdr:y>
+    </cdr:from>
+    <cdr:to>
+      <cdr:x>0.73567</cdr:x>
+      <cdr:y>0.15474</cdr:y>
+    </cdr:to>
+    <cdr:sp macro="" textlink="">
+      <cdr:nvSpPr>
+        <cdr:cNvPr id="4" name="TextBox 3"/>
+        <cdr:cNvSpPr txBox="1"/>
+      </cdr:nvSpPr>
+      <cdr:spPr>
+        <a:xfrm xmlns:a="http://schemas.openxmlformats.org/drawingml/2006/main">
+          <a:off x="5303520" y="146304"/>
+          <a:ext cx="434361" cy="330593"/>
+        </a:xfrm>
+        <a:prstGeom xmlns:a="http://schemas.openxmlformats.org/drawingml/2006/main" prst="rect">
+          <a:avLst/>
+        </a:prstGeom>
+      </cdr:spPr>
+      <cdr:txBody>
+        <a:bodyPr xmlns:a="http://schemas.openxmlformats.org/drawingml/2006/main" wrap="none" rtlCol="0"/>
+        <a:lstStyle xmlns:a="http://schemas.openxmlformats.org/drawingml/2006/main">
+          <a:lvl1pPr marL="0" indent="0">
+            <a:defRPr sz="1100">
+              <a:latin typeface="Calibri"/>
+            </a:defRPr>
+          </a:lvl1pPr>
+          <a:lvl2pPr marL="457200" indent="0">
+            <a:defRPr sz="1100">
+              <a:latin typeface="Calibri"/>
+            </a:defRPr>
+          </a:lvl2pPr>
+          <a:lvl3pPr marL="914400" indent="0">
+            <a:defRPr sz="1100">
+              <a:latin typeface="Calibri"/>
+            </a:defRPr>
+          </a:lvl3pPr>
+          <a:lvl4pPr marL="1371600" indent="0">
+            <a:defRPr sz="1100">
+              <a:latin typeface="Calibri"/>
+            </a:defRPr>
+          </a:lvl4pPr>
+          <a:lvl5pPr marL="1828800" indent="0">
+            <a:defRPr sz="1100">
+              <a:latin typeface="Calibri"/>
+            </a:defRPr>
+          </a:lvl5pPr>
+          <a:lvl6pPr marL="2286000" indent="0">
+            <a:defRPr sz="1100">
+              <a:latin typeface="Calibri"/>
+            </a:defRPr>
+          </a:lvl6pPr>
+          <a:lvl7pPr marL="2743200" indent="0">
+            <a:defRPr sz="1100">
+              <a:latin typeface="Calibri"/>
+            </a:defRPr>
+          </a:lvl7pPr>
+          <a:lvl8pPr marL="3200400" indent="0">
+            <a:defRPr sz="1100">
+              <a:latin typeface="Calibri"/>
+            </a:defRPr>
+          </a:lvl8pPr>
+          <a:lvl9pPr marL="3657600" indent="0">
+            <a:defRPr sz="1100">
+              <a:latin typeface="Calibri"/>
+            </a:defRPr>
+          </a:lvl9pPr>
+        </a:lstStyle>
+        <a:p xmlns:a="http://schemas.openxmlformats.org/drawingml/2006/main">
+          <a:r>
+            <a:rPr lang="en-US" dirty="0" smtClean="0"/>
+            <a:t>10</a:t>
+          </a:r>
+          <a:r>
+            <a:rPr lang="en-US" sz="1100" dirty="0" smtClean="0"/>
+            <a:t>.4</a:t>
           </a:r>
           <a:endParaRPr lang="en-US" sz="1100" dirty="0"/>
         </a:p>
@@ -1833,7 +1706,7 @@
             <a:fld id="{CD9E33B9-CE4A-C84C-B720-FE624F5655F3}" type="datetimeFigureOut">
               <a:rPr lang="en-US" smtClean="0"/>
               <a:pPr/>
-              <a:t>9/12/13</a:t>
+              <a:t>12/5/13</a:t>
             </a:fld>
             <a:endParaRPr lang="en-US" dirty="0"/>
           </a:p>
@@ -2000,7 +1873,7 @@
             <a:fld id="{CD9E33B9-CE4A-C84C-B720-FE624F5655F3}" type="datetimeFigureOut">
               <a:rPr lang="en-US" smtClean="0"/>
               <a:pPr/>
-              <a:t>9/12/13</a:t>
+              <a:t>12/5/13</a:t>
             </a:fld>
             <a:endParaRPr lang="en-US" dirty="0"/>
           </a:p>
@@ -2177,7 +2050,7 @@
             <a:fld id="{CD9E33B9-CE4A-C84C-B720-FE624F5655F3}" type="datetimeFigureOut">
               <a:rPr lang="en-US" smtClean="0"/>
               <a:pPr/>
-              <a:t>9/12/13</a:t>
+              <a:t>12/5/13</a:t>
             </a:fld>
             <a:endParaRPr lang="en-US" dirty="0"/>
           </a:p>
@@ -2344,7 +2217,7 @@
             <a:fld id="{CD9E33B9-CE4A-C84C-B720-FE624F5655F3}" type="datetimeFigureOut">
               <a:rPr lang="en-US" smtClean="0"/>
               <a:pPr/>
-              <a:t>9/12/13</a:t>
+              <a:t>12/5/13</a:t>
             </a:fld>
             <a:endParaRPr lang="en-US" dirty="0"/>
           </a:p>
@@ -2587,7 +2460,7 @@
             <a:fld id="{CD9E33B9-CE4A-C84C-B720-FE624F5655F3}" type="datetimeFigureOut">
               <a:rPr lang="en-US" smtClean="0"/>
               <a:pPr/>
-              <a:t>9/12/13</a:t>
+              <a:t>12/5/13</a:t>
             </a:fld>
             <a:endParaRPr lang="en-US" dirty="0"/>
           </a:p>
@@ -2872,7 +2745,7 @@
             <a:fld id="{CD9E33B9-CE4A-C84C-B720-FE624F5655F3}" type="datetimeFigureOut">
               <a:rPr lang="en-US" smtClean="0"/>
               <a:pPr/>
-              <a:t>9/12/13</a:t>
+              <a:t>12/5/13</a:t>
             </a:fld>
             <a:endParaRPr lang="en-US" dirty="0"/>
           </a:p>
@@ -3291,7 +3164,7 @@
             <a:fld id="{CD9E33B9-CE4A-C84C-B720-FE624F5655F3}" type="datetimeFigureOut">
               <a:rPr lang="en-US" smtClean="0"/>
               <a:pPr/>
-              <a:t>9/12/13</a:t>
+              <a:t>12/5/13</a:t>
             </a:fld>
             <a:endParaRPr lang="en-US" dirty="0"/>
           </a:p>
@@ -3406,7 +3279,7 @@
             <a:fld id="{CD9E33B9-CE4A-C84C-B720-FE624F5655F3}" type="datetimeFigureOut">
               <a:rPr lang="en-US" smtClean="0"/>
               <a:pPr/>
-              <a:t>9/12/13</a:t>
+              <a:t>12/5/13</a:t>
             </a:fld>
             <a:endParaRPr lang="en-US" dirty="0"/>
           </a:p>
@@ -3498,7 +3371,7 @@
             <a:fld id="{CD9E33B9-CE4A-C84C-B720-FE624F5655F3}" type="datetimeFigureOut">
               <a:rPr lang="en-US" smtClean="0"/>
               <a:pPr/>
-              <a:t>9/12/13</a:t>
+              <a:t>12/5/13</a:t>
             </a:fld>
             <a:endParaRPr lang="en-US" dirty="0"/>
           </a:p>
@@ -3772,7 +3645,7 @@
             <a:fld id="{CD9E33B9-CE4A-C84C-B720-FE624F5655F3}" type="datetimeFigureOut">
               <a:rPr lang="en-US" smtClean="0"/>
               <a:pPr/>
-              <a:t>9/12/13</a:t>
+              <a:t>12/5/13</a:t>
             </a:fld>
             <a:endParaRPr lang="en-US" dirty="0"/>
           </a:p>
@@ -4022,7 +3895,7 @@
             <a:fld id="{CD9E33B9-CE4A-C84C-B720-FE624F5655F3}" type="datetimeFigureOut">
               <a:rPr lang="en-US" smtClean="0"/>
               <a:pPr/>
-              <a:t>9/12/13</a:t>
+              <a:t>12/5/13</a:t>
             </a:fld>
             <a:endParaRPr lang="en-US" dirty="0"/>
           </a:p>
@@ -4232,7 +4105,7 @@
             <a:fld id="{CD9E33B9-CE4A-C84C-B720-FE624F5655F3}" type="datetimeFigureOut">
               <a:rPr lang="en-US" smtClean="0"/>
               <a:pPr/>
-              <a:t>9/12/13</a:t>
+              <a:t>12/5/13</a:t>
             </a:fld>
             <a:endParaRPr lang="en-US" dirty="0"/>
           </a:p>
@@ -8450,13 +8323,13 @@
       </p:grpSpPr>
       <p:graphicFrame>
         <p:nvGraphicFramePr>
-          <p:cNvPr id="4" name="Chart 3"/>
+          <p:cNvPr id="3" name="Chart 2"/>
           <p:cNvGraphicFramePr/>
           <p:nvPr/>
         </p:nvGraphicFramePr>
         <p:xfrm>
-          <a:off x="1583267" y="1422400"/>
-          <a:ext cx="6578600" cy="2824480"/>
+          <a:off x="753533" y="1092200"/>
+          <a:ext cx="7780867" cy="3180080"/>
         </p:xfrm>
         <a:graphic>
           <a:graphicData uri="http://schemas.openxmlformats.org/drawingml/2006/chart">
@@ -8489,204 +8362,6 @@
           <a:chExt cx="0" cy="0"/>
         </a:xfrm>
       </p:grpSpPr>
-      <p:graphicFrame>
-        <p:nvGraphicFramePr>
-          <p:cNvPr id="4" name="Chart 3"/>
-          <p:cNvGraphicFramePr/>
-          <p:nvPr/>
-        </p:nvGraphicFramePr>
-        <p:xfrm>
-          <a:off x="1219200" y="2016760"/>
-          <a:ext cx="6705600" cy="2824480"/>
-        </p:xfrm>
-        <a:graphic>
-          <a:graphicData uri="http://schemas.openxmlformats.org/drawingml/2006/chart">
-            <c:chart xmlns:c="http://schemas.openxmlformats.org/drawingml/2006/chart" xmlns:r="http://schemas.openxmlformats.org/officeDocument/2006/relationships" r:id="rId2"/>
-          </a:graphicData>
-        </a:graphic>
-      </p:graphicFrame>
-      <p:sp>
-        <p:nvSpPr>
-          <p:cNvPr id="5" name="TextBox 4"/>
-          <p:cNvSpPr txBox="1"/>
-          <p:nvPr/>
-        </p:nvSpPr>
-        <p:spPr>
-          <a:xfrm>
-            <a:off x="1885851" y="2311395"/>
-            <a:ext cx="357172" cy="321734"/>
-          </a:xfrm>
-          <a:prstGeom prst="rect">
-            <a:avLst/>
-          </a:prstGeom>
-        </p:spPr>
-        <p:txBody>
-          <a:bodyPr wrap="none" rtlCol="0"/>
-          <a:lstStyle>
-            <a:lvl1pPr marL="0" indent="0">
-              <a:defRPr sz="1100">
-                <a:latin typeface="+mn-lt"/>
-                <a:ea typeface="+mn-ea"/>
-                <a:cs typeface="+mn-cs"/>
-              </a:defRPr>
-            </a:lvl1pPr>
-            <a:lvl2pPr marL="457200" indent="0">
-              <a:defRPr sz="1100">
-                <a:latin typeface="+mn-lt"/>
-                <a:ea typeface="+mn-ea"/>
-                <a:cs typeface="+mn-cs"/>
-              </a:defRPr>
-            </a:lvl2pPr>
-            <a:lvl3pPr marL="914400" indent="0">
-              <a:defRPr sz="1100">
-                <a:latin typeface="+mn-lt"/>
-                <a:ea typeface="+mn-ea"/>
-                <a:cs typeface="+mn-cs"/>
-              </a:defRPr>
-            </a:lvl3pPr>
-            <a:lvl4pPr marL="1371600" indent="0">
-              <a:defRPr sz="1100">
-                <a:latin typeface="+mn-lt"/>
-                <a:ea typeface="+mn-ea"/>
-                <a:cs typeface="+mn-cs"/>
-              </a:defRPr>
-            </a:lvl4pPr>
-            <a:lvl5pPr marL="1828800" indent="0">
-              <a:defRPr sz="1100">
-                <a:latin typeface="+mn-lt"/>
-                <a:ea typeface="+mn-ea"/>
-                <a:cs typeface="+mn-cs"/>
-              </a:defRPr>
-            </a:lvl5pPr>
-            <a:lvl6pPr marL="2286000" indent="0">
-              <a:defRPr sz="1100">
-                <a:latin typeface="+mn-lt"/>
-                <a:ea typeface="+mn-ea"/>
-                <a:cs typeface="+mn-cs"/>
-              </a:defRPr>
-            </a:lvl6pPr>
-            <a:lvl7pPr marL="2743200" indent="0">
-              <a:defRPr sz="1100">
-                <a:latin typeface="+mn-lt"/>
-                <a:ea typeface="+mn-ea"/>
-                <a:cs typeface="+mn-cs"/>
-              </a:defRPr>
-            </a:lvl7pPr>
-            <a:lvl8pPr marL="3200400" indent="0">
-              <a:defRPr sz="1100">
-                <a:latin typeface="+mn-lt"/>
-                <a:ea typeface="+mn-ea"/>
-                <a:cs typeface="+mn-cs"/>
-              </a:defRPr>
-            </a:lvl8pPr>
-            <a:lvl9pPr marL="3657600" indent="0">
-              <a:defRPr sz="1100">
-                <a:latin typeface="+mn-lt"/>
-                <a:ea typeface="+mn-ea"/>
-                <a:cs typeface="+mn-cs"/>
-              </a:defRPr>
-            </a:lvl9pPr>
-          </a:lstStyle>
-          <a:p>
-            <a:r>
-              <a:rPr lang="en-US" sz="1100" dirty="0" smtClean="0"/>
-              <a:t>23.4</a:t>
-            </a:r>
-            <a:endParaRPr lang="en-US" sz="1100" dirty="0"/>
-          </a:p>
-        </p:txBody>
-      </p:sp>
-      <p:sp>
-        <p:nvSpPr>
-          <p:cNvPr id="6" name="TextBox 5"/>
-          <p:cNvSpPr txBox="1"/>
-          <p:nvPr/>
-        </p:nvSpPr>
-        <p:spPr>
-          <a:xfrm>
-            <a:off x="2209798" y="2133596"/>
-            <a:ext cx="398703" cy="262467"/>
-          </a:xfrm>
-          <a:prstGeom prst="rect">
-            <a:avLst/>
-          </a:prstGeom>
-        </p:spPr>
-        <p:txBody>
-          <a:bodyPr wrap="none" rtlCol="0"/>
-          <a:lstStyle>
-            <a:lvl1pPr marL="0" indent="0">
-              <a:defRPr sz="1100">
-                <a:latin typeface="+mn-lt"/>
-                <a:ea typeface="+mn-ea"/>
-                <a:cs typeface="+mn-cs"/>
-              </a:defRPr>
-            </a:lvl1pPr>
-            <a:lvl2pPr marL="457200" indent="0">
-              <a:defRPr sz="1100">
-                <a:latin typeface="+mn-lt"/>
-                <a:ea typeface="+mn-ea"/>
-                <a:cs typeface="+mn-cs"/>
-              </a:defRPr>
-            </a:lvl2pPr>
-            <a:lvl3pPr marL="914400" indent="0">
-              <a:defRPr sz="1100">
-                <a:latin typeface="+mn-lt"/>
-                <a:ea typeface="+mn-ea"/>
-                <a:cs typeface="+mn-cs"/>
-              </a:defRPr>
-            </a:lvl3pPr>
-            <a:lvl4pPr marL="1371600" indent="0">
-              <a:defRPr sz="1100">
-                <a:latin typeface="+mn-lt"/>
-                <a:ea typeface="+mn-ea"/>
-                <a:cs typeface="+mn-cs"/>
-              </a:defRPr>
-            </a:lvl4pPr>
-            <a:lvl5pPr marL="1828800" indent="0">
-              <a:defRPr sz="1100">
-                <a:latin typeface="+mn-lt"/>
-                <a:ea typeface="+mn-ea"/>
-                <a:cs typeface="+mn-cs"/>
-              </a:defRPr>
-            </a:lvl5pPr>
-            <a:lvl6pPr marL="2286000" indent="0">
-              <a:defRPr sz="1100">
-                <a:latin typeface="+mn-lt"/>
-                <a:ea typeface="+mn-ea"/>
-                <a:cs typeface="+mn-cs"/>
-              </a:defRPr>
-            </a:lvl6pPr>
-            <a:lvl7pPr marL="2743200" indent="0">
-              <a:defRPr sz="1100">
-                <a:latin typeface="+mn-lt"/>
-                <a:ea typeface="+mn-ea"/>
-                <a:cs typeface="+mn-cs"/>
-              </a:defRPr>
-            </a:lvl7pPr>
-            <a:lvl8pPr marL="3200400" indent="0">
-              <a:defRPr sz="1100">
-                <a:latin typeface="+mn-lt"/>
-                <a:ea typeface="+mn-ea"/>
-                <a:cs typeface="+mn-cs"/>
-              </a:defRPr>
-            </a:lvl8pPr>
-            <a:lvl9pPr marL="3657600" indent="0">
-              <a:defRPr sz="1100">
-                <a:latin typeface="+mn-lt"/>
-                <a:ea typeface="+mn-ea"/>
-                <a:cs typeface="+mn-cs"/>
-              </a:defRPr>
-            </a:lvl9pPr>
-          </a:lstStyle>
-          <a:p>
-            <a:r>
-              <a:rPr lang="en-US" sz="1100" dirty="0" smtClean="0"/>
-              <a:t>26.5</a:t>
-            </a:r>
-            <a:endParaRPr lang="en-US" sz="1100" dirty="0"/>
-          </a:p>
-        </p:txBody>
-      </p:sp>
     </p:spTree>
   </p:cSld>
   <p:clrMapOvr>
@@ -9565,68 +9240,22 @@
           <a:chExt cx="0" cy="0"/>
         </a:xfrm>
       </p:grpSpPr>
-      <p:grpSp>
-        <p:nvGrpSpPr>
-          <p:cNvPr id="6" name="Group 5"/>
-          <p:cNvGrpSpPr/>
+      <p:graphicFrame>
+        <p:nvGraphicFramePr>
+          <p:cNvPr id="10" name="Chart 9"/>
+          <p:cNvGraphicFramePr/>
           <p:nvPr/>
-        </p:nvGrpSpPr>
-        <p:grpSpPr>
-          <a:xfrm>
-            <a:off x="357294" y="726440"/>
-            <a:ext cx="6126480" cy="2702560"/>
-            <a:chOff x="357294" y="726440"/>
-            <a:chExt cx="6126480" cy="2702560"/>
-          </a:xfrm>
-        </p:grpSpPr>
-        <p:graphicFrame>
-          <p:nvGraphicFramePr>
-            <p:cNvPr id="4" name="Chart 3"/>
-            <p:cNvGraphicFramePr/>
-            <p:nvPr/>
-          </p:nvGraphicFramePr>
-          <p:xfrm>
-            <a:off x="357294" y="726440"/>
-            <a:ext cx="6126480" cy="2702560"/>
-          </p:xfrm>
-          <a:graphic>
-            <a:graphicData uri="http://schemas.openxmlformats.org/drawingml/2006/chart">
-              <c:chart xmlns:c="http://schemas.openxmlformats.org/drawingml/2006/chart" xmlns:r="http://schemas.openxmlformats.org/officeDocument/2006/relationships" r:id="rId2"/>
-            </a:graphicData>
-          </a:graphic>
-        </p:graphicFrame>
-        <p:sp>
-          <p:nvSpPr>
-            <p:cNvPr id="5" name="TextBox 4"/>
-            <p:cNvSpPr txBox="1"/>
-            <p:nvPr/>
-          </p:nvSpPr>
-          <p:spPr>
-            <a:xfrm>
-              <a:off x="4656710" y="863622"/>
-              <a:ext cx="245533" cy="276999"/>
-            </a:xfrm>
-            <a:prstGeom prst="rect">
-              <a:avLst/>
-            </a:prstGeom>
-            <a:noFill/>
-          </p:spPr>
-          <p:txBody>
-            <a:bodyPr wrap="square" lIns="0" rIns="0" rtlCol="0">
-              <a:spAutoFit/>
-            </a:bodyPr>
-            <a:lstStyle/>
-            <a:p>
-              <a:pPr algn="ctr"/>
-              <a:r>
-                <a:rPr lang="en-US" sz="1200" dirty="0" smtClean="0"/>
-                <a:t>7.8</a:t>
-              </a:r>
-              <a:endParaRPr lang="en-US" sz="1200" dirty="0"/>
-            </a:p>
-          </p:txBody>
-        </p:sp>
-      </p:grpSp>
+        </p:nvGraphicFramePr>
+        <p:xfrm>
+          <a:off x="372533" y="1938867"/>
+          <a:ext cx="7799494" cy="3081866"/>
+        </p:xfrm>
+        <a:graphic>
+          <a:graphicData uri="http://schemas.openxmlformats.org/drawingml/2006/chart">
+            <c:chart xmlns:c="http://schemas.openxmlformats.org/drawingml/2006/chart" xmlns:r="http://schemas.openxmlformats.org/officeDocument/2006/relationships" r:id="rId2"/>
+          </a:graphicData>
+        </a:graphic>
+      </p:graphicFrame>
     </p:spTree>
   </p:cSld>
   <p:clrMapOvr>

--- a/fig/DefaultsPaper.pptx
+++ b/fig/DefaultsPaper.pptx
@@ -11,6 +11,7 @@
     <p:sldId id="262" r:id="rId5"/>
     <p:sldId id="260" r:id="rId6"/>
     <p:sldId id="259" r:id="rId7"/>
+    <p:sldId id="263" r:id="rId8"/>
   </p:sldIdLst>
   <p:sldSz cx="9144000" cy="6858000" type="screen4x3"/>
   <p:notesSz cx="6858000" cy="9144000"/>
@@ -451,7 +452,7 @@
                   <c:v>1.216110019634419</c:v>
                 </c:pt>
                 <c:pt idx="11">
-                  <c:v>8.844773789998928</c:v>
+                  <c:v>8.844773789998927</c:v>
                 </c:pt>
                 <c:pt idx="12">
                   <c:v>2.822429906274356</c:v>
@@ -481,7 +482,7 @@
                   <c:v>1.010644706115343</c:v>
                 </c:pt>
                 <c:pt idx="22">
-                  <c:v>2.705889079484209</c:v>
+                  <c:v>2.705889079484208</c:v>
                 </c:pt>
                 <c:pt idx="23">
                   <c:v>1.001168053718772</c:v>
@@ -608,7 +609,7 @@
                 <c:formatCode>General</c:formatCode>
                 <c:ptCount val="27"/>
                 <c:pt idx="1">
-                  <c:v>26.52222222312382</c:v>
+                  <c:v>26.52222222312381</c:v>
                 </c:pt>
                 <c:pt idx="2">
                   <c:v>12.0924349306738</c:v>
@@ -638,16 +639,16 @@
                   <c:v>8.872074882102456</c:v>
                 </c:pt>
                 <c:pt idx="12">
-                  <c:v>2.859813083874574</c:v>
+                  <c:v>2.859813083874573</c:v>
                 </c:pt>
                 <c:pt idx="13">
                   <c:v>11.65280801059046</c:v>
                 </c:pt>
                 <c:pt idx="14">
-                  <c:v>5.114902506457724</c:v>
+                  <c:v>5.114902506457723</c:v>
                 </c:pt>
                 <c:pt idx="15">
-                  <c:v>5.875053856062042</c:v>
+                  <c:v>5.875053856062041</c:v>
                 </c:pt>
                 <c:pt idx="16">
                   <c:v>10.59282108800632</c:v>
@@ -656,7 +657,7 @@
                   <c:v>1.155248271480525</c:v>
                 </c:pt>
                 <c:pt idx="19">
-                  <c:v>1.024932735426009</c:v>
+                  <c:v>1.02493273542601</c:v>
                 </c:pt>
                 <c:pt idx="20">
                   <c:v>3.980030062366072</c:v>
@@ -680,11 +681,11 @@
             </c:numRef>
           </c:val>
         </c:ser>
-        <c:axId val="242241384"/>
-        <c:axId val="242229432"/>
+        <c:axId val="239207032"/>
+        <c:axId val="239191512"/>
       </c:barChart>
       <c:catAx>
-        <c:axId val="242241384"/>
+        <c:axId val="239207032"/>
         <c:scaling>
           <c:orientation val="minMax"/>
         </c:scaling>
@@ -700,14 +701,14 @@
             <a:endParaRPr lang="en-US"/>
           </a:p>
         </c:txPr>
-        <c:crossAx val="242229432"/>
+        <c:crossAx val="239191512"/>
         <c:crosses val="autoZero"/>
         <c:auto val="1"/>
         <c:lblAlgn val="ctr"/>
         <c:lblOffset val="100"/>
       </c:catAx>
       <c:valAx>
-        <c:axId val="242229432"/>
+        <c:axId val="239191512"/>
         <c:scaling>
           <c:orientation val="minMax"/>
           <c:max val="15.0"/>
@@ -735,7 +736,7 @@
         </c:title>
         <c:numFmt formatCode="General" sourceLinked="1"/>
         <c:tickLblPos val="nextTo"/>
-        <c:crossAx val="242241384"/>
+        <c:crossAx val="239207032"/>
         <c:crosses val="autoZero"/>
         <c:crossBetween val="between"/>
         <c:majorUnit val="3.0"/>
@@ -1105,7 +1106,7 @@
                   <c:v>1.204174019795903</c:v>
                 </c:pt>
                 <c:pt idx="12">
-                  <c:v>1.553558464672959</c:v>
+                  <c:v>1.55355846467296</c:v>
                 </c:pt>
                 <c:pt idx="13">
                   <c:v>1.699192610976721</c:v>
@@ -1147,11 +1148,11 @@
             </c:numRef>
           </c:val>
         </c:ser>
-        <c:axId val="210795128"/>
-        <c:axId val="242582408"/>
+        <c:axId val="239101544"/>
+        <c:axId val="239108184"/>
       </c:barChart>
       <c:catAx>
-        <c:axId val="210795128"/>
+        <c:axId val="239101544"/>
         <c:scaling>
           <c:orientation val="minMax"/>
         </c:scaling>
@@ -1167,14 +1168,14 @@
             <a:endParaRPr lang="en-US"/>
           </a:p>
         </c:txPr>
-        <c:crossAx val="242582408"/>
+        <c:crossAx val="239108184"/>
         <c:crosses val="autoZero"/>
         <c:auto val="1"/>
         <c:lblAlgn val="ctr"/>
         <c:lblOffset val="100"/>
       </c:catAx>
       <c:valAx>
-        <c:axId val="242582408"/>
+        <c:axId val="239108184"/>
         <c:scaling>
           <c:orientation val="minMax"/>
           <c:max val="2.5"/>
@@ -1202,7 +1203,7 @@
         </c:title>
         <c:numFmt formatCode="General" sourceLinked="1"/>
         <c:tickLblPos val="nextTo"/>
-        <c:crossAx val="210795128"/>
+        <c:crossAx val="239101544"/>
         <c:crosses val="autoZero"/>
         <c:crossBetween val="between"/>
         <c:majorUnit val="0.5"/>
@@ -1235,6 +1236,322 @@
   </c:chart>
   <c:externalData r:id="rId1"/>
   <c:userShapes r:id="rId2"/>
+</c:chartSpace>
+</file>
+
+<file path=ppt/charts/chart3.xml><?xml version="1.0" encoding="utf-8"?>
+<c:chartSpace xmlns:c="http://schemas.openxmlformats.org/drawingml/2006/chart" xmlns:a="http://schemas.openxmlformats.org/drawingml/2006/main" xmlns:r="http://schemas.openxmlformats.org/officeDocument/2006/relationships">
+  <c:date1904 val="1"/>
+  <c:lang val="en-US"/>
+  <c:style val="18"/>
+  <c:chart>
+    <c:plotArea>
+      <c:layout/>
+      <c:barChart>
+        <c:barDir val="col"/>
+        <c:grouping val="clustered"/>
+        <c:ser>
+          <c:idx val="0"/>
+          <c:order val="0"/>
+          <c:tx>
+            <c:strRef>
+              <c:f>Sensitivity!$F$1</c:f>
+              <c:strCache>
+                <c:ptCount val="1"/>
+                <c:pt idx="0">
+                  <c:v>SampleRate 0.1%</c:v>
+                </c:pt>
+              </c:strCache>
+            </c:strRef>
+          </c:tx>
+          <c:spPr>
+            <a:solidFill>
+              <a:schemeClr val="bg1">
+                <a:lumMod val="65000"/>
+              </a:schemeClr>
+            </a:solidFill>
+          </c:spPr>
+          <c:cat>
+            <c:strRef>
+              <c:f>Sensitivity!$E$2:$E$8</c:f>
+              <c:strCache>
+                <c:ptCount val="7"/>
+                <c:pt idx="0">
+                  <c:v>histogram</c:v>
+                </c:pt>
+                <c:pt idx="1">
+                  <c:v>linear_regression</c:v>
+                </c:pt>
+                <c:pt idx="2">
+                  <c:v>reverse_index</c:v>
+                </c:pt>
+                <c:pt idx="3">
+                  <c:v>word_count</c:v>
+                </c:pt>
+                <c:pt idx="4">
+                  <c:v>streamcluster</c:v>
+                </c:pt>
+                <c:pt idx="6">
+                  <c:v>AVERAGE</c:v>
+                </c:pt>
+              </c:strCache>
+            </c:strRef>
+          </c:cat>
+          <c:val>
+            <c:numRef>
+              <c:f>Sensitivity!$F$2:$F$8</c:f>
+              <c:numCache>
+                <c:formatCode>General</c:formatCode>
+                <c:ptCount val="7"/>
+                <c:pt idx="0">
+                  <c:v>0.800945598176787</c:v>
+                </c:pt>
+                <c:pt idx="1">
+                  <c:v>0.895040650406504</c:v>
+                </c:pt>
+                <c:pt idx="2">
+                  <c:v>0.958738678295597</c:v>
+                </c:pt>
+                <c:pt idx="3">
+                  <c:v>0.944088120472334</c:v>
+                </c:pt>
+                <c:pt idx="4">
+                  <c:v>1.000976302469158</c:v>
+                </c:pt>
+                <c:pt idx="6">
+                  <c:v>0.919957869964076</c:v>
+                </c:pt>
+              </c:numCache>
+            </c:numRef>
+          </c:val>
+        </c:ser>
+        <c:ser>
+          <c:idx val="1"/>
+          <c:order val="1"/>
+          <c:tx>
+            <c:strRef>
+              <c:f>Sensitivity!$G$1</c:f>
+              <c:strCache>
+                <c:ptCount val="1"/>
+                <c:pt idx="0">
+                  <c:v>Default SampleRate 1%</c:v>
+                </c:pt>
+              </c:strCache>
+            </c:strRef>
+          </c:tx>
+          <c:spPr>
+            <a:solidFill>
+              <a:schemeClr val="tx1">
+                <a:lumMod val="95000"/>
+                <a:lumOff val="5000"/>
+              </a:schemeClr>
+            </a:solidFill>
+          </c:spPr>
+          <c:cat>
+            <c:strRef>
+              <c:f>Sensitivity!$E$2:$E$8</c:f>
+              <c:strCache>
+                <c:ptCount val="7"/>
+                <c:pt idx="0">
+                  <c:v>histogram</c:v>
+                </c:pt>
+                <c:pt idx="1">
+                  <c:v>linear_regression</c:v>
+                </c:pt>
+                <c:pt idx="2">
+                  <c:v>reverse_index</c:v>
+                </c:pt>
+                <c:pt idx="3">
+                  <c:v>word_count</c:v>
+                </c:pt>
+                <c:pt idx="4">
+                  <c:v>streamcluster</c:v>
+                </c:pt>
+                <c:pt idx="6">
+                  <c:v>AVERAGE</c:v>
+                </c:pt>
+              </c:strCache>
+            </c:strRef>
+          </c:cat>
+          <c:val>
+            <c:numRef>
+              <c:f>Sensitivity!$G$2:$G$8</c:f>
+              <c:numCache>
+                <c:formatCode>General</c:formatCode>
+                <c:ptCount val="7"/>
+                <c:pt idx="0">
+                  <c:v>1.0</c:v>
+                </c:pt>
+                <c:pt idx="1">
+                  <c:v>1.0</c:v>
+                </c:pt>
+                <c:pt idx="2">
+                  <c:v>1.0</c:v>
+                </c:pt>
+                <c:pt idx="3">
+                  <c:v>1.0</c:v>
+                </c:pt>
+                <c:pt idx="4">
+                  <c:v>1.0</c:v>
+                </c:pt>
+                <c:pt idx="6">
+                  <c:v>1.0</c:v>
+                </c:pt>
+              </c:numCache>
+            </c:numRef>
+          </c:val>
+        </c:ser>
+        <c:ser>
+          <c:idx val="2"/>
+          <c:order val="2"/>
+          <c:tx>
+            <c:strRef>
+              <c:f>Sensitivity!$H$1</c:f>
+              <c:strCache>
+                <c:ptCount val="1"/>
+                <c:pt idx="0">
+                  <c:v>SampleRate 10%</c:v>
+                </c:pt>
+              </c:strCache>
+            </c:strRef>
+          </c:tx>
+          <c:spPr>
+            <a:solidFill>
+              <a:schemeClr val="tx1">
+                <a:lumMod val="65000"/>
+                <a:lumOff val="35000"/>
+              </a:schemeClr>
+            </a:solidFill>
+          </c:spPr>
+          <c:cat>
+            <c:strRef>
+              <c:f>Sensitivity!$E$2:$E$8</c:f>
+              <c:strCache>
+                <c:ptCount val="7"/>
+                <c:pt idx="0">
+                  <c:v>histogram</c:v>
+                </c:pt>
+                <c:pt idx="1">
+                  <c:v>linear_regression</c:v>
+                </c:pt>
+                <c:pt idx="2">
+                  <c:v>reverse_index</c:v>
+                </c:pt>
+                <c:pt idx="3">
+                  <c:v>word_count</c:v>
+                </c:pt>
+                <c:pt idx="4">
+                  <c:v>streamcluster</c:v>
+                </c:pt>
+                <c:pt idx="6">
+                  <c:v>AVERAGE</c:v>
+                </c:pt>
+              </c:strCache>
+            </c:strRef>
+          </c:cat>
+          <c:val>
+            <c:numRef>
+              <c:f>Sensitivity!$H$2:$H$8</c:f>
+              <c:numCache>
+                <c:formatCode>General</c:formatCode>
+                <c:ptCount val="7"/>
+                <c:pt idx="0">
+                  <c:v>0.993656113457449</c:v>
+                </c:pt>
+                <c:pt idx="1">
+                  <c:v>1.258048780487805</c:v>
+                </c:pt>
+                <c:pt idx="2">
+                  <c:v>0.966202616584812</c:v>
+                </c:pt>
+                <c:pt idx="3">
+                  <c:v>1.025655326267479</c:v>
+                </c:pt>
+                <c:pt idx="4">
+                  <c:v>1.023342504659625</c:v>
+                </c:pt>
+                <c:pt idx="6">
+                  <c:v>1.053381068291434</c:v>
+                </c:pt>
+              </c:numCache>
+            </c:numRef>
+          </c:val>
+        </c:ser>
+        <c:axId val="460059032"/>
+        <c:axId val="230638904"/>
+      </c:barChart>
+      <c:catAx>
+        <c:axId val="460059032"/>
+        <c:scaling>
+          <c:orientation val="minMax"/>
+        </c:scaling>
+        <c:axPos val="b"/>
+        <c:tickLblPos val="nextTo"/>
+        <c:txPr>
+          <a:bodyPr/>
+          <a:lstStyle/>
+          <a:p>
+            <a:pPr>
+              <a:defRPr b="1"/>
+            </a:pPr>
+            <a:endParaRPr lang="en-US"/>
+          </a:p>
+        </c:txPr>
+        <c:crossAx val="230638904"/>
+        <c:crosses val="autoZero"/>
+        <c:auto val="1"/>
+        <c:lblAlgn val="ctr"/>
+        <c:lblOffset val="100"/>
+      </c:catAx>
+      <c:valAx>
+        <c:axId val="230638904"/>
+        <c:scaling>
+          <c:orientation val="minMax"/>
+        </c:scaling>
+        <c:axPos val="l"/>
+        <c:majorGridlines/>
+        <c:title>
+          <c:tx>
+            <c:rich>
+              <a:bodyPr/>
+              <a:lstStyle/>
+              <a:p>
+                <a:pPr>
+                  <a:defRPr sz="1200"/>
+                </a:pPr>
+                <a:r>
+                  <a:rPr lang="en-US" sz="1200"/>
+                  <a:t>Normalized Runtime</a:t>
+                </a:r>
+              </a:p>
+            </c:rich>
+          </c:tx>
+          <c:layout/>
+        </c:title>
+        <c:numFmt formatCode="General" sourceLinked="1"/>
+        <c:tickLblPos val="nextTo"/>
+        <c:crossAx val="460059032"/>
+        <c:crosses val="autoZero"/>
+        <c:crossBetween val="between"/>
+      </c:valAx>
+    </c:plotArea>
+    <c:legend>
+      <c:legendPos val="r"/>
+      <c:layout/>
+      <c:txPr>
+        <a:bodyPr/>
+        <a:lstStyle/>
+        <a:p>
+          <a:pPr>
+            <a:defRPr sz="1200" b="1"/>
+          </a:pPr>
+          <a:endParaRPr lang="en-US"/>
+        </a:p>
+      </c:txPr>
+    </c:legend>
+    <c:plotVisOnly val="1"/>
+  </c:chart>
+  <c:externalData r:id="rId1"/>
 </c:chartSpace>
 </file>
 
@@ -1706,7 +2023,7 @@
             <a:fld id="{CD9E33B9-CE4A-C84C-B720-FE624F5655F3}" type="datetimeFigureOut">
               <a:rPr lang="en-US" smtClean="0"/>
               <a:pPr/>
-              <a:t>12/5/13</a:t>
+              <a:t>12/6/13</a:t>
             </a:fld>
             <a:endParaRPr lang="en-US" dirty="0"/>
           </a:p>
@@ -1873,7 +2190,7 @@
             <a:fld id="{CD9E33B9-CE4A-C84C-B720-FE624F5655F3}" type="datetimeFigureOut">
               <a:rPr lang="en-US" smtClean="0"/>
               <a:pPr/>
-              <a:t>12/5/13</a:t>
+              <a:t>12/6/13</a:t>
             </a:fld>
             <a:endParaRPr lang="en-US" dirty="0"/>
           </a:p>
@@ -2050,7 +2367,7 @@
             <a:fld id="{CD9E33B9-CE4A-C84C-B720-FE624F5655F3}" type="datetimeFigureOut">
               <a:rPr lang="en-US" smtClean="0"/>
               <a:pPr/>
-              <a:t>12/5/13</a:t>
+              <a:t>12/6/13</a:t>
             </a:fld>
             <a:endParaRPr lang="en-US" dirty="0"/>
           </a:p>
@@ -2217,7 +2534,7 @@
             <a:fld id="{CD9E33B9-CE4A-C84C-B720-FE624F5655F3}" type="datetimeFigureOut">
               <a:rPr lang="en-US" smtClean="0"/>
               <a:pPr/>
-              <a:t>12/5/13</a:t>
+              <a:t>12/6/13</a:t>
             </a:fld>
             <a:endParaRPr lang="en-US" dirty="0"/>
           </a:p>
@@ -2460,7 +2777,7 @@
             <a:fld id="{CD9E33B9-CE4A-C84C-B720-FE624F5655F3}" type="datetimeFigureOut">
               <a:rPr lang="en-US" smtClean="0"/>
               <a:pPr/>
-              <a:t>12/5/13</a:t>
+              <a:t>12/6/13</a:t>
             </a:fld>
             <a:endParaRPr lang="en-US" dirty="0"/>
           </a:p>
@@ -2745,7 +3062,7 @@
             <a:fld id="{CD9E33B9-CE4A-C84C-B720-FE624F5655F3}" type="datetimeFigureOut">
               <a:rPr lang="en-US" smtClean="0"/>
               <a:pPr/>
-              <a:t>12/5/13</a:t>
+              <a:t>12/6/13</a:t>
             </a:fld>
             <a:endParaRPr lang="en-US" dirty="0"/>
           </a:p>
@@ -3164,7 +3481,7 @@
             <a:fld id="{CD9E33B9-CE4A-C84C-B720-FE624F5655F3}" type="datetimeFigureOut">
               <a:rPr lang="en-US" smtClean="0"/>
               <a:pPr/>
-              <a:t>12/5/13</a:t>
+              <a:t>12/6/13</a:t>
             </a:fld>
             <a:endParaRPr lang="en-US" dirty="0"/>
           </a:p>
@@ -3279,7 +3596,7 @@
             <a:fld id="{CD9E33B9-CE4A-C84C-B720-FE624F5655F3}" type="datetimeFigureOut">
               <a:rPr lang="en-US" smtClean="0"/>
               <a:pPr/>
-              <a:t>12/5/13</a:t>
+              <a:t>12/6/13</a:t>
             </a:fld>
             <a:endParaRPr lang="en-US" dirty="0"/>
           </a:p>
@@ -3371,7 +3688,7 @@
             <a:fld id="{CD9E33B9-CE4A-C84C-B720-FE624F5655F3}" type="datetimeFigureOut">
               <a:rPr lang="en-US" smtClean="0"/>
               <a:pPr/>
-              <a:t>12/5/13</a:t>
+              <a:t>12/6/13</a:t>
             </a:fld>
             <a:endParaRPr lang="en-US" dirty="0"/>
           </a:p>
@@ -3645,7 +3962,7 @@
             <a:fld id="{CD9E33B9-CE4A-C84C-B720-FE624F5655F3}" type="datetimeFigureOut">
               <a:rPr lang="en-US" smtClean="0"/>
               <a:pPr/>
-              <a:t>12/5/13</a:t>
+              <a:t>12/6/13</a:t>
             </a:fld>
             <a:endParaRPr lang="en-US" dirty="0"/>
           </a:p>
@@ -3895,7 +4212,7 @@
             <a:fld id="{CD9E33B9-CE4A-C84C-B720-FE624F5655F3}" type="datetimeFigureOut">
               <a:rPr lang="en-US" smtClean="0"/>
               <a:pPr/>
-              <a:t>12/5/13</a:t>
+              <a:t>12/6/13</a:t>
             </a:fld>
             <a:endParaRPr lang="en-US" dirty="0"/>
           </a:p>
@@ -4105,7 +4422,7 @@
             <a:fld id="{CD9E33B9-CE4A-C84C-B720-FE624F5655F3}" type="datetimeFigureOut">
               <a:rPr lang="en-US" smtClean="0"/>
               <a:pPr/>
-              <a:t>12/5/13</a:t>
+              <a:t>12/6/13</a:t>
             </a:fld>
             <a:endParaRPr lang="en-US" dirty="0"/>
           </a:p>
@@ -9264,6 +9581,47 @@
 </p:sld>
 </file>
 
+<file path=ppt/slides/slide7.xml><?xml version="1.0" encoding="utf-8"?>
+<p:sld xmlns:a="http://schemas.openxmlformats.org/drawingml/2006/main" xmlns:r="http://schemas.openxmlformats.org/officeDocument/2006/relationships" xmlns:mc="http://schemas.openxmlformats.org/markup-compatibility/2006" xmlns:mv="urn:schemas-microsoft-com:mac:vml" xmlns:p="http://schemas.openxmlformats.org/presentationml/2006/main" mc:Ignorable="mv" mc:PreserveAttributes="mv:*">
+  <p:cSld>
+    <p:spTree>
+      <p:nvGrpSpPr>
+        <p:cNvPr id="1" name=""/>
+        <p:cNvGrpSpPr/>
+        <p:nvPr/>
+      </p:nvGrpSpPr>
+      <p:grpSpPr>
+        <a:xfrm>
+          <a:off x="0" y="0"/>
+          <a:ext cx="0" cy="0"/>
+          <a:chOff x="0" y="0"/>
+          <a:chExt cx="0" cy="0"/>
+        </a:xfrm>
+      </p:grpSpPr>
+      <p:graphicFrame>
+        <p:nvGraphicFramePr>
+          <p:cNvPr id="4" name="Chart 3"/>
+          <p:cNvGraphicFramePr/>
+          <p:nvPr/>
+        </p:nvGraphicFramePr>
+        <p:xfrm>
+          <a:off x="1327150" y="1176867"/>
+          <a:ext cx="5219700" cy="2743200"/>
+        </p:xfrm>
+        <a:graphic>
+          <a:graphicData uri="http://schemas.openxmlformats.org/drawingml/2006/chart">
+            <c:chart xmlns:c="http://schemas.openxmlformats.org/drawingml/2006/chart" xmlns:r="http://schemas.openxmlformats.org/officeDocument/2006/relationships" r:id="rId2"/>
+          </a:graphicData>
+        </a:graphic>
+      </p:graphicFrame>
+    </p:spTree>
+  </p:cSld>
+  <p:clrMapOvr>
+    <a:masterClrMapping/>
+  </p:clrMapOvr>
+</p:sld>
+</file>
+
 <file path=ppt/theme/theme1.xml><?xml version="1.0" encoding="utf-8"?>
 <a:theme xmlns:a="http://schemas.openxmlformats.org/drawingml/2006/main" name="Office Theme">
   <a:themeElements>
